--- a/DevSecOps-Präsentation.pptx
+++ b/DevSecOps-Präsentation.pptx
@@ -4,6 +4,9 @@
   <p:sldMasterIdLst>
     <p:sldMasterId id="2147483672" r:id="rId1"/>
   </p:sldMasterIdLst>
+  <p:notesMasterIdLst>
+    <p:notesMasterId r:id="rId24"/>
+  </p:notesMasterIdLst>
   <p:sldIdLst>
     <p:sldId id="256" r:id="rId2"/>
     <p:sldId id="257" r:id="rId3"/>
@@ -13,19 +16,20 @@
     <p:sldId id="261" r:id="rId7"/>
     <p:sldId id="262" r:id="rId8"/>
     <p:sldId id="263" r:id="rId9"/>
-    <p:sldId id="264" r:id="rId10"/>
-    <p:sldId id="265" r:id="rId11"/>
-    <p:sldId id="266" r:id="rId12"/>
-    <p:sldId id="268" r:id="rId13"/>
-    <p:sldId id="267" r:id="rId14"/>
-    <p:sldId id="270" r:id="rId15"/>
-    <p:sldId id="269" r:id="rId16"/>
+    <p:sldId id="265" r:id="rId10"/>
+    <p:sldId id="264" r:id="rId11"/>
+    <p:sldId id="277" r:id="rId12"/>
+    <p:sldId id="266" r:id="rId13"/>
+    <p:sldId id="268" r:id="rId14"/>
+    <p:sldId id="267" r:id="rId15"/>
+    <p:sldId id="270" r:id="rId16"/>
     <p:sldId id="271" r:id="rId17"/>
     <p:sldId id="272" r:id="rId18"/>
-    <p:sldId id="273" r:id="rId19"/>
-    <p:sldId id="274" r:id="rId20"/>
-    <p:sldId id="275" r:id="rId21"/>
+    <p:sldId id="274" r:id="rId19"/>
+    <p:sldId id="275" r:id="rId20"/>
+    <p:sldId id="273" r:id="rId21"/>
     <p:sldId id="276" r:id="rId22"/>
+    <p:sldId id="278" r:id="rId23"/>
   </p:sldIdLst>
   <p:sldSz cx="12192000" cy="6858000"/>
   <p:notesSz cx="6858000" cy="9144000"/>
@@ -124,7 +128,699 @@
       </a:defRPr>
     </a:lvl9pPr>
   </p:defaultTextStyle>
+  <p:extLst>
+    <p:ext uri="{EFAFB233-063F-42B5-8137-9DF3F51BA10A}">
+      <p15:sldGuideLst xmlns:p15="http://schemas.microsoft.com/office/powerpoint/2012/main"/>
+    </p:ext>
+    <p:ext uri="{2D200454-40CA-4A62-9FC3-DE9A4176ACB9}">
+      <p15:notesGuideLst xmlns:p15="http://schemas.microsoft.com/office/powerpoint/2012/main"/>
+    </p:ext>
+  </p:extLst>
 </p:presentation>
+</file>
+
+<file path=ppt/notesMasters/notesMaster1.xml><?xml version="1.0" encoding="utf-8"?>
+<p:notesMaster xmlns:a="http://schemas.openxmlformats.org/drawingml/2006/main" xmlns:r="http://schemas.openxmlformats.org/officeDocument/2006/relationships" xmlns:p="http://schemas.openxmlformats.org/presentationml/2006/main">
+  <p:cSld>
+    <p:bg>
+      <p:bgRef idx="1001">
+        <a:schemeClr val="bg1"/>
+      </p:bgRef>
+    </p:bg>
+    <p:spTree>
+      <p:nvGrpSpPr>
+        <p:cNvPr id="1" name=""/>
+        <p:cNvGrpSpPr/>
+        <p:nvPr/>
+      </p:nvGrpSpPr>
+      <p:grpSpPr>
+        <a:xfrm>
+          <a:off x="0" y="0"/>
+          <a:ext cx="0" cy="0"/>
+          <a:chOff x="0" y="0"/>
+          <a:chExt cx="0" cy="0"/>
+        </a:xfrm>
+      </p:grpSpPr>
+      <p:sp>
+        <p:nvSpPr>
+          <p:cNvPr id="2" name="Kopfzeilenplatzhalter 1"/>
+          <p:cNvSpPr>
+            <a:spLocks noGrp="1"/>
+          </p:cNvSpPr>
+          <p:nvPr>
+            <p:ph type="hdr" sz="quarter"/>
+          </p:nvPr>
+        </p:nvSpPr>
+        <p:spPr>
+          <a:xfrm>
+            <a:off x="0" y="0"/>
+            <a:ext cx="2971800" cy="458788"/>
+          </a:xfrm>
+          <a:prstGeom prst="rect">
+            <a:avLst/>
+          </a:prstGeom>
+        </p:spPr>
+        <p:txBody>
+          <a:bodyPr vert="horz" lIns="91440" tIns="45720" rIns="91440" bIns="45720" rtlCol="0"/>
+          <a:lstStyle>
+            <a:lvl1pPr algn="l">
+              <a:defRPr sz="1200"/>
+            </a:lvl1pPr>
+          </a:lstStyle>
+          <a:p>
+            <a:endParaRPr lang="de-DE"/>
+          </a:p>
+        </p:txBody>
+      </p:sp>
+      <p:sp>
+        <p:nvSpPr>
+          <p:cNvPr id="3" name="Datumsplatzhalter 2"/>
+          <p:cNvSpPr>
+            <a:spLocks noGrp="1"/>
+          </p:cNvSpPr>
+          <p:nvPr>
+            <p:ph type="dt" idx="1"/>
+          </p:nvPr>
+        </p:nvSpPr>
+        <p:spPr>
+          <a:xfrm>
+            <a:off x="3884613" y="0"/>
+            <a:ext cx="2971800" cy="458788"/>
+          </a:xfrm>
+          <a:prstGeom prst="rect">
+            <a:avLst/>
+          </a:prstGeom>
+        </p:spPr>
+        <p:txBody>
+          <a:bodyPr vert="horz" lIns="91440" tIns="45720" rIns="91440" bIns="45720" rtlCol="0"/>
+          <a:lstStyle>
+            <a:lvl1pPr algn="r">
+              <a:defRPr sz="1200"/>
+            </a:lvl1pPr>
+          </a:lstStyle>
+          <a:p>
+            <a:fld id="{13BF8AD4-1D47-4049-AEE2-D51502B55949}" type="datetimeFigureOut">
+              <a:rPr lang="de-DE" smtClean="0"/>
+              <a:t>05.07.2022</a:t>
+            </a:fld>
+            <a:endParaRPr lang="de-DE"/>
+          </a:p>
+        </p:txBody>
+      </p:sp>
+      <p:sp>
+        <p:nvSpPr>
+          <p:cNvPr id="4" name="Folienbildplatzhalter 3"/>
+          <p:cNvSpPr>
+            <a:spLocks noGrp="1" noRot="1" noChangeAspect="1"/>
+          </p:cNvSpPr>
+          <p:nvPr>
+            <p:ph type="sldImg" idx="2"/>
+          </p:nvPr>
+        </p:nvSpPr>
+        <p:spPr>
+          <a:xfrm>
+            <a:off x="685800" y="1143000"/>
+            <a:ext cx="5486400" cy="3086100"/>
+          </a:xfrm>
+          <a:prstGeom prst="rect">
+            <a:avLst/>
+          </a:prstGeom>
+          <a:noFill/>
+          <a:ln w="12700">
+            <a:solidFill>
+              <a:prstClr val="black"/>
+            </a:solidFill>
+          </a:ln>
+        </p:spPr>
+        <p:txBody>
+          <a:bodyPr vert="horz" lIns="91440" tIns="45720" rIns="91440" bIns="45720" rtlCol="0" anchor="ctr"/>
+          <a:lstStyle/>
+          <a:p>
+            <a:endParaRPr lang="de-DE"/>
+          </a:p>
+        </p:txBody>
+      </p:sp>
+      <p:sp>
+        <p:nvSpPr>
+          <p:cNvPr id="5" name="Notizenplatzhalter 4"/>
+          <p:cNvSpPr>
+            <a:spLocks noGrp="1"/>
+          </p:cNvSpPr>
+          <p:nvPr>
+            <p:ph type="body" sz="quarter" idx="3"/>
+          </p:nvPr>
+        </p:nvSpPr>
+        <p:spPr>
+          <a:xfrm>
+            <a:off x="685800" y="4400550"/>
+            <a:ext cx="5486400" cy="3600450"/>
+          </a:xfrm>
+          <a:prstGeom prst="rect">
+            <a:avLst/>
+          </a:prstGeom>
+        </p:spPr>
+        <p:txBody>
+          <a:bodyPr vert="horz" lIns="91440" tIns="45720" rIns="91440" bIns="45720" rtlCol="0"/>
+          <a:lstStyle/>
+          <a:p>
+            <a:pPr lvl="0"/>
+            <a:r>
+              <a:rPr lang="de-DE" smtClean="0"/>
+              <a:t>Formatvorlagen des Textmasters bearbeiten</a:t>
+            </a:r>
+          </a:p>
+          <a:p>
+            <a:pPr lvl="1"/>
+            <a:r>
+              <a:rPr lang="de-DE" smtClean="0"/>
+              <a:t>Zweite Ebene</a:t>
+            </a:r>
+          </a:p>
+          <a:p>
+            <a:pPr lvl="2"/>
+            <a:r>
+              <a:rPr lang="de-DE" smtClean="0"/>
+              <a:t>Dritte Ebene</a:t>
+            </a:r>
+          </a:p>
+          <a:p>
+            <a:pPr lvl="3"/>
+            <a:r>
+              <a:rPr lang="de-DE" smtClean="0"/>
+              <a:t>Vierte Ebene</a:t>
+            </a:r>
+          </a:p>
+          <a:p>
+            <a:pPr lvl="4"/>
+            <a:r>
+              <a:rPr lang="de-DE" smtClean="0"/>
+              <a:t>Fünfte Ebene</a:t>
+            </a:r>
+            <a:endParaRPr lang="de-DE"/>
+          </a:p>
+        </p:txBody>
+      </p:sp>
+      <p:sp>
+        <p:nvSpPr>
+          <p:cNvPr id="6" name="Fußzeilenplatzhalter 5"/>
+          <p:cNvSpPr>
+            <a:spLocks noGrp="1"/>
+          </p:cNvSpPr>
+          <p:nvPr>
+            <p:ph type="ftr" sz="quarter" idx="4"/>
+          </p:nvPr>
+        </p:nvSpPr>
+        <p:spPr>
+          <a:xfrm>
+            <a:off x="0" y="8685213"/>
+            <a:ext cx="2971800" cy="458787"/>
+          </a:xfrm>
+          <a:prstGeom prst="rect">
+            <a:avLst/>
+          </a:prstGeom>
+        </p:spPr>
+        <p:txBody>
+          <a:bodyPr vert="horz" lIns="91440" tIns="45720" rIns="91440" bIns="45720" rtlCol="0" anchor="b"/>
+          <a:lstStyle>
+            <a:lvl1pPr algn="l">
+              <a:defRPr sz="1200"/>
+            </a:lvl1pPr>
+          </a:lstStyle>
+          <a:p>
+            <a:endParaRPr lang="de-DE"/>
+          </a:p>
+        </p:txBody>
+      </p:sp>
+      <p:sp>
+        <p:nvSpPr>
+          <p:cNvPr id="7" name="Foliennummernplatzhalter 6"/>
+          <p:cNvSpPr>
+            <a:spLocks noGrp="1"/>
+          </p:cNvSpPr>
+          <p:nvPr>
+            <p:ph type="sldNum" sz="quarter" idx="5"/>
+          </p:nvPr>
+        </p:nvSpPr>
+        <p:spPr>
+          <a:xfrm>
+            <a:off x="3884613" y="8685213"/>
+            <a:ext cx="2971800" cy="458787"/>
+          </a:xfrm>
+          <a:prstGeom prst="rect">
+            <a:avLst/>
+          </a:prstGeom>
+        </p:spPr>
+        <p:txBody>
+          <a:bodyPr vert="horz" lIns="91440" tIns="45720" rIns="91440" bIns="45720" rtlCol="0" anchor="b"/>
+          <a:lstStyle>
+            <a:lvl1pPr algn="r">
+              <a:defRPr sz="1200"/>
+            </a:lvl1pPr>
+          </a:lstStyle>
+          <a:p>
+            <a:fld id="{49992543-191D-44F5-8CE4-61B0EA910F24}" type="slidenum">
+              <a:rPr lang="de-DE" smtClean="0"/>
+              <a:t>‹Nr.›</a:t>
+            </a:fld>
+            <a:endParaRPr lang="de-DE"/>
+          </a:p>
+        </p:txBody>
+      </p:sp>
+    </p:spTree>
+    <p:extLst>
+      <p:ext uri="{BB962C8B-B14F-4D97-AF65-F5344CB8AC3E}">
+        <p14:creationId xmlns:p14="http://schemas.microsoft.com/office/powerpoint/2010/main" val="118359532"/>
+      </p:ext>
+    </p:extLst>
+  </p:cSld>
+  <p:clrMap bg1="lt1" tx1="dk1" bg2="lt2" tx2="dk2" accent1="accent1" accent2="accent2" accent3="accent3" accent4="accent4" accent5="accent5" accent6="accent6" hlink="hlink" folHlink="folHlink"/>
+  <p:notesStyle>
+    <a:lvl1pPr marL="0" algn="l" defTabSz="914400" rtl="0" eaLnBrk="1" latinLnBrk="0" hangingPunct="1">
+      <a:defRPr sz="1200" kern="1200">
+        <a:solidFill>
+          <a:schemeClr val="tx1"/>
+        </a:solidFill>
+        <a:latin typeface="+mn-lt"/>
+        <a:ea typeface="+mn-ea"/>
+        <a:cs typeface="+mn-cs"/>
+      </a:defRPr>
+    </a:lvl1pPr>
+    <a:lvl2pPr marL="457200" algn="l" defTabSz="914400" rtl="0" eaLnBrk="1" latinLnBrk="0" hangingPunct="1">
+      <a:defRPr sz="1200" kern="1200">
+        <a:solidFill>
+          <a:schemeClr val="tx1"/>
+        </a:solidFill>
+        <a:latin typeface="+mn-lt"/>
+        <a:ea typeface="+mn-ea"/>
+        <a:cs typeface="+mn-cs"/>
+      </a:defRPr>
+    </a:lvl2pPr>
+    <a:lvl3pPr marL="914400" algn="l" defTabSz="914400" rtl="0" eaLnBrk="1" latinLnBrk="0" hangingPunct="1">
+      <a:defRPr sz="1200" kern="1200">
+        <a:solidFill>
+          <a:schemeClr val="tx1"/>
+        </a:solidFill>
+        <a:latin typeface="+mn-lt"/>
+        <a:ea typeface="+mn-ea"/>
+        <a:cs typeface="+mn-cs"/>
+      </a:defRPr>
+    </a:lvl3pPr>
+    <a:lvl4pPr marL="1371600" algn="l" defTabSz="914400" rtl="0" eaLnBrk="1" latinLnBrk="0" hangingPunct="1">
+      <a:defRPr sz="1200" kern="1200">
+        <a:solidFill>
+          <a:schemeClr val="tx1"/>
+        </a:solidFill>
+        <a:latin typeface="+mn-lt"/>
+        <a:ea typeface="+mn-ea"/>
+        <a:cs typeface="+mn-cs"/>
+      </a:defRPr>
+    </a:lvl4pPr>
+    <a:lvl5pPr marL="1828800" algn="l" defTabSz="914400" rtl="0" eaLnBrk="1" latinLnBrk="0" hangingPunct="1">
+      <a:defRPr sz="1200" kern="1200">
+        <a:solidFill>
+          <a:schemeClr val="tx1"/>
+        </a:solidFill>
+        <a:latin typeface="+mn-lt"/>
+        <a:ea typeface="+mn-ea"/>
+        <a:cs typeface="+mn-cs"/>
+      </a:defRPr>
+    </a:lvl5pPr>
+    <a:lvl6pPr marL="2286000" algn="l" defTabSz="914400" rtl="0" eaLnBrk="1" latinLnBrk="0" hangingPunct="1">
+      <a:defRPr sz="1200" kern="1200">
+        <a:solidFill>
+          <a:schemeClr val="tx1"/>
+        </a:solidFill>
+        <a:latin typeface="+mn-lt"/>
+        <a:ea typeface="+mn-ea"/>
+        <a:cs typeface="+mn-cs"/>
+      </a:defRPr>
+    </a:lvl6pPr>
+    <a:lvl7pPr marL="2743200" algn="l" defTabSz="914400" rtl="0" eaLnBrk="1" latinLnBrk="0" hangingPunct="1">
+      <a:defRPr sz="1200" kern="1200">
+        <a:solidFill>
+          <a:schemeClr val="tx1"/>
+        </a:solidFill>
+        <a:latin typeface="+mn-lt"/>
+        <a:ea typeface="+mn-ea"/>
+        <a:cs typeface="+mn-cs"/>
+      </a:defRPr>
+    </a:lvl7pPr>
+    <a:lvl8pPr marL="3200400" algn="l" defTabSz="914400" rtl="0" eaLnBrk="1" latinLnBrk="0" hangingPunct="1">
+      <a:defRPr sz="1200" kern="1200">
+        <a:solidFill>
+          <a:schemeClr val="tx1"/>
+        </a:solidFill>
+        <a:latin typeface="+mn-lt"/>
+        <a:ea typeface="+mn-ea"/>
+        <a:cs typeface="+mn-cs"/>
+      </a:defRPr>
+    </a:lvl8pPr>
+    <a:lvl9pPr marL="3657600" algn="l" defTabSz="914400" rtl="0" eaLnBrk="1" latinLnBrk="0" hangingPunct="1">
+      <a:defRPr sz="1200" kern="1200">
+        <a:solidFill>
+          <a:schemeClr val="tx1"/>
+        </a:solidFill>
+        <a:latin typeface="+mn-lt"/>
+        <a:ea typeface="+mn-ea"/>
+        <a:cs typeface="+mn-cs"/>
+      </a:defRPr>
+    </a:lvl9pPr>
+  </p:notesStyle>
+</p:notesMaster>
+</file>
+
+<file path=ppt/notesSlides/notesSlide1.xml><?xml version="1.0" encoding="utf-8"?>
+<p:notes xmlns:a="http://schemas.openxmlformats.org/drawingml/2006/main" xmlns:r="http://schemas.openxmlformats.org/officeDocument/2006/relationships" xmlns:p="http://schemas.openxmlformats.org/presentationml/2006/main">
+  <p:cSld>
+    <p:spTree>
+      <p:nvGrpSpPr>
+        <p:cNvPr id="1" name=""/>
+        <p:cNvGrpSpPr/>
+        <p:nvPr/>
+      </p:nvGrpSpPr>
+      <p:grpSpPr>
+        <a:xfrm>
+          <a:off x="0" y="0"/>
+          <a:ext cx="0" cy="0"/>
+          <a:chOff x="0" y="0"/>
+          <a:chExt cx="0" cy="0"/>
+        </a:xfrm>
+      </p:grpSpPr>
+      <p:sp>
+        <p:nvSpPr>
+          <p:cNvPr id="2" name="Folienbildplatzhalter 1"/>
+          <p:cNvSpPr>
+            <a:spLocks noGrp="1" noRot="1" noChangeAspect="1"/>
+          </p:cNvSpPr>
+          <p:nvPr>
+            <p:ph type="sldImg"/>
+          </p:nvPr>
+        </p:nvSpPr>
+        <p:spPr/>
+      </p:sp>
+      <p:sp>
+        <p:nvSpPr>
+          <p:cNvPr id="3" name="Notizenplatzhalter 2"/>
+          <p:cNvSpPr>
+            <a:spLocks noGrp="1"/>
+          </p:cNvSpPr>
+          <p:nvPr>
+            <p:ph type="body" idx="1"/>
+          </p:nvPr>
+        </p:nvSpPr>
+        <p:spPr/>
+        <p:txBody>
+          <a:bodyPr/>
+          <a:lstStyle/>
+          <a:p>
+            <a:r>
+              <a:rPr lang="de-DE" dirty="0" smtClean="0"/>
+              <a:t>Überwachung -&gt; Einblick in Datenverkehr</a:t>
+            </a:r>
+            <a:r>
+              <a:rPr lang="de-DE" baseline="0" dirty="0" smtClean="0"/>
+              <a:t> -&gt; bösartiges Benutzerverhalten erkennen</a:t>
+            </a:r>
+            <a:endParaRPr lang="de-DE" dirty="0"/>
+          </a:p>
+        </p:txBody>
+      </p:sp>
+      <p:sp>
+        <p:nvSpPr>
+          <p:cNvPr id="4" name="Foliennummernplatzhalter 3"/>
+          <p:cNvSpPr>
+            <a:spLocks noGrp="1"/>
+          </p:cNvSpPr>
+          <p:nvPr>
+            <p:ph type="sldNum" sz="quarter" idx="10"/>
+          </p:nvPr>
+        </p:nvSpPr>
+        <p:spPr/>
+        <p:txBody>
+          <a:bodyPr/>
+          <a:lstStyle/>
+          <a:p>
+            <a:fld id="{49992543-191D-44F5-8CE4-61B0EA910F24}" type="slidenum">
+              <a:rPr lang="de-DE" smtClean="0"/>
+              <a:t>4</a:t>
+            </a:fld>
+            <a:endParaRPr lang="de-DE"/>
+          </a:p>
+        </p:txBody>
+      </p:sp>
+    </p:spTree>
+    <p:extLst>
+      <p:ext uri="{BB962C8B-B14F-4D97-AF65-F5344CB8AC3E}">
+        <p14:creationId xmlns:p14="http://schemas.microsoft.com/office/powerpoint/2010/main" val="2119509868"/>
+      </p:ext>
+    </p:extLst>
+  </p:cSld>
+  <p:clrMapOvr>
+    <a:masterClrMapping/>
+  </p:clrMapOvr>
+</p:notes>
+</file>
+
+<file path=ppt/notesSlides/notesSlide2.xml><?xml version="1.0" encoding="utf-8"?>
+<p:notes xmlns:a="http://schemas.openxmlformats.org/drawingml/2006/main" xmlns:r="http://schemas.openxmlformats.org/officeDocument/2006/relationships" xmlns:p="http://schemas.openxmlformats.org/presentationml/2006/main">
+  <p:cSld>
+    <p:spTree>
+      <p:nvGrpSpPr>
+        <p:cNvPr id="1" name=""/>
+        <p:cNvGrpSpPr/>
+        <p:nvPr/>
+      </p:nvGrpSpPr>
+      <p:grpSpPr>
+        <a:xfrm>
+          <a:off x="0" y="0"/>
+          <a:ext cx="0" cy="0"/>
+          <a:chOff x="0" y="0"/>
+          <a:chExt cx="0" cy="0"/>
+        </a:xfrm>
+      </p:grpSpPr>
+      <p:sp>
+        <p:nvSpPr>
+          <p:cNvPr id="2" name="Folienbildplatzhalter 1"/>
+          <p:cNvSpPr>
+            <a:spLocks noGrp="1" noRot="1" noChangeAspect="1"/>
+          </p:cNvSpPr>
+          <p:nvPr>
+            <p:ph type="sldImg"/>
+          </p:nvPr>
+        </p:nvSpPr>
+        <p:spPr/>
+      </p:sp>
+      <p:sp>
+        <p:nvSpPr>
+          <p:cNvPr id="3" name="Notizenplatzhalter 2"/>
+          <p:cNvSpPr>
+            <a:spLocks noGrp="1"/>
+          </p:cNvSpPr>
+          <p:nvPr>
+            <p:ph type="body" idx="1"/>
+          </p:nvPr>
+        </p:nvSpPr>
+        <p:spPr/>
+        <p:txBody>
+          <a:bodyPr/>
+          <a:lstStyle/>
+          <a:p>
+            <a:r>
+              <a:rPr lang="de-DE" dirty="0" err="1" smtClean="0"/>
+              <a:t>GitHub</a:t>
+            </a:r>
+            <a:r>
+              <a:rPr lang="de-DE" dirty="0" smtClean="0"/>
+              <a:t> </a:t>
+            </a:r>
+            <a:r>
+              <a:rPr lang="de-DE" dirty="0" err="1" smtClean="0"/>
+              <a:t>Advanced</a:t>
+            </a:r>
+            <a:r>
+              <a:rPr lang="de-DE" dirty="0" smtClean="0"/>
+              <a:t> Security</a:t>
+            </a:r>
+            <a:r>
+              <a:rPr lang="de-DE" baseline="0" dirty="0" smtClean="0"/>
+              <a:t> in </a:t>
+            </a:r>
+            <a:r>
+              <a:rPr lang="de-DE" baseline="0" dirty="0" err="1" smtClean="0"/>
+              <a:t>GitHub</a:t>
+            </a:r>
+            <a:r>
+              <a:rPr lang="de-DE" baseline="0" dirty="0" smtClean="0"/>
+              <a:t> Enterprise</a:t>
+            </a:r>
+            <a:endParaRPr lang="de-DE" dirty="0"/>
+          </a:p>
+        </p:txBody>
+      </p:sp>
+      <p:sp>
+        <p:nvSpPr>
+          <p:cNvPr id="4" name="Foliennummernplatzhalter 3"/>
+          <p:cNvSpPr>
+            <a:spLocks noGrp="1"/>
+          </p:cNvSpPr>
+          <p:nvPr>
+            <p:ph type="sldNum" sz="quarter" idx="10"/>
+          </p:nvPr>
+        </p:nvSpPr>
+        <p:spPr/>
+        <p:txBody>
+          <a:bodyPr/>
+          <a:lstStyle/>
+          <a:p>
+            <a:fld id="{49992543-191D-44F5-8CE4-61B0EA910F24}" type="slidenum">
+              <a:rPr lang="de-DE" smtClean="0"/>
+              <a:t>8</a:t>
+            </a:fld>
+            <a:endParaRPr lang="de-DE"/>
+          </a:p>
+        </p:txBody>
+      </p:sp>
+    </p:spTree>
+    <p:extLst>
+      <p:ext uri="{BB962C8B-B14F-4D97-AF65-F5344CB8AC3E}">
+        <p14:creationId xmlns:p14="http://schemas.microsoft.com/office/powerpoint/2010/main" val="3431240371"/>
+      </p:ext>
+    </p:extLst>
+  </p:cSld>
+  <p:clrMapOvr>
+    <a:masterClrMapping/>
+  </p:clrMapOvr>
+</p:notes>
+</file>
+
+<file path=ppt/notesSlides/notesSlide3.xml><?xml version="1.0" encoding="utf-8"?>
+<p:notes xmlns:a="http://schemas.openxmlformats.org/drawingml/2006/main" xmlns:r="http://schemas.openxmlformats.org/officeDocument/2006/relationships" xmlns:p="http://schemas.openxmlformats.org/presentationml/2006/main">
+  <p:cSld>
+    <p:spTree>
+      <p:nvGrpSpPr>
+        <p:cNvPr id="1" name=""/>
+        <p:cNvGrpSpPr/>
+        <p:nvPr/>
+      </p:nvGrpSpPr>
+      <p:grpSpPr>
+        <a:xfrm>
+          <a:off x="0" y="0"/>
+          <a:ext cx="0" cy="0"/>
+          <a:chOff x="0" y="0"/>
+          <a:chExt cx="0" cy="0"/>
+        </a:xfrm>
+      </p:grpSpPr>
+      <p:sp>
+        <p:nvSpPr>
+          <p:cNvPr id="2" name="Folienbildplatzhalter 1"/>
+          <p:cNvSpPr>
+            <a:spLocks noGrp="1" noRot="1" noChangeAspect="1"/>
+          </p:cNvSpPr>
+          <p:nvPr>
+            <p:ph type="sldImg"/>
+          </p:nvPr>
+        </p:nvSpPr>
+        <p:spPr/>
+      </p:sp>
+      <p:sp>
+        <p:nvSpPr>
+          <p:cNvPr id="3" name="Notizenplatzhalter 2"/>
+          <p:cNvSpPr>
+            <a:spLocks noGrp="1"/>
+          </p:cNvSpPr>
+          <p:nvPr>
+            <p:ph type="body" idx="1"/>
+          </p:nvPr>
+        </p:nvSpPr>
+        <p:spPr/>
+        <p:txBody>
+          <a:bodyPr/>
+          <a:lstStyle/>
+          <a:p>
+            <a:r>
+              <a:rPr lang="de-DE" dirty="0" smtClean="0"/>
+              <a:t>Microsoft</a:t>
+            </a:r>
+            <a:r>
+              <a:rPr lang="de-DE" baseline="0" dirty="0" smtClean="0"/>
+              <a:t> wirbt bei </a:t>
+            </a:r>
+            <a:r>
+              <a:rPr lang="de-DE" baseline="0" dirty="0" err="1" smtClean="0"/>
+              <a:t>DevSecOps</a:t>
+            </a:r>
+            <a:r>
+              <a:rPr lang="de-DE" baseline="0" dirty="0" smtClean="0"/>
+              <a:t> nur mit </a:t>
+            </a:r>
+            <a:r>
+              <a:rPr lang="de-DE" baseline="0" dirty="0" err="1" smtClean="0"/>
+              <a:t>GitHub</a:t>
+            </a:r>
+            <a:endParaRPr lang="de-DE" baseline="0" dirty="0" smtClean="0"/>
+          </a:p>
+          <a:p>
+            <a:endParaRPr lang="de-DE" dirty="0" smtClean="0"/>
+          </a:p>
+          <a:p>
+            <a:r>
+              <a:rPr lang="de-DE" dirty="0" err="1" smtClean="0"/>
+              <a:t>DevSecOps</a:t>
+            </a:r>
+            <a:r>
+              <a:rPr lang="de-DE" dirty="0" smtClean="0"/>
+              <a:t> Komplex</a:t>
+            </a:r>
+            <a:r>
+              <a:rPr lang="de-DE" baseline="0" dirty="0" smtClean="0"/>
+              <a:t> -&gt; </a:t>
+            </a:r>
+            <a:r>
+              <a:rPr lang="de-DE" dirty="0" smtClean="0"/>
+              <a:t>Schritt</a:t>
+            </a:r>
+            <a:r>
+              <a:rPr lang="de-DE" baseline="0" dirty="0" smtClean="0"/>
+              <a:t> für Schritt</a:t>
+            </a:r>
+            <a:endParaRPr lang="de-DE" dirty="0"/>
+          </a:p>
+        </p:txBody>
+      </p:sp>
+      <p:sp>
+        <p:nvSpPr>
+          <p:cNvPr id="4" name="Foliennummernplatzhalter 3"/>
+          <p:cNvSpPr>
+            <a:spLocks noGrp="1"/>
+          </p:cNvSpPr>
+          <p:nvPr>
+            <p:ph type="sldNum" sz="quarter" idx="10"/>
+          </p:nvPr>
+        </p:nvSpPr>
+        <p:spPr/>
+        <p:txBody>
+          <a:bodyPr/>
+          <a:lstStyle/>
+          <a:p>
+            <a:fld id="{49992543-191D-44F5-8CE4-61B0EA910F24}" type="slidenum">
+              <a:rPr lang="de-DE" smtClean="0"/>
+              <a:t>21</a:t>
+            </a:fld>
+            <a:endParaRPr lang="de-DE"/>
+          </a:p>
+        </p:txBody>
+      </p:sp>
+    </p:spTree>
+    <p:extLst>
+      <p:ext uri="{BB962C8B-B14F-4D97-AF65-F5344CB8AC3E}">
+        <p14:creationId xmlns:p14="http://schemas.microsoft.com/office/powerpoint/2010/main" val="1556732968"/>
+      </p:ext>
+    </p:extLst>
+  </p:cSld>
+  <p:clrMapOvr>
+    <a:masterClrMapping/>
+  </p:clrMapOvr>
+</p:notes>
 </file>
 
 <file path=ppt/slideLayouts/slideLayout1.xml><?xml version="1.0" encoding="utf-8"?>
@@ -8920,7 +9616,7 @@
           <a:p>
             <a:fld id="{04A2BC73-CF7A-46DC-A614-B1C8166B4D4E}" type="datetimeFigureOut">
               <a:rPr lang="de-DE" smtClean="0"/>
-              <a:t>04.07.2022</a:t>
+              <a:t>05.07.2022</a:t>
             </a:fld>
             <a:endParaRPr lang="de-DE"/>
           </a:p>
@@ -9127,7 +9823,7 @@
           <a:p>
             <a:fld id="{04A2BC73-CF7A-46DC-A614-B1C8166B4D4E}" type="datetimeFigureOut">
               <a:rPr lang="de-DE" smtClean="0"/>
-              <a:t>04.07.2022</a:t>
+              <a:t>05.07.2022</a:t>
             </a:fld>
             <a:endParaRPr lang="de-DE"/>
           </a:p>
@@ -9307,7 +10003,7 @@
           <a:p>
             <a:fld id="{04A2BC73-CF7A-46DC-A614-B1C8166B4D4E}" type="datetimeFigureOut">
               <a:rPr lang="de-DE" smtClean="0"/>
-              <a:t>04.07.2022</a:t>
+              <a:t>05.07.2022</a:t>
             </a:fld>
             <a:endParaRPr lang="de-DE"/>
           </a:p>
@@ -9512,7 +10208,7 @@
           <a:p>
             <a:fld id="{04A2BC73-CF7A-46DC-A614-B1C8166B4D4E}" type="datetimeFigureOut">
               <a:rPr lang="de-DE" smtClean="0"/>
-              <a:t>04.07.2022</a:t>
+              <a:t>05.07.2022</a:t>
             </a:fld>
             <a:endParaRPr lang="de-DE"/>
           </a:p>
@@ -18410,7 +19106,7 @@
           <a:p>
             <a:fld id="{04A2BC73-CF7A-46DC-A614-B1C8166B4D4E}" type="datetimeFigureOut">
               <a:rPr lang="de-DE" smtClean="0"/>
-              <a:t>04.07.2022</a:t>
+              <a:t>05.07.2022</a:t>
             </a:fld>
             <a:endParaRPr lang="de-DE"/>
           </a:p>
@@ -18684,7 +19380,7 @@
           <a:p>
             <a:fld id="{04A2BC73-CF7A-46DC-A614-B1C8166B4D4E}" type="datetimeFigureOut">
               <a:rPr lang="de-DE" smtClean="0"/>
-              <a:t>04.07.2022</a:t>
+              <a:t>05.07.2022</a:t>
             </a:fld>
             <a:endParaRPr lang="de-DE"/>
           </a:p>
@@ -19082,7 +19778,7 @@
           <a:p>
             <a:fld id="{04A2BC73-CF7A-46DC-A614-B1C8166B4D4E}" type="datetimeFigureOut">
               <a:rPr lang="de-DE" smtClean="0"/>
-              <a:t>04.07.2022</a:t>
+              <a:t>05.07.2022</a:t>
             </a:fld>
             <a:endParaRPr lang="de-DE"/>
           </a:p>
@@ -19200,7 +19896,7 @@
           <a:p>
             <a:fld id="{04A2BC73-CF7A-46DC-A614-B1C8166B4D4E}" type="datetimeFigureOut">
               <a:rPr lang="de-DE" smtClean="0"/>
-              <a:t>04.07.2022</a:t>
+              <a:t>05.07.2022</a:t>
             </a:fld>
             <a:endParaRPr lang="de-DE"/>
           </a:p>
@@ -19295,7 +19991,7 @@
           <a:p>
             <a:fld id="{04A2BC73-CF7A-46DC-A614-B1C8166B4D4E}" type="datetimeFigureOut">
               <a:rPr lang="de-DE" smtClean="0"/>
-              <a:t>04.07.2022</a:t>
+              <a:t>05.07.2022</a:t>
             </a:fld>
             <a:endParaRPr lang="de-DE"/>
           </a:p>
@@ -19585,7 +20281,7 @@
           <a:p>
             <a:fld id="{04A2BC73-CF7A-46DC-A614-B1C8166B4D4E}" type="datetimeFigureOut">
               <a:rPr lang="de-DE" smtClean="0"/>
-              <a:t>04.07.2022</a:t>
+              <a:t>05.07.2022</a:t>
             </a:fld>
             <a:endParaRPr lang="de-DE"/>
           </a:p>
@@ -19865,7 +20561,7 @@
           <a:p>
             <a:fld id="{04A2BC73-CF7A-46DC-A614-B1C8166B4D4E}" type="datetimeFigureOut">
               <a:rPr lang="de-DE" smtClean="0"/>
-              <a:t>04.07.2022</a:t>
+              <a:t>05.07.2022</a:t>
             </a:fld>
             <a:endParaRPr lang="de-DE"/>
           </a:p>
@@ -20115,7 +20811,7 @@
           <a:p>
             <a:fld id="{04A2BC73-CF7A-46DC-A614-B1C8166B4D4E}" type="datetimeFigureOut">
               <a:rPr lang="de-DE" smtClean="0"/>
-              <a:t>04.07.2022</a:t>
+              <a:t>05.07.2022</a:t>
             </a:fld>
             <a:endParaRPr lang="de-DE"/>
           </a:p>
@@ -20740,11 +21436,7 @@
           <a:p>
             <a:r>
               <a:rPr lang="de-DE" dirty="0" smtClean="0"/>
-              <a:t>Secret </a:t>
-            </a:r>
-            <a:r>
-              <a:rPr lang="de-DE" dirty="0" err="1" smtClean="0"/>
-              <a:t>scanning</a:t>
+              <a:t>Code Scanning</a:t>
             </a:r>
             <a:endParaRPr lang="de-DE" dirty="0"/>
           </a:p>
@@ -20760,19 +21452,114 @@
             <p:ph idx="1"/>
           </p:nvPr>
         </p:nvSpPr>
-        <p:spPr/>
+        <p:spPr>
+          <a:xfrm>
+            <a:off x="1024129" y="2286000"/>
+            <a:ext cx="3986022" cy="4023360"/>
+          </a:xfrm>
+        </p:spPr>
         <p:txBody>
           <a:bodyPr/>
           <a:lstStyle/>
           <a:p>
-            <a:endParaRPr lang="de-DE"/>
+            <a:pPr>
+              <a:buFont typeface="Wingdings" panose="05000000000000000000" pitchFamily="2" charset="2"/>
+              <a:buChar char="v"/>
+            </a:pPr>
+            <a:r>
+              <a:rPr lang="de-DE" dirty="0" smtClean="0"/>
+              <a:t> Möglichkeit mit </a:t>
+            </a:r>
+            <a:r>
+              <a:rPr lang="de-DE" dirty="0" err="1" smtClean="0"/>
+              <a:t>GitHub</a:t>
+            </a:r>
+            <a:r>
+              <a:rPr lang="de-DE" dirty="0" smtClean="0"/>
+              <a:t> Actions verschieden vordefiniert Workflows zu integrieren</a:t>
+            </a:r>
+          </a:p>
+          <a:p>
+            <a:pPr>
+              <a:buFont typeface="Wingdings" panose="05000000000000000000" pitchFamily="2" charset="2"/>
+              <a:buChar char="v"/>
+            </a:pPr>
+            <a:r>
+              <a:rPr lang="de-DE" dirty="0"/>
+              <a:t> </a:t>
+            </a:r>
+            <a:r>
+              <a:rPr lang="de-DE" dirty="0" err="1" smtClean="0"/>
+              <a:t>CodeQL</a:t>
+            </a:r>
+            <a:r>
+              <a:rPr lang="de-DE" dirty="0" smtClean="0"/>
+              <a:t> als eigenes Code Scanning Tool</a:t>
+            </a:r>
+          </a:p>
+          <a:p>
+            <a:pPr>
+              <a:buFont typeface="Wingdings" panose="05000000000000000000" pitchFamily="2" charset="2"/>
+              <a:buChar char="v"/>
+            </a:pPr>
+            <a:r>
+              <a:rPr lang="de-DE" dirty="0"/>
+              <a:t> </a:t>
+            </a:r>
+            <a:r>
+              <a:rPr lang="de-DE" dirty="0" smtClean="0"/>
+              <a:t>Security Tab zeigt gefundene Schwachstellen und gibt Tipps</a:t>
+            </a:r>
+          </a:p>
+          <a:p>
+            <a:pPr>
+              <a:buFont typeface="Wingdings" panose="05000000000000000000" pitchFamily="2" charset="2"/>
+              <a:buChar char="v"/>
+            </a:pPr>
+            <a:r>
+              <a:rPr lang="de-DE" dirty="0"/>
+              <a:t> </a:t>
+            </a:r>
+            <a:r>
+              <a:rPr lang="de-DE" dirty="0" smtClean="0"/>
+              <a:t>Abhängigkeitsanalyse mit </a:t>
+            </a:r>
+            <a:r>
+              <a:rPr lang="de-DE" dirty="0" err="1" smtClean="0"/>
+              <a:t>Dependabot</a:t>
+            </a:r>
+            <a:endParaRPr lang="de-DE" dirty="0"/>
           </a:p>
         </p:txBody>
       </p:sp>
+      <p:pic>
+        <p:nvPicPr>
+          <p:cNvPr id="4" name="Grafik 3"/>
+          <p:cNvPicPr>
+            <a:picLocks noChangeAspect="1"/>
+          </p:cNvPicPr>
+          <p:nvPr/>
+        </p:nvPicPr>
+        <p:blipFill>
+          <a:blip r:embed="rId2"/>
+          <a:stretch>
+            <a:fillRect/>
+          </a:stretch>
+        </p:blipFill>
+        <p:spPr>
+          <a:xfrm>
+            <a:off x="5319607" y="323850"/>
+            <a:ext cx="6872393" cy="6135672"/>
+          </a:xfrm>
+          <a:prstGeom prst="rect">
+            <a:avLst/>
+          </a:prstGeom>
+        </p:spPr>
+      </p:pic>
     </p:spTree>
     <p:extLst>
       <p:ext uri="{BB962C8B-B14F-4D97-AF65-F5344CB8AC3E}">
-        <p14:creationId xmlns:p14="http://schemas.microsoft.com/office/powerpoint/2010/main" val="2958358037"/>
+        <p14:creationId xmlns:p14="http://schemas.microsoft.com/office/powerpoint/2010/main" val="2801530433"/>
       </p:ext>
     </p:extLst>
   </p:cSld>
@@ -20816,7 +21603,7 @@
           <a:p>
             <a:r>
               <a:rPr lang="de-DE" dirty="0" err="1" smtClean="0"/>
-              <a:t>codespaces</a:t>
+              <a:t>CodeQl</a:t>
             </a:r>
             <a:endParaRPr lang="de-DE" dirty="0"/>
           </a:p>
@@ -20837,14 +21624,117 @@
           <a:bodyPr/>
           <a:lstStyle/>
           <a:p>
-            <a:endParaRPr lang="de-DE"/>
+            <a:pPr>
+              <a:buFont typeface="Wingdings" panose="05000000000000000000" pitchFamily="2" charset="2"/>
+              <a:buChar char="v"/>
+            </a:pPr>
+            <a:r>
+              <a:rPr lang="de-DE" dirty="0"/>
+              <a:t> unterstützt C/C++, C\#, Go, Java, JavaScript, Python, Ruby, </a:t>
+            </a:r>
+            <a:r>
+              <a:rPr lang="de-DE" dirty="0" smtClean="0"/>
+              <a:t>Typescript</a:t>
+            </a:r>
+          </a:p>
+          <a:p>
+            <a:pPr>
+              <a:buFont typeface="Wingdings" panose="05000000000000000000" pitchFamily="2" charset="2"/>
+              <a:buChar char="v"/>
+            </a:pPr>
+            <a:r>
+              <a:rPr lang="de-DE" dirty="0"/>
+              <a:t> </a:t>
+            </a:r>
+            <a:r>
+              <a:rPr lang="de-DE" dirty="0" smtClean="0"/>
+              <a:t>Code wird wie Daten verarbeitet</a:t>
+            </a:r>
+          </a:p>
+          <a:p>
+            <a:pPr>
+              <a:buFont typeface="Wingdings" panose="05000000000000000000" pitchFamily="2" charset="2"/>
+              <a:buChar char="v"/>
+            </a:pPr>
+            <a:r>
+              <a:rPr lang="de-DE" dirty="0"/>
+              <a:t> </a:t>
+            </a:r>
+            <a:r>
+              <a:rPr lang="de-DE" dirty="0" smtClean="0"/>
+              <a:t>Sicherheitslücke wird als Abfrage modelliert</a:t>
+            </a:r>
+          </a:p>
+          <a:p>
+            <a:pPr>
+              <a:buFont typeface="Wingdings" panose="05000000000000000000" pitchFamily="2" charset="2"/>
+              <a:buChar char="v"/>
+            </a:pPr>
+            <a:r>
+              <a:rPr lang="de-DE" dirty="0"/>
+              <a:t> </a:t>
+            </a:r>
+            <a:r>
+              <a:rPr lang="de-DE" dirty="0" smtClean="0"/>
+              <a:t>standardisierte </a:t>
+            </a:r>
+            <a:r>
+              <a:rPr lang="de-DE" dirty="0"/>
+              <a:t>Queries</a:t>
+            </a:r>
+            <a:r>
+              <a:rPr lang="de-DE" dirty="0" smtClean="0"/>
+              <a:t> vs. Queries aus de Community</a:t>
+            </a:r>
+            <a:endParaRPr lang="de-DE" dirty="0"/>
           </a:p>
         </p:txBody>
       </p:sp>
+      <p:pic>
+        <p:nvPicPr>
+          <p:cNvPr id="2050" name="Picture 2" descr="GitHub Security Lab on Twitter: &quot;Share the CodeQL resources you ❤️ with the  rest of the community in our new CodeQL resources section! Open to PRs!  https://t.co/2FkfVSDo7x https://t.co/CUk8L2RW0D&quot; / Twitter"/>
+          <p:cNvPicPr>
+            <a:picLocks noChangeAspect="1" noChangeArrowheads="1"/>
+          </p:cNvPicPr>
+          <p:nvPr/>
+        </p:nvPicPr>
+        <p:blipFill>
+          <a:blip r:embed="rId2" cstate="print">
+            <a:extLst>
+              <a:ext uri="{28A0092B-C50C-407E-A947-70E740481C1C}">
+                <a14:useLocalDpi xmlns:a14="http://schemas.microsoft.com/office/drawing/2010/main" val="0"/>
+              </a:ext>
+            </a:extLst>
+          </a:blip>
+          <a:srcRect/>
+          <a:stretch>
+            <a:fillRect/>
+          </a:stretch>
+        </p:blipFill>
+        <p:spPr bwMode="auto">
+          <a:xfrm>
+            <a:off x="8820150" y="3679825"/>
+            <a:ext cx="2184400" cy="2184400"/>
+          </a:xfrm>
+          <a:prstGeom prst="rect">
+            <a:avLst/>
+          </a:prstGeom>
+          <a:noFill/>
+          <a:extLst>
+            <a:ext uri="{909E8E84-426E-40DD-AFC4-6F175D3DCCD1}">
+              <a14:hiddenFill xmlns:a14="http://schemas.microsoft.com/office/drawing/2010/main">
+                <a:solidFill>
+                  <a:srgbClr val="FFFFFF"/>
+                </a:solidFill>
+              </a14:hiddenFill>
+            </a:ext>
+          </a:extLst>
+        </p:spPr>
+      </p:pic>
     </p:spTree>
     <p:extLst>
       <p:ext uri="{BB962C8B-B14F-4D97-AF65-F5344CB8AC3E}">
-        <p14:creationId xmlns:p14="http://schemas.microsoft.com/office/powerpoint/2010/main" val="2544807765"/>
+        <p14:creationId xmlns:p14="http://schemas.microsoft.com/office/powerpoint/2010/main" val="3589044617"/>
       </p:ext>
     </p:extLst>
   </p:cSld>
@@ -20888,23 +21778,7 @@
           <a:p>
             <a:r>
               <a:rPr lang="de-DE" dirty="0" err="1" smtClean="0"/>
-              <a:t>OWAsp</a:t>
-            </a:r>
-            <a:r>
-              <a:rPr lang="de-DE" dirty="0" smtClean="0"/>
-              <a:t> </a:t>
-            </a:r>
-            <a:r>
-              <a:rPr lang="de-DE" dirty="0" err="1" smtClean="0"/>
-              <a:t>Maturity</a:t>
-            </a:r>
-            <a:r>
-              <a:rPr lang="de-DE" dirty="0" smtClean="0"/>
-              <a:t> Model mit </a:t>
-            </a:r>
-            <a:r>
-              <a:rPr lang="de-DE" dirty="0" err="1" smtClean="0"/>
-              <a:t>github</a:t>
+              <a:t>codespaces</a:t>
             </a:r>
             <a:endParaRPr lang="de-DE" dirty="0"/>
           </a:p>
@@ -20925,6 +21799,84 @@
           <a:bodyPr/>
           <a:lstStyle/>
           <a:p>
+            <a:pPr>
+              <a:buFont typeface="Wingdings" panose="05000000000000000000" pitchFamily="2" charset="2"/>
+              <a:buChar char="v"/>
+            </a:pPr>
+            <a:r>
+              <a:rPr lang="de-DE" dirty="0" smtClean="0"/>
+              <a:t> Softwareentwicklungsumgebung in der Cloud</a:t>
+            </a:r>
+          </a:p>
+          <a:p>
+            <a:pPr>
+              <a:buFont typeface="Wingdings" panose="05000000000000000000" pitchFamily="2" charset="2"/>
+              <a:buChar char="v"/>
+            </a:pPr>
+            <a:r>
+              <a:rPr lang="de-DE" dirty="0"/>
+              <a:t> </a:t>
+            </a:r>
+            <a:r>
+              <a:rPr lang="de-DE" dirty="0" smtClean="0"/>
+              <a:t>Nutzung von Visual Studio Code mit Terminal und Debugger</a:t>
+            </a:r>
+          </a:p>
+          <a:p>
+            <a:pPr>
+              <a:buFont typeface="Wingdings" panose="05000000000000000000" pitchFamily="2" charset="2"/>
+              <a:buChar char="v"/>
+            </a:pPr>
+            <a:r>
+              <a:rPr lang="de-DE" dirty="0"/>
+              <a:t> </a:t>
+            </a:r>
+            <a:r>
+              <a:rPr lang="de-DE" dirty="0" smtClean="0"/>
+              <a:t>Gute Skalierbarkeit und Standardisierung</a:t>
+            </a:r>
+          </a:p>
+          <a:p>
+            <a:pPr>
+              <a:buFont typeface="Wingdings" panose="05000000000000000000" pitchFamily="2" charset="2"/>
+              <a:buChar char="v"/>
+            </a:pPr>
+            <a:r>
+              <a:rPr lang="de-DE" dirty="0" smtClean="0"/>
+              <a:t> Visual Studio Code bietet viele Security Scanning Erweiterungen</a:t>
+            </a:r>
+          </a:p>
+          <a:p>
+            <a:pPr>
+              <a:buFont typeface="Wingdings" panose="05000000000000000000" pitchFamily="2" charset="2"/>
+              <a:buChar char="v"/>
+            </a:pPr>
+            <a:r>
+              <a:rPr lang="de-DE" dirty="0"/>
+              <a:t> </a:t>
+            </a:r>
+            <a:r>
+              <a:rPr lang="de-DE" dirty="0" smtClean="0"/>
+              <a:t>Nachverfolgung durch Security Logs </a:t>
+            </a:r>
+          </a:p>
+          <a:p>
+            <a:pPr>
+              <a:buFont typeface="Wingdings" panose="05000000000000000000" pitchFamily="2" charset="2"/>
+              <a:buChar char="v"/>
+            </a:pPr>
+            <a:r>
+              <a:rPr lang="de-DE" dirty="0"/>
+              <a:t> </a:t>
+            </a:r>
+            <a:r>
+              <a:rPr lang="de-DE" dirty="0" smtClean="0"/>
+              <a:t>Verschlüsseltes Speichern von Umgebungsvariablen/</a:t>
+            </a:r>
+            <a:r>
+              <a:rPr lang="de-DE" dirty="0" err="1" smtClean="0"/>
+              <a:t>Secrets</a:t>
+            </a:r>
             <a:endParaRPr lang="de-DE" dirty="0"/>
           </a:p>
         </p:txBody>
@@ -20932,7 +21884,7 @@
     </p:spTree>
     <p:extLst>
       <p:ext uri="{BB962C8B-B14F-4D97-AF65-F5344CB8AC3E}">
-        <p14:creationId xmlns:p14="http://schemas.microsoft.com/office/powerpoint/2010/main" val="92452098"/>
+        <p14:creationId xmlns:p14="http://schemas.microsoft.com/office/powerpoint/2010/main" val="2544807765"/>
       </p:ext>
     </p:extLst>
   </p:cSld>
@@ -20975,8 +21927,24 @@
           <a:lstStyle/>
           <a:p>
             <a:r>
+              <a:rPr lang="de-DE" dirty="0" err="1" smtClean="0"/>
+              <a:t>OWAsp</a:t>
+            </a:r>
+            <a:r>
               <a:rPr lang="de-DE" dirty="0" smtClean="0"/>
-              <a:t>Security Lab</a:t>
+              <a:t> </a:t>
+            </a:r>
+            <a:r>
+              <a:rPr lang="de-DE" dirty="0" err="1" smtClean="0"/>
+              <a:t>Maturity</a:t>
+            </a:r>
+            <a:r>
+              <a:rPr lang="de-DE" dirty="0" smtClean="0"/>
+              <a:t> Model mit </a:t>
+            </a:r>
+            <a:r>
+              <a:rPr lang="de-DE" dirty="0" err="1" smtClean="0"/>
+              <a:t>github</a:t>
             </a:r>
             <a:endParaRPr lang="de-DE" dirty="0"/>
           </a:p>
@@ -20992,15 +21960,255 @@
             <p:ph idx="1"/>
           </p:nvPr>
         </p:nvSpPr>
+        <p:spPr>
+          <a:xfrm>
+            <a:off x="1024129" y="2286000"/>
+            <a:ext cx="5772326" cy="4023360"/>
+          </a:xfrm>
+        </p:spPr>
+        <p:txBody>
+          <a:bodyPr/>
+          <a:lstStyle/>
+          <a:p>
+            <a:pPr>
+              <a:buFont typeface="Wingdings" panose="05000000000000000000" pitchFamily="2" charset="2"/>
+              <a:buChar char="v"/>
+            </a:pPr>
+            <a:r>
+              <a:rPr lang="de-DE" dirty="0" smtClean="0"/>
+              <a:t> Publiziert von OWASP</a:t>
+            </a:r>
+          </a:p>
+          <a:p>
+            <a:pPr>
+              <a:buFont typeface="Wingdings" panose="05000000000000000000" pitchFamily="2" charset="2"/>
+              <a:buChar char="v"/>
+            </a:pPr>
+            <a:r>
+              <a:rPr lang="de-DE" dirty="0"/>
+              <a:t> </a:t>
+            </a:r>
+            <a:r>
+              <a:rPr lang="de-DE" dirty="0" smtClean="0"/>
+              <a:t>Zur Feststellung des </a:t>
+            </a:r>
+            <a:r>
+              <a:rPr lang="de-DE" dirty="0" err="1" smtClean="0"/>
+              <a:t>DevSecOps</a:t>
+            </a:r>
+            <a:r>
+              <a:rPr lang="de-DE" dirty="0" smtClean="0"/>
+              <a:t> Reifegrades eines Projektes</a:t>
+            </a:r>
+          </a:p>
+          <a:p>
+            <a:pPr>
+              <a:buFont typeface="Wingdings" panose="05000000000000000000" pitchFamily="2" charset="2"/>
+              <a:buChar char="v"/>
+            </a:pPr>
+            <a:r>
+              <a:rPr lang="de-DE" dirty="0"/>
+              <a:t> </a:t>
+            </a:r>
+            <a:r>
+              <a:rPr lang="de-DE" dirty="0" smtClean="0"/>
+              <a:t>Einschätzung in 18 Dimensionen</a:t>
+            </a:r>
+          </a:p>
+          <a:p>
+            <a:pPr>
+              <a:buFont typeface="Wingdings" panose="05000000000000000000" pitchFamily="2" charset="2"/>
+              <a:buChar char="v"/>
+            </a:pPr>
+            <a:r>
+              <a:rPr lang="de-DE" dirty="0"/>
+              <a:t> </a:t>
+            </a:r>
+            <a:r>
+              <a:rPr lang="de-DE" dirty="0" err="1" smtClean="0"/>
+              <a:t>GitHub</a:t>
+            </a:r>
+            <a:r>
+              <a:rPr lang="de-DE" dirty="0" smtClean="0"/>
+              <a:t> </a:t>
+            </a:r>
+            <a:r>
+              <a:rPr lang="de-DE" dirty="0" smtClean="0"/>
+              <a:t>bietet Dokumentation an um Level 1 umsetzen</a:t>
+            </a:r>
+            <a:endParaRPr lang="de-DE" dirty="0"/>
+          </a:p>
+        </p:txBody>
+      </p:sp>
+      <p:pic>
+        <p:nvPicPr>
+          <p:cNvPr id="7" name="Grafik 6"/>
+          <p:cNvPicPr>
+            <a:picLocks noChangeAspect="1"/>
+          </p:cNvPicPr>
+          <p:nvPr/>
+        </p:nvPicPr>
+        <p:blipFill>
+          <a:blip r:embed="rId2">
+            <a:extLst>
+              <a:ext uri="{28A0092B-C50C-407E-A947-70E740481C1C}">
+                <a14:useLocalDpi xmlns:a14="http://schemas.microsoft.com/office/drawing/2010/main" val="0"/>
+              </a:ext>
+            </a:extLst>
+          </a:blip>
+          <a:stretch>
+            <a:fillRect/>
+          </a:stretch>
+        </p:blipFill>
+        <p:spPr>
+          <a:xfrm>
+            <a:off x="7341578" y="1954313"/>
+            <a:ext cx="4621678" cy="4776286"/>
+          </a:xfrm>
+          <a:prstGeom prst="rect">
+            <a:avLst/>
+          </a:prstGeom>
+        </p:spPr>
+      </p:pic>
+    </p:spTree>
+    <p:extLst>
+      <p:ext uri="{BB962C8B-B14F-4D97-AF65-F5344CB8AC3E}">
+        <p14:creationId xmlns:p14="http://schemas.microsoft.com/office/powerpoint/2010/main" val="92452098"/>
+      </p:ext>
+    </p:extLst>
+  </p:cSld>
+  <p:clrMapOvr>
+    <a:masterClrMapping/>
+  </p:clrMapOvr>
+</p:sld>
+</file>
+
+<file path=ppt/slides/slide14.xml><?xml version="1.0" encoding="utf-8"?>
+<p:sld xmlns:a="http://schemas.openxmlformats.org/drawingml/2006/main" xmlns:r="http://schemas.openxmlformats.org/officeDocument/2006/relationships" xmlns:p="http://schemas.openxmlformats.org/presentationml/2006/main">
+  <p:cSld>
+    <p:spTree>
+      <p:nvGrpSpPr>
+        <p:cNvPr id="1" name=""/>
+        <p:cNvGrpSpPr/>
+        <p:nvPr/>
+      </p:nvGrpSpPr>
+      <p:grpSpPr>
+        <a:xfrm>
+          <a:off x="0" y="0"/>
+          <a:ext cx="0" cy="0"/>
+          <a:chOff x="0" y="0"/>
+          <a:chExt cx="0" cy="0"/>
+        </a:xfrm>
+      </p:grpSpPr>
+      <p:sp>
+        <p:nvSpPr>
+          <p:cNvPr id="2" name="Titel 1"/>
+          <p:cNvSpPr>
+            <a:spLocks noGrp="1"/>
+          </p:cNvSpPr>
+          <p:nvPr>
+            <p:ph type="title"/>
+          </p:nvPr>
+        </p:nvSpPr>
         <p:spPr/>
         <p:txBody>
           <a:bodyPr/>
           <a:lstStyle/>
           <a:p>
-            <a:endParaRPr lang="de-DE"/>
+            <a:r>
+              <a:rPr lang="de-DE" dirty="0" err="1" smtClean="0"/>
+              <a:t>GitHub</a:t>
+            </a:r>
+            <a:r>
+              <a:rPr lang="de-DE" dirty="0" smtClean="0"/>
+              <a:t> - Security Lab</a:t>
+            </a:r>
+            <a:endParaRPr lang="de-DE" dirty="0"/>
           </a:p>
         </p:txBody>
       </p:sp>
+      <p:pic>
+        <p:nvPicPr>
+          <p:cNvPr id="1028" name="Picture 4" descr="the software security workflow extends from maintainers and developers to researchers and security teams."/>
+          <p:cNvPicPr>
+            <a:picLocks noGrp="1" noChangeAspect="1" noChangeArrowheads="1"/>
+          </p:cNvPicPr>
+          <p:nvPr>
+            <p:ph idx="1"/>
+          </p:nvPr>
+        </p:nvPicPr>
+        <p:blipFill>
+          <a:blip r:embed="rId2">
+            <a:extLst>
+              <a:ext uri="{28A0092B-C50C-407E-A947-70E740481C1C}">
+                <a14:useLocalDpi xmlns:a14="http://schemas.microsoft.com/office/drawing/2010/main" val="0"/>
+              </a:ext>
+            </a:extLst>
+          </a:blip>
+          <a:srcRect/>
+          <a:stretch>
+            <a:fillRect/>
+          </a:stretch>
+        </p:blipFill>
+        <p:spPr bwMode="auto">
+          <a:xfrm>
+            <a:off x="2034379" y="2453054"/>
+            <a:ext cx="7699570" cy="4022725"/>
+          </a:xfrm>
+          <a:prstGeom prst="rect">
+            <a:avLst/>
+          </a:prstGeom>
+          <a:noFill/>
+          <a:extLst>
+            <a:ext uri="{909E8E84-426E-40DD-AFC4-6F175D3DCCD1}">
+              <a14:hiddenFill xmlns:a14="http://schemas.microsoft.com/office/drawing/2010/main">
+                <a:solidFill>
+                  <a:srgbClr val="FFFFFF"/>
+                </a:solidFill>
+              </a14:hiddenFill>
+            </a:ext>
+          </a:extLst>
+        </p:spPr>
+      </p:pic>
+      <p:pic>
+        <p:nvPicPr>
+          <p:cNvPr id="1032" name="Picture 8" descr="GitHub Security Lab a project to identify vulnerabilities in open source  software | From Linux"/>
+          <p:cNvPicPr>
+            <a:picLocks noChangeAspect="1" noChangeArrowheads="1"/>
+          </p:cNvPicPr>
+          <p:nvPr/>
+        </p:nvPicPr>
+        <p:blipFill rotWithShape="1">
+          <a:blip r:embed="rId3" cstate="print">
+            <a:extLst>
+              <a:ext uri="{28A0092B-C50C-407E-A947-70E740481C1C}">
+                <a14:useLocalDpi xmlns:a14="http://schemas.microsoft.com/office/drawing/2010/main" val="0"/>
+              </a:ext>
+            </a:extLst>
+          </a:blip>
+          <a:srcRect l="25276" r="25692"/>
+          <a:stretch/>
+        </p:blipFill>
+        <p:spPr bwMode="auto">
+          <a:xfrm>
+            <a:off x="5961274" y="791308"/>
+            <a:ext cx="1002233" cy="987952"/>
+          </a:xfrm>
+          <a:prstGeom prst="rect">
+            <a:avLst/>
+          </a:prstGeom>
+          <a:noFill/>
+          <a:extLst>
+            <a:ext uri="{909E8E84-426E-40DD-AFC4-6F175D3DCCD1}">
+              <a14:hiddenFill xmlns:a14="http://schemas.microsoft.com/office/drawing/2010/main">
+                <a:solidFill>
+                  <a:srgbClr val="FFFFFF"/>
+                </a:solidFill>
+              </a14:hiddenFill>
+            </a:ext>
+          </a:extLst>
+        </p:spPr>
+      </p:pic>
     </p:spTree>
     <p:extLst>
       <p:ext uri="{BB962C8B-B14F-4D97-AF65-F5344CB8AC3E}">
@@ -21014,7 +22222,7 @@
 </p:sld>
 </file>
 
-<file path=ppt/slides/slide14.xml><?xml version="1.0" encoding="utf-8"?>
+<file path=ppt/slides/slide15.xml><?xml version="1.0" encoding="utf-8"?>
 <p:sld xmlns:a="http://schemas.openxmlformats.org/drawingml/2006/main" xmlns:r="http://schemas.openxmlformats.org/officeDocument/2006/relationships" xmlns:p="http://schemas.openxmlformats.org/presentationml/2006/main">
   <p:cSld>
     <p:spTree>
@@ -21097,86 +22305,6 @@
     <p:extLst>
       <p:ext uri="{BB962C8B-B14F-4D97-AF65-F5344CB8AC3E}">
         <p14:creationId xmlns:p14="http://schemas.microsoft.com/office/powerpoint/2010/main" val="2055349257"/>
-      </p:ext>
-    </p:extLst>
-  </p:cSld>
-  <p:clrMapOvr>
-    <a:masterClrMapping/>
-  </p:clrMapOvr>
-</p:sld>
-</file>
-
-<file path=ppt/slides/slide15.xml><?xml version="1.0" encoding="utf-8"?>
-<p:sld xmlns:a="http://schemas.openxmlformats.org/drawingml/2006/main" xmlns:r="http://schemas.openxmlformats.org/officeDocument/2006/relationships" xmlns:p="http://schemas.openxmlformats.org/presentationml/2006/main">
-  <p:cSld>
-    <p:spTree>
-      <p:nvGrpSpPr>
-        <p:cNvPr id="1" name=""/>
-        <p:cNvGrpSpPr/>
-        <p:nvPr/>
-      </p:nvGrpSpPr>
-      <p:grpSpPr>
-        <a:xfrm>
-          <a:off x="0" y="0"/>
-          <a:ext cx="0" cy="0"/>
-          <a:chOff x="0" y="0"/>
-          <a:chExt cx="0" cy="0"/>
-        </a:xfrm>
-      </p:grpSpPr>
-      <p:sp>
-        <p:nvSpPr>
-          <p:cNvPr id="2" name="Titel 1"/>
-          <p:cNvSpPr>
-            <a:spLocks noGrp="1"/>
-          </p:cNvSpPr>
-          <p:nvPr>
-            <p:ph type="title"/>
-          </p:nvPr>
-        </p:nvSpPr>
-        <p:spPr/>
-        <p:txBody>
-          <a:bodyPr/>
-          <a:lstStyle/>
-          <a:p>
-            <a:r>
-              <a:rPr lang="de-DE" dirty="0" err="1" smtClean="0"/>
-              <a:t>Azure</a:t>
-            </a:r>
-            <a:r>
-              <a:rPr lang="de-DE" dirty="0" smtClean="0"/>
-              <a:t> </a:t>
-            </a:r>
-            <a:r>
-              <a:rPr lang="de-DE" dirty="0" err="1" smtClean="0"/>
-              <a:t>Devops</a:t>
-            </a:r>
-            <a:endParaRPr lang="de-DE" dirty="0"/>
-          </a:p>
-        </p:txBody>
-      </p:sp>
-      <p:sp>
-        <p:nvSpPr>
-          <p:cNvPr id="3" name="Inhaltsplatzhalter 2"/>
-          <p:cNvSpPr>
-            <a:spLocks noGrp="1"/>
-          </p:cNvSpPr>
-          <p:nvPr>
-            <p:ph idx="1"/>
-          </p:nvPr>
-        </p:nvSpPr>
-        <p:spPr/>
-        <p:txBody>
-          <a:bodyPr/>
-          <a:lstStyle/>
-          <a:p>
-            <a:endParaRPr lang="de-DE"/>
-          </a:p>
-        </p:txBody>
-      </p:sp>
-    </p:spTree>
-    <p:extLst>
-      <p:ext uri="{BB962C8B-B14F-4D97-AF65-F5344CB8AC3E}">
-        <p14:creationId xmlns:p14="http://schemas.microsoft.com/office/powerpoint/2010/main" val="1585635985"/>
       </p:ext>
     </p:extLst>
   </p:cSld>
@@ -21244,7 +22372,206 @@
           <a:bodyPr/>
           <a:lstStyle/>
           <a:p>
-            <a:endParaRPr lang="de-DE"/>
+            <a:pPr>
+              <a:buFont typeface="Wingdings" panose="05000000000000000000" pitchFamily="2" charset="2"/>
+              <a:buChar char="v"/>
+            </a:pPr>
+            <a:r>
+              <a:rPr lang="de-DE" dirty="0" smtClean="0"/>
+              <a:t> </a:t>
+            </a:r>
+            <a:r>
+              <a:rPr lang="de-DE" dirty="0" err="1" smtClean="0"/>
+              <a:t>Azure</a:t>
+            </a:r>
+            <a:r>
+              <a:rPr lang="de-DE" dirty="0" smtClean="0"/>
+              <a:t> </a:t>
+            </a:r>
+            <a:r>
+              <a:rPr lang="de-DE" dirty="0" err="1"/>
+              <a:t>DevOps</a:t>
+            </a:r>
+            <a:r>
+              <a:rPr lang="de-DE" dirty="0"/>
+              <a:t> </a:t>
+            </a:r>
+            <a:r>
+              <a:rPr lang="de-DE" dirty="0" smtClean="0"/>
+              <a:t>Erweiterung</a:t>
+            </a:r>
+          </a:p>
+          <a:p>
+            <a:pPr>
+              <a:buFont typeface="Wingdings" panose="05000000000000000000" pitchFamily="2" charset="2"/>
+              <a:buChar char="v"/>
+            </a:pPr>
+            <a:r>
+              <a:rPr lang="de-DE" dirty="0"/>
+              <a:t> </a:t>
+            </a:r>
+            <a:r>
+              <a:rPr lang="de-DE" dirty="0" smtClean="0"/>
+              <a:t>Zur Einbindung von </a:t>
+            </a:r>
+            <a:r>
+              <a:rPr lang="de-DE" dirty="0" err="1" smtClean="0"/>
+              <a:t>Secuity</a:t>
+            </a:r>
+            <a:r>
+              <a:rPr lang="de-DE" dirty="0" smtClean="0"/>
+              <a:t> Tasks</a:t>
+            </a:r>
+          </a:p>
+          <a:p>
+            <a:pPr lvl="1">
+              <a:buFont typeface="Wingdings" panose="05000000000000000000" pitchFamily="2" charset="2"/>
+              <a:buChar char="v"/>
+            </a:pPr>
+            <a:r>
+              <a:rPr lang="de-DE" dirty="0"/>
+              <a:t> </a:t>
+            </a:r>
+            <a:r>
+              <a:rPr lang="de-DE" dirty="0" err="1" smtClean="0"/>
+              <a:t>Credential</a:t>
+            </a:r>
+            <a:r>
+              <a:rPr lang="de-DE" dirty="0" smtClean="0"/>
+              <a:t> Scanner</a:t>
+            </a:r>
+          </a:p>
+          <a:p>
+            <a:pPr lvl="1">
+              <a:buFont typeface="Wingdings" panose="05000000000000000000" pitchFamily="2" charset="2"/>
+              <a:buChar char="v"/>
+            </a:pPr>
+            <a:r>
+              <a:rPr lang="de-DE" dirty="0" smtClean="0"/>
+              <a:t> </a:t>
+            </a:r>
+            <a:r>
+              <a:rPr lang="de-DE" dirty="0" err="1" smtClean="0"/>
+              <a:t>TSLint</a:t>
+            </a:r>
+            <a:endParaRPr lang="de-DE" dirty="0" smtClean="0"/>
+          </a:p>
+          <a:p>
+            <a:pPr lvl="1">
+              <a:buFont typeface="Wingdings" panose="05000000000000000000" pitchFamily="2" charset="2"/>
+              <a:buChar char="v"/>
+            </a:pPr>
+            <a:r>
+              <a:rPr lang="de-DE" dirty="0" smtClean="0"/>
+              <a:t> </a:t>
+            </a:r>
+            <a:r>
+              <a:rPr lang="de-DE" dirty="0" err="1" smtClean="0"/>
+              <a:t>Roslyn</a:t>
+            </a:r>
+            <a:r>
+              <a:rPr lang="de-DE" dirty="0" smtClean="0"/>
+              <a:t> </a:t>
+            </a:r>
+            <a:r>
+              <a:rPr lang="de-DE" dirty="0" err="1" smtClean="0"/>
+              <a:t>Analyzers</a:t>
+            </a:r>
+            <a:endParaRPr lang="de-DE" dirty="0" smtClean="0"/>
+          </a:p>
+          <a:p>
+            <a:pPr lvl="1">
+              <a:buFont typeface="Wingdings" panose="05000000000000000000" pitchFamily="2" charset="2"/>
+              <a:buChar char="v"/>
+            </a:pPr>
+            <a:r>
+              <a:rPr lang="de-DE" dirty="0" smtClean="0"/>
+              <a:t> </a:t>
+            </a:r>
+            <a:r>
+              <a:rPr lang="de-DE" dirty="0" err="1"/>
+              <a:t>BinSkim</a:t>
+            </a:r>
+            <a:r>
+              <a:rPr lang="de-DE" dirty="0"/>
+              <a:t> </a:t>
+            </a:r>
+            <a:endParaRPr lang="de-DE" dirty="0" smtClean="0"/>
+          </a:p>
+          <a:p>
+            <a:pPr lvl="1">
+              <a:buFont typeface="Wingdings" panose="05000000000000000000" pitchFamily="2" charset="2"/>
+              <a:buChar char="v"/>
+            </a:pPr>
+            <a:r>
+              <a:rPr lang="de-DE" dirty="0"/>
+              <a:t> </a:t>
+            </a:r>
+            <a:r>
+              <a:rPr lang="de-DE" dirty="0" smtClean="0"/>
+              <a:t>Anti-Malware </a:t>
+            </a:r>
+            <a:r>
+              <a:rPr lang="de-DE" dirty="0"/>
+              <a:t>Scanner</a:t>
+            </a:r>
+            <a:r>
+              <a:rPr lang="de-DE" dirty="0" smtClean="0"/>
+              <a:t>.</a:t>
+            </a:r>
+          </a:p>
+          <a:p>
+            <a:pPr>
+              <a:buFont typeface="Wingdings" panose="05000000000000000000" pitchFamily="2" charset="2"/>
+              <a:buChar char="v"/>
+            </a:pPr>
+            <a:r>
+              <a:rPr lang="de-DE" dirty="0"/>
+              <a:t> </a:t>
+            </a:r>
+            <a:r>
+              <a:rPr lang="de-DE" dirty="0" smtClean="0"/>
+              <a:t>Security Report: Zusammenfassung aller Tasks</a:t>
+            </a:r>
+          </a:p>
+          <a:p>
+            <a:pPr>
+              <a:buFont typeface="Wingdings" panose="05000000000000000000" pitchFamily="2" charset="2"/>
+              <a:buChar char="v"/>
+            </a:pPr>
+            <a:r>
+              <a:rPr lang="de-DE" dirty="0" smtClean="0"/>
+              <a:t> </a:t>
+            </a:r>
+            <a:r>
+              <a:rPr lang="de-DE" dirty="0" err="1" smtClean="0"/>
+              <a:t>Logging</a:t>
+            </a:r>
+            <a:r>
+              <a:rPr lang="de-DE" dirty="0" smtClean="0"/>
+              <a:t> der Ergebnisse</a:t>
+            </a:r>
+          </a:p>
+          <a:p>
+            <a:pPr>
+              <a:buFont typeface="Wingdings" panose="05000000000000000000" pitchFamily="2" charset="2"/>
+              <a:buChar char="v"/>
+            </a:pPr>
+            <a:r>
+              <a:rPr lang="de-DE" dirty="0"/>
+              <a:t> </a:t>
+            </a:r>
+            <a:r>
+              <a:rPr lang="de-DE" dirty="0" smtClean="0"/>
+              <a:t>bis Dezember 2022 verfügbar</a:t>
+            </a:r>
+          </a:p>
+          <a:p>
+            <a:pPr>
+              <a:buFont typeface="Wingdings" panose="05000000000000000000" pitchFamily="2" charset="2"/>
+              <a:buChar char="v"/>
+            </a:pPr>
+            <a:endParaRPr lang="de-DE" dirty="0"/>
           </a:p>
         </p:txBody>
       </p:sp>
@@ -21352,7 +22679,7 @@
       </p:grpSpPr>
       <p:sp>
         <p:nvSpPr>
-          <p:cNvPr id="4" name="Titel 3"/>
+          <p:cNvPr id="2" name="Titel 1"/>
           <p:cNvSpPr>
             <a:spLocks noGrp="1"/>
           </p:cNvSpPr>
@@ -21367,7 +22694,7 @@
           <a:p>
             <a:r>
               <a:rPr lang="de-DE" dirty="0" smtClean="0"/>
-              <a:t>Kosten</a:t>
+              <a:t>Benutzer Berechtigungen</a:t>
             </a:r>
             <a:endParaRPr lang="de-DE" dirty="0"/>
           </a:p>
@@ -21375,7 +22702,7 @@
       </p:sp>
       <p:sp>
         <p:nvSpPr>
-          <p:cNvPr id="5" name="Inhaltsplatzhalter 4"/>
+          <p:cNvPr id="3" name="Inhaltsplatzhalter 2"/>
           <p:cNvSpPr>
             <a:spLocks noGrp="1"/>
           </p:cNvSpPr>
@@ -21388,6 +22715,176 @@
           <a:bodyPr/>
           <a:lstStyle/>
           <a:p>
+            <a:r>
+              <a:rPr lang="de-DE" dirty="0" err="1" smtClean="0"/>
+              <a:t>Azure</a:t>
+            </a:r>
+            <a:r>
+              <a:rPr lang="de-DE" dirty="0" smtClean="0"/>
+              <a:t> </a:t>
+            </a:r>
+            <a:r>
+              <a:rPr lang="de-DE" dirty="0" err="1" smtClean="0"/>
+              <a:t>DevOps</a:t>
+            </a:r>
+            <a:r>
+              <a:rPr lang="de-DE" dirty="0" smtClean="0"/>
+              <a:t>:</a:t>
+            </a:r>
+          </a:p>
+          <a:p>
+            <a:pPr>
+              <a:buFont typeface="Wingdings" panose="05000000000000000000" pitchFamily="2" charset="2"/>
+              <a:buChar char="v"/>
+            </a:pPr>
+            <a:r>
+              <a:rPr lang="de-DE" dirty="0"/>
+              <a:t> </a:t>
+            </a:r>
+            <a:r>
+              <a:rPr lang="de-DE" dirty="0" smtClean="0"/>
+              <a:t>Berechtigungen nach Gruppen möglich</a:t>
+            </a:r>
+          </a:p>
+          <a:p>
+            <a:pPr>
+              <a:buFont typeface="Wingdings" panose="05000000000000000000" pitchFamily="2" charset="2"/>
+              <a:buChar char="v"/>
+            </a:pPr>
+            <a:endParaRPr lang="de-DE" dirty="0"/>
+          </a:p>
+          <a:p>
+            <a:pPr marL="0" indent="0">
+              <a:buNone/>
+            </a:pPr>
+            <a:r>
+              <a:rPr lang="de-DE" dirty="0" err="1" smtClean="0"/>
+              <a:t>GitHub</a:t>
+            </a:r>
+            <a:r>
+              <a:rPr lang="de-DE" dirty="0" smtClean="0"/>
+              <a:t>:</a:t>
+            </a:r>
+          </a:p>
+          <a:p>
+            <a:pPr>
+              <a:buFont typeface="Wingdings" panose="05000000000000000000" pitchFamily="2" charset="2"/>
+              <a:buChar char="v"/>
+            </a:pPr>
+            <a:r>
+              <a:rPr lang="de-DE" dirty="0" smtClean="0"/>
+              <a:t> Private </a:t>
+            </a:r>
+            <a:r>
+              <a:rPr lang="de-DE" dirty="0" err="1" smtClean="0"/>
+              <a:t>Repositories</a:t>
+            </a:r>
+            <a:r>
+              <a:rPr lang="de-DE" dirty="0" smtClean="0"/>
+              <a:t> haben nur </a:t>
+            </a:r>
+            <a:r>
+              <a:rPr lang="de-DE" dirty="0" err="1" smtClean="0"/>
+              <a:t>Maintainer</a:t>
+            </a:r>
+            <a:r>
+              <a:rPr lang="de-DE" dirty="0" smtClean="0"/>
+              <a:t> und </a:t>
+            </a:r>
+            <a:r>
+              <a:rPr lang="de-DE" dirty="0" err="1" smtClean="0"/>
+              <a:t>Collaborator</a:t>
+            </a:r>
+            <a:endParaRPr lang="de-DE" dirty="0" smtClean="0"/>
+          </a:p>
+          <a:p>
+            <a:pPr>
+              <a:buFont typeface="Wingdings" panose="05000000000000000000" pitchFamily="2" charset="2"/>
+              <a:buChar char="v"/>
+            </a:pPr>
+            <a:r>
+              <a:rPr lang="de-DE" dirty="0" smtClean="0"/>
+              <a:t>Organisationen können auch </a:t>
+            </a:r>
+            <a:r>
+              <a:rPr lang="de-DE" dirty="0" err="1" smtClean="0"/>
+              <a:t>gruppenbassiert</a:t>
+            </a:r>
+            <a:r>
+              <a:rPr lang="de-DE" dirty="0" smtClean="0"/>
+              <a:t> eigene Rollen erstellen</a:t>
+            </a:r>
+          </a:p>
+          <a:p>
+            <a:pPr>
+              <a:buFont typeface="Wingdings" panose="05000000000000000000" pitchFamily="2" charset="2"/>
+              <a:buChar char="v"/>
+            </a:pPr>
+            <a:endParaRPr lang="de-DE" dirty="0"/>
+          </a:p>
+          <a:p>
+            <a:pPr marL="0" indent="0">
+              <a:buNone/>
+            </a:pPr>
+            <a:r>
+              <a:rPr lang="de-DE" dirty="0" smtClean="0"/>
+              <a:t>	Für Firmen gibt es ähnliche </a:t>
+            </a:r>
+            <a:r>
+              <a:rPr lang="de-DE" dirty="0" smtClean="0"/>
+              <a:t>M</a:t>
+            </a:r>
+            <a:r>
+              <a:rPr lang="de-DE" dirty="0" smtClean="0"/>
+              <a:t>öglichkeiten durch </a:t>
+            </a:r>
+            <a:r>
+              <a:rPr lang="de-DE" dirty="0" err="1" smtClean="0"/>
+              <a:t>selbes</a:t>
+            </a:r>
+            <a:r>
+              <a:rPr lang="de-DE" dirty="0" smtClean="0"/>
+              <a:t> Konzept</a:t>
+            </a:r>
+          </a:p>
+        </p:txBody>
+      </p:sp>
+      <p:sp>
+        <p:nvSpPr>
+          <p:cNvPr id="4" name="Pfeil nach rechts 3"/>
+          <p:cNvSpPr/>
+          <p:nvPr/>
+        </p:nvSpPr>
+        <p:spPr>
+          <a:xfrm>
+            <a:off x="1446159" y="5746652"/>
+            <a:ext cx="369277" cy="175846"/>
+          </a:xfrm>
+          <a:prstGeom prst="rightArrow">
+            <a:avLst/>
+          </a:prstGeom>
+        </p:spPr>
+        <p:style>
+          <a:lnRef idx="2">
+            <a:schemeClr val="accent1">
+              <a:shade val="50000"/>
+            </a:schemeClr>
+          </a:lnRef>
+          <a:fillRef idx="1">
+            <a:schemeClr val="accent1"/>
+          </a:fillRef>
+          <a:effectRef idx="0">
+            <a:schemeClr val="accent1"/>
+          </a:effectRef>
+          <a:fontRef idx="minor">
+            <a:schemeClr val="lt1"/>
+          </a:fontRef>
+        </p:style>
+        <p:txBody>
+          <a:bodyPr rtlCol="0" anchor="ctr"/>
+          <a:lstStyle/>
+          <a:p>
+            <a:pPr algn="ctr"/>
             <a:endParaRPr lang="de-DE"/>
           </a:p>
         </p:txBody>
@@ -21395,7 +22892,7 @@
     </p:spTree>
     <p:extLst>
       <p:ext uri="{BB962C8B-B14F-4D97-AF65-F5344CB8AC3E}">
-        <p14:creationId xmlns:p14="http://schemas.microsoft.com/office/powerpoint/2010/main" val="866353263"/>
+        <p14:creationId xmlns:p14="http://schemas.microsoft.com/office/powerpoint/2010/main" val="1391946968"/>
       </p:ext>
     </p:extLst>
   </p:cSld>
@@ -21439,7 +22936,11 @@
           <a:p>
             <a:r>
               <a:rPr lang="de-DE" dirty="0" smtClean="0"/>
-              <a:t>Benutzer Berechtigungen</a:t>
+              <a:t>Automatisches Security </a:t>
+            </a:r>
+            <a:r>
+              <a:rPr lang="de-DE" dirty="0" err="1" smtClean="0"/>
+              <a:t>Testing</a:t>
             </a:r>
             <a:endParaRPr lang="de-DE" dirty="0"/>
           </a:p>
@@ -21457,9 +22958,180 @@
         </p:nvSpPr>
         <p:spPr/>
         <p:txBody>
-          <a:bodyPr/>
+          <a:bodyPr>
+            <a:normAutofit lnSpcReduction="10000"/>
+          </a:bodyPr>
           <a:lstStyle/>
           <a:p>
+            <a:r>
+              <a:rPr lang="de-DE" dirty="0" err="1" smtClean="0"/>
+              <a:t>Azure</a:t>
+            </a:r>
+            <a:r>
+              <a:rPr lang="de-DE" dirty="0" smtClean="0"/>
+              <a:t> </a:t>
+            </a:r>
+            <a:r>
+              <a:rPr lang="de-DE" dirty="0" err="1" smtClean="0"/>
+              <a:t>DevOps</a:t>
+            </a:r>
+            <a:endParaRPr lang="de-DE" dirty="0" smtClean="0"/>
+          </a:p>
+          <a:p>
+            <a:pPr>
+              <a:buFont typeface="Wingdings" panose="05000000000000000000" pitchFamily="2" charset="2"/>
+              <a:buChar char="v"/>
+            </a:pPr>
+            <a:r>
+              <a:rPr lang="de-DE" dirty="0" smtClean="0"/>
+              <a:t> Nutzen von Drittanbietern (</a:t>
+            </a:r>
+            <a:r>
+              <a:rPr lang="de-DE" dirty="0" err="1" smtClean="0"/>
+              <a:t>z.B</a:t>
+            </a:r>
+            <a:r>
+              <a:rPr lang="de-DE" dirty="0" smtClean="0"/>
+              <a:t> </a:t>
+            </a:r>
+            <a:r>
+              <a:rPr lang="de-DE" dirty="0" err="1" smtClean="0"/>
+              <a:t>SonarQube</a:t>
+            </a:r>
+            <a:r>
+              <a:rPr lang="de-DE" dirty="0" smtClean="0"/>
+              <a:t>)</a:t>
+            </a:r>
+          </a:p>
+          <a:p>
+            <a:pPr>
+              <a:buFont typeface="Wingdings" panose="05000000000000000000" pitchFamily="2" charset="2"/>
+              <a:buChar char="v"/>
+            </a:pPr>
+            <a:r>
+              <a:rPr lang="de-DE" dirty="0"/>
+              <a:t> </a:t>
+            </a:r>
+            <a:r>
+              <a:rPr lang="de-DE" dirty="0" smtClean="0"/>
+              <a:t>Microsoft Security Code Analysis nur mit Unified/Premier Support</a:t>
+            </a:r>
+          </a:p>
+          <a:p>
+            <a:pPr marL="0" indent="0">
+              <a:buNone/>
+            </a:pPr>
+            <a:endParaRPr lang="de-DE" dirty="0"/>
+          </a:p>
+          <a:p>
+            <a:r>
+              <a:rPr lang="de-DE" dirty="0" err="1" smtClean="0"/>
+              <a:t>GitHub</a:t>
+            </a:r>
+            <a:endParaRPr lang="de-DE" dirty="0" smtClean="0"/>
+          </a:p>
+          <a:p>
+            <a:pPr>
+              <a:buFont typeface="Wingdings" panose="05000000000000000000" pitchFamily="2" charset="2"/>
+              <a:buChar char="v"/>
+            </a:pPr>
+            <a:r>
+              <a:rPr lang="de-DE" dirty="0" smtClean="0"/>
+              <a:t> Angebot vieler vorgefertigten Workflows</a:t>
+            </a:r>
+          </a:p>
+          <a:p>
+            <a:pPr>
+              <a:buFont typeface="Wingdings" panose="05000000000000000000" pitchFamily="2" charset="2"/>
+              <a:buChar char="v"/>
+            </a:pPr>
+            <a:r>
+              <a:rPr lang="de-DE" dirty="0"/>
+              <a:t> </a:t>
+            </a:r>
+            <a:r>
+              <a:rPr lang="de-DE" dirty="0" smtClean="0"/>
+              <a:t>Vieles nur mit </a:t>
+            </a:r>
+            <a:r>
+              <a:rPr lang="de-DE" dirty="0" err="1" smtClean="0"/>
+              <a:t>GitHub</a:t>
+            </a:r>
+            <a:r>
+              <a:rPr lang="de-DE" dirty="0" smtClean="0"/>
+              <a:t> </a:t>
+            </a:r>
+            <a:r>
+              <a:rPr lang="de-DE" dirty="0" err="1" smtClean="0"/>
+              <a:t>Advanced</a:t>
+            </a:r>
+            <a:r>
+              <a:rPr lang="de-DE" dirty="0" smtClean="0"/>
+              <a:t> Security möglich</a:t>
+            </a:r>
+          </a:p>
+          <a:p>
+            <a:pPr>
+              <a:buFont typeface="Wingdings" panose="05000000000000000000" pitchFamily="2" charset="2"/>
+              <a:buChar char="v"/>
+            </a:pPr>
+            <a:endParaRPr lang="de-DE" dirty="0"/>
+          </a:p>
+          <a:p>
+            <a:pPr marL="0" indent="0">
+              <a:buNone/>
+            </a:pPr>
+            <a:r>
+              <a:rPr lang="de-DE" dirty="0" smtClean="0"/>
+              <a:t>	</a:t>
+            </a:r>
+            <a:r>
+              <a:rPr lang="de-DE" dirty="0" err="1" smtClean="0"/>
+              <a:t>GitHub</a:t>
+            </a:r>
+            <a:r>
+              <a:rPr lang="de-DE" dirty="0" smtClean="0"/>
+              <a:t> macht es einem einfacher</a:t>
+            </a:r>
+          </a:p>
+        </p:txBody>
+      </p:sp>
+      <p:sp>
+        <p:nvSpPr>
+          <p:cNvPr id="4" name="Pfeil nach rechts 3"/>
+          <p:cNvSpPr/>
+          <p:nvPr/>
+        </p:nvSpPr>
+        <p:spPr>
+          <a:xfrm>
+            <a:off x="1454951" y="5948876"/>
+            <a:ext cx="369277" cy="175846"/>
+          </a:xfrm>
+          <a:prstGeom prst="rightArrow">
+            <a:avLst/>
+          </a:prstGeom>
+        </p:spPr>
+        <p:style>
+          <a:lnRef idx="2">
+            <a:schemeClr val="accent1">
+              <a:shade val="50000"/>
+            </a:schemeClr>
+          </a:lnRef>
+          <a:fillRef idx="1">
+            <a:schemeClr val="accent1"/>
+          </a:fillRef>
+          <a:effectRef idx="0">
+            <a:schemeClr val="accent1"/>
+          </a:effectRef>
+          <a:fontRef idx="minor">
+            <a:schemeClr val="lt1"/>
+          </a:fontRef>
+        </p:style>
+        <p:txBody>
+          <a:bodyPr rtlCol="0" anchor="ctr"/>
+          <a:lstStyle/>
+          <a:p>
+            <a:pPr algn="ctr"/>
             <a:endParaRPr lang="de-DE"/>
           </a:p>
         </p:txBody>
@@ -21467,7 +23139,7 @@
     </p:spTree>
     <p:extLst>
       <p:ext uri="{BB962C8B-B14F-4D97-AF65-F5344CB8AC3E}">
-        <p14:creationId xmlns:p14="http://schemas.microsoft.com/office/powerpoint/2010/main" val="1391946968"/>
+        <p14:creationId xmlns:p14="http://schemas.microsoft.com/office/powerpoint/2010/main" val="1652347392"/>
       </p:ext>
     </p:extLst>
   </p:cSld>
@@ -21532,6 +23204,14 @@
           <a:bodyPr/>
           <a:lstStyle/>
           <a:p>
+            <a:pPr marL="457200" indent="-457200">
+              <a:buFont typeface="+mj-lt"/>
+              <a:buAutoNum type="arabicPeriod"/>
+            </a:pPr>
+            <a:r>
+              <a:rPr lang="de-DE" dirty="0" smtClean="0"/>
+              <a:t>Chancen und Risiken von </a:t>
+            </a:r>
             <a:r>
               <a:rPr lang="de-DE" dirty="0" err="1" smtClean="0"/>
               <a:t>DevOps</a:t>
@@ -21539,6 +23219,10 @@
             <a:endParaRPr lang="de-DE" dirty="0" smtClean="0"/>
           </a:p>
           <a:p>
+            <a:pPr marL="457200" indent="-457200">
+              <a:buFont typeface="+mj-lt"/>
+              <a:buAutoNum type="arabicPeriod"/>
+            </a:pPr>
             <a:r>
               <a:rPr lang="de-DE" dirty="0" err="1" smtClean="0"/>
               <a:t>DevSecOps</a:t>
@@ -21546,6 +23230,10 @@
             <a:endParaRPr lang="de-DE" dirty="0" smtClean="0"/>
           </a:p>
           <a:p>
+            <a:pPr marL="457200" indent="-457200">
+              <a:buFont typeface="+mj-lt"/>
+              <a:buAutoNum type="arabicPeriod"/>
+            </a:pPr>
             <a:r>
               <a:rPr lang="de-DE" dirty="0" err="1" smtClean="0"/>
               <a:t>GitHub</a:t>
@@ -21556,6 +23244,10 @@
             </a:r>
           </a:p>
           <a:p>
+            <a:pPr marL="457200" indent="-457200">
+              <a:buFont typeface="+mj-lt"/>
+              <a:buAutoNum type="arabicPeriod"/>
+            </a:pPr>
             <a:r>
               <a:rPr lang="de-DE" dirty="0" err="1" smtClean="0"/>
               <a:t>Azure</a:t>
@@ -21571,12 +23263,20 @@
             <a:endParaRPr lang="de-DE" dirty="0" smtClean="0"/>
           </a:p>
           <a:p>
+            <a:pPr marL="457200" indent="-457200">
+              <a:buFont typeface="+mj-lt"/>
+              <a:buAutoNum type="arabicPeriod"/>
+            </a:pPr>
             <a:r>
               <a:rPr lang="de-DE" dirty="0" smtClean="0"/>
               <a:t>Vergleich</a:t>
             </a:r>
           </a:p>
           <a:p>
+            <a:pPr marL="457200" indent="-457200">
+              <a:buFont typeface="+mj-lt"/>
+              <a:buAutoNum type="arabicPeriod"/>
+            </a:pPr>
             <a:r>
               <a:rPr lang="de-DE" dirty="0" smtClean="0"/>
               <a:t>Fazit</a:t>
@@ -21617,7 +23317,7 @@
       </p:grpSpPr>
       <p:sp>
         <p:nvSpPr>
-          <p:cNvPr id="2" name="Titel 1"/>
+          <p:cNvPr id="4" name="Titel 3"/>
           <p:cNvSpPr>
             <a:spLocks noGrp="1"/>
           </p:cNvSpPr>
@@ -21632,39 +23332,291 @@
           <a:p>
             <a:r>
               <a:rPr lang="de-DE" dirty="0" smtClean="0"/>
-              <a:t>Automatisches Security </a:t>
-            </a:r>
-            <a:r>
-              <a:rPr lang="de-DE" dirty="0" err="1" smtClean="0"/>
-              <a:t>Testing</a:t>
+              <a:t>Kosten</a:t>
             </a:r>
             <a:endParaRPr lang="de-DE" dirty="0"/>
           </a:p>
         </p:txBody>
       </p:sp>
-      <p:sp>
-        <p:nvSpPr>
-          <p:cNvPr id="3" name="Inhaltsplatzhalter 2"/>
-          <p:cNvSpPr>
-            <a:spLocks noGrp="1"/>
-          </p:cNvSpPr>
+      <p:graphicFrame>
+        <p:nvGraphicFramePr>
+          <p:cNvPr id="2" name="Inhaltsplatzhalter 1"/>
+          <p:cNvGraphicFramePr>
+            <a:graphicFrameLocks noGrp="1"/>
+          </p:cNvGraphicFramePr>
           <p:nvPr>
             <p:ph idx="1"/>
+            <p:extLst>
+              <p:ext uri="{D42A27DB-BD31-4B8C-83A1-F6EECF244321}">
+                <p14:modId xmlns:p14="http://schemas.microsoft.com/office/powerpoint/2010/main" val="2069017787"/>
+              </p:ext>
+            </p:extLst>
           </p:nvPr>
-        </p:nvSpPr>
-        <p:spPr/>
-        <p:txBody>
-          <a:bodyPr/>
-          <a:lstStyle/>
-          <a:p>
-            <a:endParaRPr lang="de-DE"/>
-          </a:p>
-        </p:txBody>
-      </p:sp>
+        </p:nvGraphicFramePr>
+        <p:xfrm>
+          <a:off x="1023938" y="2286000"/>
+          <a:ext cx="9720262" cy="1854200"/>
+        </p:xfrm>
+        <a:graphic>
+          <a:graphicData uri="http://schemas.openxmlformats.org/drawingml/2006/table">
+            <a:tbl>
+              <a:tblPr firstRow="1" bandRow="1">
+                <a:tableStyleId>{5C22544A-7EE6-4342-B048-85BDC9FD1C3A}</a:tableStyleId>
+              </a:tblPr>
+              <a:tblGrid>
+                <a:gridCol w="4860131">
+                  <a:extLst>
+                    <a:ext uri="{9D8B030D-6E8A-4147-A177-3AD203B41FA5}">
+                      <a16:colId xmlns:a16="http://schemas.microsoft.com/office/drawing/2014/main" val="3637100681"/>
+                    </a:ext>
+                  </a:extLst>
+                </a:gridCol>
+                <a:gridCol w="4860131">
+                  <a:extLst>
+                    <a:ext uri="{9D8B030D-6E8A-4147-A177-3AD203B41FA5}">
+                      <a16:colId xmlns:a16="http://schemas.microsoft.com/office/drawing/2014/main" val="1867974816"/>
+                    </a:ext>
+                  </a:extLst>
+                </a:gridCol>
+              </a:tblGrid>
+              <a:tr h="370840">
+                <a:tc>
+                  <a:txBody>
+                    <a:bodyPr/>
+                    <a:lstStyle/>
+                    <a:p>
+                      <a:r>
+                        <a:rPr lang="de-DE" dirty="0" err="1" smtClean="0"/>
+                        <a:t>Azure</a:t>
+                      </a:r>
+                      <a:r>
+                        <a:rPr lang="de-DE" dirty="0" smtClean="0"/>
+                        <a:t> </a:t>
+                      </a:r>
+                      <a:r>
+                        <a:rPr lang="de-DE" dirty="0" err="1" smtClean="0"/>
+                        <a:t>DevOps</a:t>
+                      </a:r>
+                      <a:endParaRPr lang="de-DE" dirty="0"/>
+                    </a:p>
+                  </a:txBody>
+                  <a:tcPr/>
+                </a:tc>
+                <a:tc>
+                  <a:txBody>
+                    <a:bodyPr/>
+                    <a:lstStyle/>
+                    <a:p>
+                      <a:r>
+                        <a:rPr lang="de-DE" dirty="0" err="1" smtClean="0"/>
+                        <a:t>GitHub</a:t>
+                      </a:r>
+                      <a:endParaRPr lang="de-DE" dirty="0"/>
+                    </a:p>
+                  </a:txBody>
+                  <a:tcPr/>
+                </a:tc>
+                <a:extLst>
+                  <a:ext uri="{0D108BD9-81ED-4DB2-BD59-A6C34878D82A}">
+                    <a16:rowId xmlns:a16="http://schemas.microsoft.com/office/drawing/2014/main" val="1536409855"/>
+                  </a:ext>
+                </a:extLst>
+              </a:tr>
+              <a:tr h="370840">
+                <a:tc>
+                  <a:txBody>
+                    <a:bodyPr/>
+                    <a:lstStyle/>
+                    <a:p>
+                      <a:r>
+                        <a:rPr lang="de-DE" dirty="0" smtClean="0"/>
+                        <a:t>1800 min/Monat</a:t>
+                      </a:r>
+                      <a:endParaRPr lang="de-DE" dirty="0"/>
+                    </a:p>
+                  </a:txBody>
+                  <a:tcPr/>
+                </a:tc>
+                <a:tc>
+                  <a:txBody>
+                    <a:bodyPr/>
+                    <a:lstStyle/>
+                    <a:p>
+                      <a:r>
+                        <a:rPr lang="de-DE" dirty="0" smtClean="0"/>
+                        <a:t>2000 m</a:t>
+                      </a:r>
+                      <a:r>
+                        <a:rPr lang="de-DE" baseline="0" dirty="0" smtClean="0"/>
+                        <a:t>in/Monat</a:t>
+                      </a:r>
+                      <a:endParaRPr lang="de-DE" dirty="0"/>
+                    </a:p>
+                  </a:txBody>
+                  <a:tcPr/>
+                </a:tc>
+                <a:extLst>
+                  <a:ext uri="{0D108BD9-81ED-4DB2-BD59-A6C34878D82A}">
+                    <a16:rowId xmlns:a16="http://schemas.microsoft.com/office/drawing/2014/main" val="2685753540"/>
+                  </a:ext>
+                </a:extLst>
+              </a:tr>
+              <a:tr h="370840">
+                <a:tc>
+                  <a:txBody>
+                    <a:bodyPr/>
+                    <a:lstStyle/>
+                    <a:p>
+                      <a:r>
+                        <a:rPr lang="de-DE" dirty="0" smtClean="0"/>
+                        <a:t>6$ pro User (5</a:t>
+                      </a:r>
+                      <a:r>
+                        <a:rPr lang="de-DE" baseline="0" dirty="0" smtClean="0"/>
+                        <a:t> User frei</a:t>
+                      </a:r>
+                      <a:r>
+                        <a:rPr lang="de-DE" dirty="0" smtClean="0"/>
+                        <a:t>)</a:t>
+                      </a:r>
+                      <a:endParaRPr lang="de-DE" dirty="0"/>
+                    </a:p>
+                  </a:txBody>
+                  <a:tcPr/>
+                </a:tc>
+                <a:tc>
+                  <a:txBody>
+                    <a:bodyPr/>
+                    <a:lstStyle/>
+                    <a:p>
+                      <a:r>
+                        <a:rPr lang="de-DE" dirty="0" smtClean="0"/>
+                        <a:t>Grundsätzlich</a:t>
+                      </a:r>
+                      <a:r>
+                        <a:rPr lang="de-DE" baseline="0" dirty="0" smtClean="0"/>
+                        <a:t> kostenlos</a:t>
+                      </a:r>
+                    </a:p>
+                  </a:txBody>
+                  <a:tcPr/>
+                </a:tc>
+                <a:extLst>
+                  <a:ext uri="{0D108BD9-81ED-4DB2-BD59-A6C34878D82A}">
+                    <a16:rowId xmlns:a16="http://schemas.microsoft.com/office/drawing/2014/main" val="372685578"/>
+                  </a:ext>
+                </a:extLst>
+              </a:tr>
+              <a:tr h="370840">
+                <a:tc>
+                  <a:txBody>
+                    <a:bodyPr/>
+                    <a:lstStyle/>
+                    <a:p>
+                      <a:r>
+                        <a:rPr lang="de-DE" dirty="0" err="1" smtClean="0"/>
+                        <a:t>Azure</a:t>
+                      </a:r>
+                      <a:r>
+                        <a:rPr lang="de-DE" dirty="0" smtClean="0"/>
+                        <a:t> Testplans</a:t>
+                      </a:r>
+                      <a:r>
+                        <a:rPr lang="de-DE" baseline="0" dirty="0" smtClean="0"/>
+                        <a:t> kostet 52$ pro Person</a:t>
+                      </a:r>
+                      <a:endParaRPr lang="de-DE" dirty="0"/>
+                    </a:p>
+                  </a:txBody>
+                  <a:tcPr/>
+                </a:tc>
+                <a:tc>
+                  <a:txBody>
+                    <a:bodyPr/>
+                    <a:lstStyle/>
+                    <a:p>
+                      <a:r>
+                        <a:rPr lang="de-DE" dirty="0" err="1" smtClean="0"/>
+                        <a:t>GitHub</a:t>
+                      </a:r>
+                      <a:r>
+                        <a:rPr lang="de-DE" dirty="0" smtClean="0"/>
+                        <a:t> Enterprise </a:t>
+                      </a:r>
+                      <a:r>
+                        <a:rPr lang="de-DE" baseline="0" dirty="0" smtClean="0"/>
+                        <a:t>21$ pro Person</a:t>
+                      </a:r>
+                      <a:endParaRPr lang="de-DE" dirty="0"/>
+                    </a:p>
+                  </a:txBody>
+                  <a:tcPr/>
+                </a:tc>
+                <a:extLst>
+                  <a:ext uri="{0D108BD9-81ED-4DB2-BD59-A6C34878D82A}">
+                    <a16:rowId xmlns:a16="http://schemas.microsoft.com/office/drawing/2014/main" val="33399954"/>
+                  </a:ext>
+                </a:extLst>
+              </a:tr>
+              <a:tr h="370840">
+                <a:tc>
+                  <a:txBody>
+                    <a:bodyPr/>
+                    <a:lstStyle/>
+                    <a:p>
+                      <a:r>
+                        <a:rPr lang="de-DE" dirty="0" smtClean="0"/>
+                        <a:t>Extra bezahlte Jobs ohne</a:t>
+                      </a:r>
+                      <a:r>
+                        <a:rPr lang="de-DE" baseline="0" dirty="0" smtClean="0"/>
+                        <a:t> Limit möglich</a:t>
+                      </a:r>
+                      <a:endParaRPr lang="de-DE" dirty="0"/>
+                    </a:p>
+                  </a:txBody>
+                  <a:tcPr/>
+                </a:tc>
+                <a:tc>
+                  <a:txBody>
+                    <a:bodyPr/>
+                    <a:lstStyle/>
+                    <a:p>
+                      <a:r>
+                        <a:rPr lang="de-DE" dirty="0" smtClean="0"/>
+                        <a:t>50.000min/Monat</a:t>
+                      </a:r>
+                      <a:r>
+                        <a:rPr lang="de-DE" baseline="0" dirty="0" smtClean="0"/>
+                        <a:t> (mit </a:t>
+                      </a:r>
+                      <a:r>
+                        <a:rPr lang="de-DE" baseline="0" dirty="0" err="1" smtClean="0"/>
+                        <a:t>GitHub</a:t>
+                      </a:r>
+                      <a:r>
+                        <a:rPr lang="de-DE" baseline="0" dirty="0" smtClean="0"/>
+                        <a:t> Enterprise)</a:t>
+                      </a:r>
+                      <a:endParaRPr lang="de-DE" dirty="0"/>
+                    </a:p>
+                  </a:txBody>
+                  <a:tcPr/>
+                </a:tc>
+                <a:extLst>
+                  <a:ext uri="{0D108BD9-81ED-4DB2-BD59-A6C34878D82A}">
+                    <a16:rowId xmlns:a16="http://schemas.microsoft.com/office/drawing/2014/main" val="2481361977"/>
+                  </a:ext>
+                </a:extLst>
+              </a:tr>
+            </a:tbl>
+          </a:graphicData>
+        </a:graphic>
+      </p:graphicFrame>
     </p:spTree>
     <p:extLst>
       <p:ext uri="{BB962C8B-B14F-4D97-AF65-F5344CB8AC3E}">
-        <p14:creationId xmlns:p14="http://schemas.microsoft.com/office/powerpoint/2010/main" val="1652347392"/>
+        <p14:creationId xmlns:p14="http://schemas.microsoft.com/office/powerpoint/2010/main" val="866353263"/>
       </p:ext>
     </p:extLst>
   </p:cSld>
@@ -21729,7 +23681,65 @@
           <a:bodyPr/>
           <a:lstStyle/>
           <a:p>
-            <a:endParaRPr lang="de-DE"/>
+            <a:pPr algn="ctr"/>
+            <a:r>
+              <a:rPr lang="de-DE" dirty="0" smtClean="0"/>
+              <a:t>Beide Plattformen bieten die Möglichkeit </a:t>
+            </a:r>
+            <a:r>
+              <a:rPr lang="de-DE" dirty="0" err="1" smtClean="0"/>
+              <a:t>DevSecOps</a:t>
+            </a:r>
+            <a:r>
+              <a:rPr lang="de-DE" dirty="0" smtClean="0"/>
+              <a:t> zu integrieren.</a:t>
+            </a:r>
+          </a:p>
+          <a:p>
+            <a:pPr algn="ctr"/>
+            <a:endParaRPr lang="de-DE" dirty="0"/>
+          </a:p>
+          <a:p>
+            <a:pPr algn="ctr"/>
+            <a:r>
+              <a:rPr lang="de-DE" dirty="0" err="1" smtClean="0"/>
+              <a:t>GitHub</a:t>
+            </a:r>
+            <a:r>
+              <a:rPr lang="de-DE" dirty="0" smtClean="0"/>
+              <a:t> gibt einem viel Unterstützung und nimmt einem Arbeit ab.</a:t>
+            </a:r>
+          </a:p>
+          <a:p>
+            <a:pPr algn="ctr"/>
+            <a:endParaRPr lang="de-DE" dirty="0"/>
+          </a:p>
+          <a:p>
+            <a:pPr algn="ctr"/>
+            <a:r>
+              <a:rPr lang="de-DE" dirty="0" err="1" smtClean="0"/>
+              <a:t>GitHub</a:t>
+            </a:r>
+            <a:r>
+              <a:rPr lang="de-DE" dirty="0" smtClean="0"/>
+              <a:t> ist </a:t>
+            </a:r>
+            <a:r>
+              <a:rPr lang="de-DE" dirty="0" err="1" smtClean="0"/>
+              <a:t>Communitynah</a:t>
+            </a:r>
+            <a:r>
+              <a:rPr lang="de-DE" dirty="0" smtClean="0"/>
+              <a:t>.</a:t>
+            </a:r>
+          </a:p>
+          <a:p>
+            <a:pPr algn="ctr"/>
+            <a:endParaRPr lang="de-DE" dirty="0"/>
+          </a:p>
+          <a:p>
+            <a:pPr algn="ctr"/>
+            <a:endParaRPr lang="de-DE" dirty="0"/>
           </a:p>
         </p:txBody>
       </p:sp>
@@ -21737,6 +23747,144 @@
     <p:extLst>
       <p:ext uri="{BB962C8B-B14F-4D97-AF65-F5344CB8AC3E}">
         <p14:creationId xmlns:p14="http://schemas.microsoft.com/office/powerpoint/2010/main" val="3466870125"/>
+      </p:ext>
+    </p:extLst>
+  </p:cSld>
+  <p:clrMapOvr>
+    <a:masterClrMapping/>
+  </p:clrMapOvr>
+</p:sld>
+</file>
+
+<file path=ppt/slides/slide22.xml><?xml version="1.0" encoding="utf-8"?>
+<p:sld xmlns:a="http://schemas.openxmlformats.org/drawingml/2006/main" xmlns:r="http://schemas.openxmlformats.org/officeDocument/2006/relationships" xmlns:p="http://schemas.openxmlformats.org/presentationml/2006/main">
+  <p:cSld>
+    <p:spTree>
+      <p:nvGrpSpPr>
+        <p:cNvPr id="1" name=""/>
+        <p:cNvGrpSpPr/>
+        <p:nvPr/>
+      </p:nvGrpSpPr>
+      <p:grpSpPr>
+        <a:xfrm>
+          <a:off x="0" y="0"/>
+          <a:ext cx="0" cy="0"/>
+          <a:chOff x="0" y="0"/>
+          <a:chExt cx="0" cy="0"/>
+        </a:xfrm>
+      </p:grpSpPr>
+      <p:sp>
+        <p:nvSpPr>
+          <p:cNvPr id="2" name="Titel 1"/>
+          <p:cNvSpPr>
+            <a:spLocks noGrp="1"/>
+          </p:cNvSpPr>
+          <p:nvPr>
+            <p:ph type="title"/>
+          </p:nvPr>
+        </p:nvSpPr>
+        <p:spPr/>
+        <p:txBody>
+          <a:bodyPr/>
+          <a:lstStyle/>
+          <a:p>
+            <a:r>
+              <a:rPr lang="de-DE" dirty="0" smtClean="0"/>
+              <a:t>Bildquellen</a:t>
+            </a:r>
+            <a:endParaRPr lang="de-DE" dirty="0"/>
+          </a:p>
+        </p:txBody>
+      </p:sp>
+      <p:sp>
+        <p:nvSpPr>
+          <p:cNvPr id="3" name="Inhaltsplatzhalter 2"/>
+          <p:cNvSpPr>
+            <a:spLocks noGrp="1"/>
+          </p:cNvSpPr>
+          <p:nvPr>
+            <p:ph idx="1"/>
+          </p:nvPr>
+        </p:nvSpPr>
+        <p:spPr/>
+        <p:txBody>
+          <a:bodyPr/>
+          <a:lstStyle/>
+          <a:p>
+            <a:r>
+              <a:rPr lang="de-DE" dirty="0">
+                <a:hlinkClick r:id="rId2"/>
+              </a:rPr>
+              <a:t>https://</a:t>
+            </a:r>
+            <a:r>
+              <a:rPr lang="de-DE" dirty="0" smtClean="0">
+                <a:hlinkClick r:id="rId2"/>
+              </a:rPr>
+              <a:t>pbs.twimg.com/media/EwEJGEeXMAgJOHH.png</a:t>
+            </a:r>
+            <a:endParaRPr lang="de-DE" dirty="0" smtClean="0"/>
+          </a:p>
+          <a:p>
+            <a:r>
+              <a:rPr lang="de-DE" dirty="0">
+                <a:hlinkClick r:id="rId3"/>
+              </a:rPr>
+              <a:t>https://</a:t>
+            </a:r>
+            <a:r>
+              <a:rPr lang="de-DE" dirty="0" smtClean="0">
+                <a:hlinkClick r:id="rId3"/>
+              </a:rPr>
+              <a:t>github.blog/wp-content/uploads/2019/11/Screen-Shot-2019-11-13-at-12.33.17-PM.png?resize=1024%2C535</a:t>
+            </a:r>
+            <a:endParaRPr lang="de-DE" dirty="0" smtClean="0"/>
+          </a:p>
+          <a:p>
+            <a:r>
+              <a:rPr lang="de-DE" dirty="0">
+                <a:hlinkClick r:id="rId4"/>
+              </a:rPr>
+              <a:t>https://</a:t>
+            </a:r>
+            <a:r>
+              <a:rPr lang="de-DE" dirty="0" smtClean="0">
+                <a:hlinkClick r:id="rId4"/>
+              </a:rPr>
+              <a:t>docs.microsoft.com/en-us/azure/architecture/solution-ideas/media/devsecops-in-github-data-flow.png</a:t>
+            </a:r>
+            <a:endParaRPr lang="de-DE" dirty="0" smtClean="0"/>
+          </a:p>
+          <a:p>
+            <a:r>
+              <a:rPr lang="de-DE">
+                <a:hlinkClick r:id="rId5"/>
+              </a:rPr>
+              <a:t>https://</a:t>
+            </a:r>
+            <a:r>
+              <a:rPr lang="de-DE" smtClean="0">
+                <a:hlinkClick r:id="rId5"/>
+              </a:rPr>
+              <a:t>owasp.org/www-project-devsecops-maturity-model/assets/images/impl.png</a:t>
+            </a:r>
+            <a:endParaRPr lang="de-DE" smtClean="0"/>
+          </a:p>
+          <a:p>
+            <a:endParaRPr lang="de-DE" dirty="0" smtClean="0"/>
+          </a:p>
+          <a:p>
+            <a:endParaRPr lang="de-DE" dirty="0" smtClean="0"/>
+          </a:p>
+          <a:p>
+            <a:endParaRPr lang="de-DE" dirty="0"/>
+          </a:p>
+        </p:txBody>
+      </p:sp>
+    </p:spTree>
+    <p:extLst>
+      <p:ext uri="{BB962C8B-B14F-4D97-AF65-F5344CB8AC3E}">
+        <p14:creationId xmlns:p14="http://schemas.microsoft.com/office/powerpoint/2010/main" val="4135289080"/>
       </p:ext>
     </p:extLst>
   </p:cSld>
@@ -22060,11 +24208,13 @@
         <p:spPr>
           <a:xfrm>
             <a:off x="1024128" y="3607724"/>
-            <a:ext cx="9720073" cy="2676698"/>
+            <a:ext cx="8708957" cy="449909"/>
           </a:xfrm>
         </p:spPr>
         <p:txBody>
-          <a:bodyPr/>
+          <a:bodyPr>
+            <a:normAutofit/>
+          </a:bodyPr>
           <a:lstStyle/>
           <a:p>
             <a:pPr marL="0" indent="0">
@@ -22076,37 +24226,9 @@
             </a:r>
           </a:p>
           <a:p>
-            <a:pPr>
-              <a:buFont typeface="Arial" panose="020B0604020202020204" pitchFamily="34" charset="0"/>
-              <a:buChar char="•"/>
+            <a:pPr marL="0" indent="0">
+              <a:buNone/>
             </a:pPr>
-            <a:r>
-              <a:rPr lang="de-DE" dirty="0" smtClean="0"/>
-              <a:t> </a:t>
-            </a:r>
-            <a:r>
-              <a:rPr lang="de-DE" dirty="0" err="1" smtClean="0"/>
-              <a:t>Shift</a:t>
-            </a:r>
-            <a:r>
-              <a:rPr lang="de-DE" dirty="0" smtClean="0"/>
-              <a:t> </a:t>
-            </a:r>
-            <a:r>
-              <a:rPr lang="de-DE" dirty="0" err="1" smtClean="0"/>
-              <a:t>Left</a:t>
-            </a:r>
-            <a:endParaRPr lang="de-DE" dirty="0" smtClean="0"/>
-          </a:p>
-          <a:p>
-            <a:pPr>
-              <a:buFont typeface="Arial" panose="020B0604020202020204" pitchFamily="34" charset="0"/>
-              <a:buChar char="•"/>
-            </a:pPr>
-            <a:r>
-              <a:rPr lang="de-DE" dirty="0"/>
-              <a:t> </a:t>
-            </a:r>
             <a:endParaRPr lang="de-DE" dirty="0" smtClean="0"/>
           </a:p>
         </p:txBody>
@@ -22323,6 +24445,764 @@
           </a:p>
         </p:txBody>
       </p:sp>
+      <p:sp>
+        <p:nvSpPr>
+          <p:cNvPr id="10" name="Abgerundetes Rechteck 9"/>
+          <p:cNvSpPr/>
+          <p:nvPr/>
+        </p:nvSpPr>
+        <p:spPr>
+          <a:xfrm>
+            <a:off x="4550136" y="4280667"/>
+            <a:ext cx="1819133" cy="459961"/>
+          </a:xfrm>
+          <a:prstGeom prst="roundRect">
+            <a:avLst/>
+          </a:prstGeom>
+          <a:noFill/>
+        </p:spPr>
+        <p:style>
+          <a:lnRef idx="2">
+            <a:schemeClr val="accent1">
+              <a:shade val="50000"/>
+            </a:schemeClr>
+          </a:lnRef>
+          <a:fillRef idx="1">
+            <a:schemeClr val="accent1"/>
+          </a:fillRef>
+          <a:effectRef idx="0">
+            <a:schemeClr val="accent1"/>
+          </a:effectRef>
+          <a:fontRef idx="minor">
+            <a:schemeClr val="lt1"/>
+          </a:fontRef>
+        </p:style>
+        <p:txBody>
+          <a:bodyPr rtlCol="0" anchor="ctr"/>
+          <a:lstStyle/>
+          <a:p>
+            <a:pPr algn="ctr"/>
+            <a:r>
+              <a:rPr lang="de-DE" dirty="0" smtClean="0">
+                <a:solidFill>
+                  <a:schemeClr val="tx1"/>
+                </a:solidFill>
+              </a:rPr>
+              <a:t>Automatisierung</a:t>
+            </a:r>
+            <a:endParaRPr lang="de-DE" dirty="0">
+              <a:solidFill>
+                <a:schemeClr val="tx1"/>
+              </a:solidFill>
+            </a:endParaRPr>
+          </a:p>
+        </p:txBody>
+      </p:sp>
+      <p:sp>
+        <p:nvSpPr>
+          <p:cNvPr id="11" name="Abgerundetes Rechteck 10"/>
+          <p:cNvSpPr/>
+          <p:nvPr/>
+        </p:nvSpPr>
+        <p:spPr>
+          <a:xfrm>
+            <a:off x="897709" y="4197638"/>
+            <a:ext cx="1407684" cy="459961"/>
+          </a:xfrm>
+          <a:prstGeom prst="roundRect">
+            <a:avLst/>
+          </a:prstGeom>
+          <a:noFill/>
+        </p:spPr>
+        <p:style>
+          <a:lnRef idx="2">
+            <a:schemeClr val="accent1">
+              <a:shade val="50000"/>
+            </a:schemeClr>
+          </a:lnRef>
+          <a:fillRef idx="1">
+            <a:schemeClr val="accent1"/>
+          </a:fillRef>
+          <a:effectRef idx="0">
+            <a:schemeClr val="accent1"/>
+          </a:effectRef>
+          <a:fontRef idx="minor">
+            <a:schemeClr val="lt1"/>
+          </a:fontRef>
+        </p:style>
+        <p:txBody>
+          <a:bodyPr rtlCol="0" anchor="ctr"/>
+          <a:lstStyle/>
+          <a:p>
+            <a:pPr algn="ctr"/>
+            <a:r>
+              <a:rPr lang="de-DE" dirty="0" err="1" smtClean="0">
+                <a:solidFill>
+                  <a:schemeClr val="tx1"/>
+                </a:solidFill>
+              </a:rPr>
+              <a:t>Shift</a:t>
+            </a:r>
+            <a:r>
+              <a:rPr lang="de-DE" dirty="0" smtClean="0">
+                <a:solidFill>
+                  <a:schemeClr val="tx1"/>
+                </a:solidFill>
+              </a:rPr>
+              <a:t> </a:t>
+            </a:r>
+            <a:r>
+              <a:rPr lang="de-DE" dirty="0" err="1" smtClean="0">
+                <a:solidFill>
+                  <a:schemeClr val="tx1"/>
+                </a:solidFill>
+              </a:rPr>
+              <a:t>Left</a:t>
+            </a:r>
+            <a:endParaRPr lang="de-DE" dirty="0">
+              <a:solidFill>
+                <a:schemeClr val="tx1"/>
+              </a:solidFill>
+            </a:endParaRPr>
+          </a:p>
+        </p:txBody>
+      </p:sp>
+      <p:sp>
+        <p:nvSpPr>
+          <p:cNvPr id="12" name="Abgerundetes Rechteck 11"/>
+          <p:cNvSpPr/>
+          <p:nvPr/>
+        </p:nvSpPr>
+        <p:spPr>
+          <a:xfrm>
+            <a:off x="1407025" y="4994711"/>
+            <a:ext cx="1616590" cy="459961"/>
+          </a:xfrm>
+          <a:prstGeom prst="roundRect">
+            <a:avLst/>
+          </a:prstGeom>
+          <a:noFill/>
+        </p:spPr>
+        <p:style>
+          <a:lnRef idx="2">
+            <a:schemeClr val="accent1">
+              <a:shade val="50000"/>
+            </a:schemeClr>
+          </a:lnRef>
+          <a:fillRef idx="1">
+            <a:schemeClr val="accent1"/>
+          </a:fillRef>
+          <a:effectRef idx="0">
+            <a:schemeClr val="accent1"/>
+          </a:effectRef>
+          <a:fontRef idx="minor">
+            <a:schemeClr val="lt1"/>
+          </a:fontRef>
+        </p:style>
+        <p:txBody>
+          <a:bodyPr rtlCol="0" anchor="ctr"/>
+          <a:lstStyle/>
+          <a:p>
+            <a:pPr algn="ctr"/>
+            <a:r>
+              <a:rPr lang="de-DE" dirty="0" smtClean="0">
+                <a:solidFill>
+                  <a:schemeClr val="tx1"/>
+                </a:solidFill>
+              </a:rPr>
+              <a:t>Risikoanalyse</a:t>
+            </a:r>
+            <a:endParaRPr lang="de-DE" dirty="0">
+              <a:solidFill>
+                <a:schemeClr val="tx1"/>
+              </a:solidFill>
+            </a:endParaRPr>
+          </a:p>
+        </p:txBody>
+      </p:sp>
+      <p:sp>
+        <p:nvSpPr>
+          <p:cNvPr id="13" name="Abgerundetes Rechteck 12"/>
+          <p:cNvSpPr/>
+          <p:nvPr/>
+        </p:nvSpPr>
+        <p:spPr>
+          <a:xfrm>
+            <a:off x="3422102" y="5236351"/>
+            <a:ext cx="1616590" cy="459961"/>
+          </a:xfrm>
+          <a:prstGeom prst="roundRect">
+            <a:avLst/>
+          </a:prstGeom>
+          <a:noFill/>
+        </p:spPr>
+        <p:style>
+          <a:lnRef idx="2">
+            <a:schemeClr val="accent1">
+              <a:shade val="50000"/>
+            </a:schemeClr>
+          </a:lnRef>
+          <a:fillRef idx="1">
+            <a:schemeClr val="accent1"/>
+          </a:fillRef>
+          <a:effectRef idx="0">
+            <a:schemeClr val="accent1"/>
+          </a:effectRef>
+          <a:fontRef idx="minor">
+            <a:schemeClr val="lt1"/>
+          </a:fontRef>
+        </p:style>
+        <p:txBody>
+          <a:bodyPr rtlCol="0" anchor="ctr"/>
+          <a:lstStyle/>
+          <a:p>
+            <a:pPr algn="ctr"/>
+            <a:r>
+              <a:rPr lang="de-DE" dirty="0" smtClean="0">
+                <a:solidFill>
+                  <a:schemeClr val="tx1"/>
+                </a:solidFill>
+              </a:rPr>
+              <a:t>SAST</a:t>
+            </a:r>
+            <a:endParaRPr lang="de-DE" dirty="0">
+              <a:solidFill>
+                <a:schemeClr val="tx1"/>
+              </a:solidFill>
+            </a:endParaRPr>
+          </a:p>
+        </p:txBody>
+      </p:sp>
+      <p:sp>
+        <p:nvSpPr>
+          <p:cNvPr id="14" name="Abgerundetes Rechteck 13"/>
+          <p:cNvSpPr/>
+          <p:nvPr/>
+        </p:nvSpPr>
+        <p:spPr>
+          <a:xfrm>
+            <a:off x="5950406" y="5236352"/>
+            <a:ext cx="1616590" cy="459961"/>
+          </a:xfrm>
+          <a:prstGeom prst="roundRect">
+            <a:avLst/>
+          </a:prstGeom>
+          <a:noFill/>
+        </p:spPr>
+        <p:style>
+          <a:lnRef idx="2">
+            <a:schemeClr val="accent1">
+              <a:shade val="50000"/>
+            </a:schemeClr>
+          </a:lnRef>
+          <a:fillRef idx="1">
+            <a:schemeClr val="accent1"/>
+          </a:fillRef>
+          <a:effectRef idx="0">
+            <a:schemeClr val="accent1"/>
+          </a:effectRef>
+          <a:fontRef idx="minor">
+            <a:schemeClr val="lt1"/>
+          </a:fontRef>
+        </p:style>
+        <p:txBody>
+          <a:bodyPr rtlCol="0" anchor="ctr"/>
+          <a:lstStyle/>
+          <a:p>
+            <a:pPr algn="ctr"/>
+            <a:r>
+              <a:rPr lang="de-DE" dirty="0" smtClean="0">
+                <a:solidFill>
+                  <a:schemeClr val="tx1"/>
+                </a:solidFill>
+              </a:rPr>
+              <a:t>Tests</a:t>
+            </a:r>
+            <a:endParaRPr lang="de-DE" dirty="0">
+              <a:solidFill>
+                <a:schemeClr val="tx1"/>
+              </a:solidFill>
+            </a:endParaRPr>
+          </a:p>
+        </p:txBody>
+      </p:sp>
+      <p:sp>
+        <p:nvSpPr>
+          <p:cNvPr id="15" name="Abgerundetes Rechteck 14"/>
+          <p:cNvSpPr/>
+          <p:nvPr/>
+        </p:nvSpPr>
+        <p:spPr>
+          <a:xfrm>
+            <a:off x="6956206" y="4298549"/>
+            <a:ext cx="1657805" cy="633936"/>
+          </a:xfrm>
+          <a:prstGeom prst="roundRect">
+            <a:avLst/>
+          </a:prstGeom>
+          <a:noFill/>
+        </p:spPr>
+        <p:style>
+          <a:lnRef idx="2">
+            <a:schemeClr val="accent1">
+              <a:shade val="50000"/>
+            </a:schemeClr>
+          </a:lnRef>
+          <a:fillRef idx="1">
+            <a:schemeClr val="accent1"/>
+          </a:fillRef>
+          <a:effectRef idx="0">
+            <a:schemeClr val="accent1"/>
+          </a:effectRef>
+          <a:fontRef idx="minor">
+            <a:schemeClr val="lt1"/>
+          </a:fontRef>
+        </p:style>
+        <p:txBody>
+          <a:bodyPr rtlCol="0" anchor="ctr"/>
+          <a:lstStyle/>
+          <a:p>
+            <a:pPr algn="ctr"/>
+            <a:r>
+              <a:rPr lang="de-DE" dirty="0" smtClean="0">
+                <a:solidFill>
+                  <a:schemeClr val="tx1"/>
+                </a:solidFill>
+              </a:rPr>
+              <a:t>Abhängigkeitsanalysen</a:t>
+            </a:r>
+            <a:endParaRPr lang="de-DE" dirty="0">
+              <a:solidFill>
+                <a:schemeClr val="tx1"/>
+              </a:solidFill>
+            </a:endParaRPr>
+          </a:p>
+        </p:txBody>
+      </p:sp>
+      <p:sp>
+        <p:nvSpPr>
+          <p:cNvPr id="16" name="Abgerundetes Rechteck 15"/>
+          <p:cNvSpPr/>
+          <p:nvPr/>
+        </p:nvSpPr>
+        <p:spPr>
+          <a:xfrm>
+            <a:off x="793256" y="5931832"/>
+            <a:ext cx="1712552" cy="627799"/>
+          </a:xfrm>
+          <a:prstGeom prst="roundRect">
+            <a:avLst/>
+          </a:prstGeom>
+          <a:noFill/>
+        </p:spPr>
+        <p:style>
+          <a:lnRef idx="2">
+            <a:schemeClr val="accent1">
+              <a:shade val="50000"/>
+            </a:schemeClr>
+          </a:lnRef>
+          <a:fillRef idx="1">
+            <a:schemeClr val="accent1"/>
+          </a:fillRef>
+          <a:effectRef idx="0">
+            <a:schemeClr val="accent1"/>
+          </a:effectRef>
+          <a:fontRef idx="minor">
+            <a:schemeClr val="lt1"/>
+          </a:fontRef>
+        </p:style>
+        <p:txBody>
+          <a:bodyPr rtlCol="0" anchor="ctr"/>
+          <a:lstStyle/>
+          <a:p>
+            <a:pPr algn="ctr"/>
+            <a:r>
+              <a:rPr lang="de-DE" dirty="0" smtClean="0">
+                <a:solidFill>
+                  <a:schemeClr val="tx1"/>
+                </a:solidFill>
+              </a:rPr>
+              <a:t>Infrastruktur- Bereitstellung</a:t>
+            </a:r>
+            <a:endParaRPr lang="de-DE" dirty="0">
+              <a:solidFill>
+                <a:schemeClr val="tx1"/>
+              </a:solidFill>
+            </a:endParaRPr>
+          </a:p>
+        </p:txBody>
+      </p:sp>
+      <p:sp>
+        <p:nvSpPr>
+          <p:cNvPr id="17" name="Abgerundetes Rechteck 16"/>
+          <p:cNvSpPr/>
+          <p:nvPr/>
+        </p:nvSpPr>
+        <p:spPr>
+          <a:xfrm>
+            <a:off x="3574887" y="6192035"/>
+            <a:ext cx="1616590" cy="459961"/>
+          </a:xfrm>
+          <a:prstGeom prst="roundRect">
+            <a:avLst/>
+          </a:prstGeom>
+          <a:noFill/>
+        </p:spPr>
+        <p:style>
+          <a:lnRef idx="2">
+            <a:schemeClr val="accent1">
+              <a:shade val="50000"/>
+            </a:schemeClr>
+          </a:lnRef>
+          <a:fillRef idx="1">
+            <a:schemeClr val="accent1"/>
+          </a:fillRef>
+          <a:effectRef idx="0">
+            <a:schemeClr val="accent1"/>
+          </a:effectRef>
+          <a:fontRef idx="minor">
+            <a:schemeClr val="lt1"/>
+          </a:fontRef>
+        </p:style>
+        <p:txBody>
+          <a:bodyPr rtlCol="0" anchor="ctr"/>
+          <a:lstStyle/>
+          <a:p>
+            <a:pPr algn="ctr"/>
+            <a:r>
+              <a:rPr lang="de-DE" dirty="0" smtClean="0">
+                <a:solidFill>
+                  <a:schemeClr val="tx1"/>
+                </a:solidFill>
+              </a:rPr>
+              <a:t>DAST</a:t>
+            </a:r>
+            <a:endParaRPr lang="de-DE" dirty="0">
+              <a:solidFill>
+                <a:schemeClr val="tx1"/>
+              </a:solidFill>
+            </a:endParaRPr>
+          </a:p>
+        </p:txBody>
+      </p:sp>
+      <p:sp>
+        <p:nvSpPr>
+          <p:cNvPr id="18" name="Abgerundetes Rechteck 17"/>
+          <p:cNvSpPr/>
+          <p:nvPr/>
+        </p:nvSpPr>
+        <p:spPr>
+          <a:xfrm>
+            <a:off x="5339616" y="6192034"/>
+            <a:ext cx="1616590" cy="459961"/>
+          </a:xfrm>
+          <a:prstGeom prst="roundRect">
+            <a:avLst/>
+          </a:prstGeom>
+          <a:noFill/>
+        </p:spPr>
+        <p:style>
+          <a:lnRef idx="2">
+            <a:schemeClr val="accent1">
+              <a:shade val="50000"/>
+            </a:schemeClr>
+          </a:lnRef>
+          <a:fillRef idx="1">
+            <a:schemeClr val="accent1"/>
+          </a:fillRef>
+          <a:effectRef idx="0">
+            <a:schemeClr val="accent1"/>
+          </a:effectRef>
+          <a:fontRef idx="minor">
+            <a:schemeClr val="lt1"/>
+          </a:fontRef>
+        </p:style>
+        <p:txBody>
+          <a:bodyPr rtlCol="0" anchor="ctr"/>
+          <a:lstStyle/>
+          <a:p>
+            <a:pPr algn="ctr"/>
+            <a:r>
+              <a:rPr lang="de-DE" dirty="0" smtClean="0">
+                <a:solidFill>
+                  <a:schemeClr val="tx1"/>
+                </a:solidFill>
+              </a:rPr>
+              <a:t>Automatisierte </a:t>
+            </a:r>
+            <a:r>
+              <a:rPr lang="de-DE" dirty="0" err="1" smtClean="0">
+                <a:solidFill>
+                  <a:schemeClr val="tx1"/>
+                </a:solidFill>
+              </a:rPr>
+              <a:t>Atacken</a:t>
+            </a:r>
+            <a:endParaRPr lang="de-DE" dirty="0">
+              <a:solidFill>
+                <a:schemeClr val="tx1"/>
+              </a:solidFill>
+            </a:endParaRPr>
+          </a:p>
+        </p:txBody>
+      </p:sp>
+      <p:sp>
+        <p:nvSpPr>
+          <p:cNvPr id="19" name="Abgerundetes Rechteck 18"/>
+          <p:cNvSpPr/>
+          <p:nvPr/>
+        </p:nvSpPr>
+        <p:spPr>
+          <a:xfrm>
+            <a:off x="7413407" y="6015750"/>
+            <a:ext cx="1616590" cy="459961"/>
+          </a:xfrm>
+          <a:prstGeom prst="roundRect">
+            <a:avLst/>
+          </a:prstGeom>
+          <a:noFill/>
+        </p:spPr>
+        <p:style>
+          <a:lnRef idx="2">
+            <a:schemeClr val="accent1">
+              <a:shade val="50000"/>
+            </a:schemeClr>
+          </a:lnRef>
+          <a:fillRef idx="1">
+            <a:schemeClr val="accent1"/>
+          </a:fillRef>
+          <a:effectRef idx="0">
+            <a:schemeClr val="accent1"/>
+          </a:effectRef>
+          <a:fontRef idx="minor">
+            <a:schemeClr val="lt1"/>
+          </a:fontRef>
+        </p:style>
+        <p:txBody>
+          <a:bodyPr rtlCol="0" anchor="ctr"/>
+          <a:lstStyle/>
+          <a:p>
+            <a:pPr algn="ctr"/>
+            <a:r>
+              <a:rPr lang="de-DE" dirty="0" smtClean="0">
+                <a:solidFill>
+                  <a:schemeClr val="tx1"/>
+                </a:solidFill>
+              </a:rPr>
+              <a:t>Monitoring</a:t>
+            </a:r>
+            <a:endParaRPr lang="de-DE" dirty="0">
+              <a:solidFill>
+                <a:schemeClr val="tx1"/>
+              </a:solidFill>
+            </a:endParaRPr>
+          </a:p>
+        </p:txBody>
+      </p:sp>
+      <p:sp>
+        <p:nvSpPr>
+          <p:cNvPr id="20" name="Abgerundetes Rechteck 19"/>
+          <p:cNvSpPr/>
+          <p:nvPr/>
+        </p:nvSpPr>
+        <p:spPr>
+          <a:xfrm>
+            <a:off x="8765612" y="4959979"/>
+            <a:ext cx="1616590" cy="459961"/>
+          </a:xfrm>
+          <a:prstGeom prst="roundRect">
+            <a:avLst/>
+          </a:prstGeom>
+          <a:noFill/>
+        </p:spPr>
+        <p:style>
+          <a:lnRef idx="2">
+            <a:schemeClr val="accent1">
+              <a:shade val="50000"/>
+            </a:schemeClr>
+          </a:lnRef>
+          <a:fillRef idx="1">
+            <a:schemeClr val="accent1"/>
+          </a:fillRef>
+          <a:effectRef idx="0">
+            <a:schemeClr val="accent1"/>
+          </a:effectRef>
+          <a:fontRef idx="minor">
+            <a:schemeClr val="lt1"/>
+          </a:fontRef>
+        </p:style>
+        <p:txBody>
+          <a:bodyPr rtlCol="0" anchor="ctr"/>
+          <a:lstStyle/>
+          <a:p>
+            <a:pPr algn="ctr"/>
+            <a:r>
+              <a:rPr lang="de-DE" dirty="0" smtClean="0">
+                <a:solidFill>
+                  <a:schemeClr val="tx1"/>
+                </a:solidFill>
+              </a:rPr>
+              <a:t>Training</a:t>
+            </a:r>
+            <a:endParaRPr lang="de-DE" dirty="0">
+              <a:solidFill>
+                <a:schemeClr val="tx1"/>
+              </a:solidFill>
+            </a:endParaRPr>
+          </a:p>
+        </p:txBody>
+      </p:sp>
+      <p:cxnSp>
+        <p:nvCxnSpPr>
+          <p:cNvPr id="21" name="Gerader Verbinder 20"/>
+          <p:cNvCxnSpPr>
+            <a:stCxn id="10" idx="3"/>
+            <a:endCxn id="15" idx="1"/>
+          </p:cNvCxnSpPr>
+          <p:nvPr/>
+        </p:nvCxnSpPr>
+        <p:spPr>
+          <a:xfrm>
+            <a:off x="6369269" y="4510648"/>
+            <a:ext cx="586937" cy="104869"/>
+          </a:xfrm>
+          <a:prstGeom prst="line">
+            <a:avLst/>
+          </a:prstGeom>
+        </p:spPr>
+        <p:style>
+          <a:lnRef idx="1">
+            <a:schemeClr val="accent1"/>
+          </a:lnRef>
+          <a:fillRef idx="0">
+            <a:schemeClr val="accent1"/>
+          </a:fillRef>
+          <a:effectRef idx="0">
+            <a:schemeClr val="accent1"/>
+          </a:effectRef>
+          <a:fontRef idx="minor">
+            <a:schemeClr val="tx1"/>
+          </a:fontRef>
+        </p:style>
+      </p:cxnSp>
+      <p:cxnSp>
+        <p:nvCxnSpPr>
+          <p:cNvPr id="23" name="Gerader Verbinder 22"/>
+          <p:cNvCxnSpPr>
+            <a:endCxn id="14" idx="0"/>
+          </p:cNvCxnSpPr>
+          <p:nvPr/>
+        </p:nvCxnSpPr>
+        <p:spPr>
+          <a:xfrm>
+            <a:off x="6077615" y="4740628"/>
+            <a:ext cx="681086" cy="495724"/>
+          </a:xfrm>
+          <a:prstGeom prst="line">
+            <a:avLst/>
+          </a:prstGeom>
+        </p:spPr>
+        <p:style>
+          <a:lnRef idx="1">
+            <a:schemeClr val="accent1"/>
+          </a:lnRef>
+          <a:fillRef idx="0">
+            <a:schemeClr val="accent1"/>
+          </a:fillRef>
+          <a:effectRef idx="0">
+            <a:schemeClr val="accent1"/>
+          </a:effectRef>
+          <a:fontRef idx="minor">
+            <a:schemeClr val="tx1"/>
+          </a:fontRef>
+        </p:style>
+      </p:cxnSp>
+      <p:cxnSp>
+        <p:nvCxnSpPr>
+          <p:cNvPr id="25" name="Gerader Verbinder 24"/>
+          <p:cNvCxnSpPr>
+            <a:stCxn id="10" idx="2"/>
+            <a:endCxn id="13" idx="0"/>
+          </p:cNvCxnSpPr>
+          <p:nvPr/>
+        </p:nvCxnSpPr>
+        <p:spPr>
+          <a:xfrm flipH="1">
+            <a:off x="4230397" y="4740628"/>
+            <a:ext cx="1229306" cy="495723"/>
+          </a:xfrm>
+          <a:prstGeom prst="line">
+            <a:avLst/>
+          </a:prstGeom>
+        </p:spPr>
+        <p:style>
+          <a:lnRef idx="1">
+            <a:schemeClr val="accent1"/>
+          </a:lnRef>
+          <a:fillRef idx="0">
+            <a:schemeClr val="accent1"/>
+          </a:fillRef>
+          <a:effectRef idx="0">
+            <a:schemeClr val="accent1"/>
+          </a:effectRef>
+          <a:fontRef idx="minor">
+            <a:schemeClr val="tx1"/>
+          </a:fontRef>
+        </p:style>
+      </p:cxnSp>
+      <p:sp>
+        <p:nvSpPr>
+          <p:cNvPr id="29" name="Abgerundetes Rechteck 28"/>
+          <p:cNvSpPr/>
+          <p:nvPr/>
+        </p:nvSpPr>
+        <p:spPr>
+          <a:xfrm>
+            <a:off x="9935904" y="5774001"/>
+            <a:ext cx="1793033" cy="701710"/>
+          </a:xfrm>
+          <a:prstGeom prst="roundRect">
+            <a:avLst/>
+          </a:prstGeom>
+          <a:noFill/>
+        </p:spPr>
+        <p:style>
+          <a:lnRef idx="2">
+            <a:schemeClr val="accent1">
+              <a:shade val="50000"/>
+            </a:schemeClr>
+          </a:lnRef>
+          <a:fillRef idx="1">
+            <a:schemeClr val="accent1"/>
+          </a:fillRef>
+          <a:effectRef idx="0">
+            <a:schemeClr val="accent1"/>
+          </a:effectRef>
+          <a:fontRef idx="minor">
+            <a:schemeClr val="lt1"/>
+          </a:fontRef>
+        </p:style>
+        <p:txBody>
+          <a:bodyPr rtlCol="0" anchor="ctr"/>
+          <a:lstStyle/>
+          <a:p>
+            <a:pPr algn="ctr"/>
+            <a:r>
+              <a:rPr lang="de-DE" b="1" dirty="0" err="1" smtClean="0">
+                <a:solidFill>
+                  <a:schemeClr val="tx1"/>
+                </a:solidFill>
+              </a:rPr>
+              <a:t>DevOps</a:t>
+            </a:r>
+            <a:endParaRPr lang="de-DE" b="1" dirty="0">
+              <a:solidFill>
+                <a:schemeClr val="tx1"/>
+              </a:solidFill>
+            </a:endParaRPr>
+          </a:p>
+        </p:txBody>
+      </p:sp>
     </p:spTree>
     <p:extLst>
       <p:ext uri="{BB962C8B-B14F-4D97-AF65-F5344CB8AC3E}">
@@ -22396,6 +25276,64 @@
           <a:bodyPr/>
           <a:lstStyle/>
           <a:p>
+            <a:pPr>
+              <a:buFont typeface="Wingdings" panose="05000000000000000000" pitchFamily="2" charset="2"/>
+              <a:buChar char="v"/>
+            </a:pPr>
+            <a:r>
+              <a:rPr lang="de-DE" dirty="0" smtClean="0"/>
+              <a:t> Keine Vertrauensgrenze</a:t>
+            </a:r>
+          </a:p>
+          <a:p>
+            <a:pPr>
+              <a:buFont typeface="Wingdings" panose="05000000000000000000" pitchFamily="2" charset="2"/>
+              <a:buChar char="v"/>
+            </a:pPr>
+            <a:r>
+              <a:rPr lang="de-DE" dirty="0"/>
+              <a:t> </a:t>
+            </a:r>
+            <a:r>
+              <a:rPr lang="de-DE" dirty="0" smtClean="0"/>
+              <a:t>Jeder Zugriff/Aktion wird überprüft</a:t>
+            </a:r>
+          </a:p>
+          <a:p>
+            <a:pPr>
+              <a:buFont typeface="Wingdings" panose="05000000000000000000" pitchFamily="2" charset="2"/>
+              <a:buChar char="v"/>
+            </a:pPr>
+            <a:r>
+              <a:rPr lang="de-DE" dirty="0"/>
+              <a:t> </a:t>
+            </a:r>
+            <a:r>
+              <a:rPr lang="de-DE" dirty="0" smtClean="0"/>
+              <a:t>Vertrauen nur </a:t>
+            </a:r>
+            <a:r>
+              <a:rPr lang="de-DE" dirty="0"/>
+              <a:t>durch Authentifizierung, Verifikation und </a:t>
+            </a:r>
+            <a:r>
+              <a:rPr lang="de-DE" dirty="0" smtClean="0"/>
+              <a:t>Autorisierung</a:t>
+            </a:r>
+          </a:p>
+          <a:p>
+            <a:pPr>
+              <a:buFont typeface="Wingdings" panose="05000000000000000000" pitchFamily="2" charset="2"/>
+              <a:buChar char="v"/>
+            </a:pPr>
+            <a:r>
+              <a:rPr lang="de-DE" dirty="0"/>
+              <a:t> </a:t>
+            </a:r>
+            <a:r>
+              <a:rPr lang="de-DE" dirty="0" smtClean="0"/>
+              <a:t>Identität steht im Vordergrund</a:t>
+            </a:r>
             <a:endParaRPr lang="de-DE" dirty="0"/>
           </a:p>
         </p:txBody>
@@ -22614,7 +25552,109 @@
           <a:bodyPr/>
           <a:lstStyle/>
           <a:p>
-            <a:endParaRPr lang="de-DE"/>
+            <a:r>
+              <a:rPr lang="de-DE" dirty="0" smtClean="0"/>
+              <a:t>Stoßen auf Herausforderungen beim Einführen von </a:t>
+            </a:r>
+            <a:r>
+              <a:rPr lang="de-DE" dirty="0" err="1" smtClean="0"/>
+              <a:t>DevSecOps</a:t>
+            </a:r>
+            <a:r>
+              <a:rPr lang="de-DE" dirty="0" smtClean="0"/>
+              <a:t>.</a:t>
+            </a:r>
+          </a:p>
+          <a:p>
+            <a:pPr lvl="1">
+              <a:buFont typeface="Wingdings" panose="05000000000000000000" pitchFamily="2" charset="2"/>
+              <a:buChar char="v"/>
+            </a:pPr>
+            <a:r>
+              <a:rPr lang="de-DE" dirty="0" smtClean="0"/>
+              <a:t>Hohe Kosten</a:t>
+            </a:r>
+          </a:p>
+          <a:p>
+            <a:pPr lvl="1">
+              <a:buFont typeface="Wingdings" panose="05000000000000000000" pitchFamily="2" charset="2"/>
+              <a:buChar char="v"/>
+            </a:pPr>
+            <a:r>
+              <a:rPr lang="de-DE" dirty="0" smtClean="0"/>
+              <a:t>Bestehende solide Organisationsstrukturen</a:t>
+            </a:r>
+          </a:p>
+          <a:p>
+            <a:pPr lvl="1">
+              <a:buFont typeface="Wingdings" panose="05000000000000000000" pitchFamily="2" charset="2"/>
+              <a:buChar char="v"/>
+            </a:pPr>
+            <a:r>
+              <a:rPr lang="de-DE" dirty="0" smtClean="0"/>
+              <a:t>Kultureller Widerstand</a:t>
+            </a:r>
+          </a:p>
+          <a:p>
+            <a:pPr lvl="1"/>
+            <a:endParaRPr lang="de-DE" dirty="0"/>
+          </a:p>
+          <a:p>
+            <a:r>
+              <a:rPr lang="de-DE" dirty="0" smtClean="0"/>
+              <a:t>-&gt; Einstellen eins </a:t>
+            </a:r>
+            <a:r>
+              <a:rPr lang="de-DE" dirty="0" err="1" smtClean="0"/>
+              <a:t>DevSecOps</a:t>
+            </a:r>
+            <a:r>
+              <a:rPr lang="de-DE" dirty="0" smtClean="0"/>
+              <a:t> Spezialisten</a:t>
+            </a:r>
+            <a:endParaRPr lang="de-DE" dirty="0"/>
+          </a:p>
+          <a:p>
+            <a:pPr lvl="1">
+              <a:buFont typeface="Wingdings" panose="05000000000000000000" pitchFamily="2" charset="2"/>
+              <a:buChar char="v"/>
+            </a:pPr>
+            <a:r>
+              <a:rPr lang="de-DE" dirty="0" smtClean="0"/>
+              <a:t>Tiefes IT-Sicherheitsverständnis</a:t>
+            </a:r>
+          </a:p>
+          <a:p>
+            <a:pPr lvl="1">
+              <a:buFont typeface="Wingdings" panose="05000000000000000000" pitchFamily="2" charset="2"/>
+              <a:buChar char="v"/>
+            </a:pPr>
+            <a:r>
+              <a:rPr lang="de-DE" dirty="0" smtClean="0"/>
+              <a:t>Übernehmen der </a:t>
+            </a:r>
+            <a:r>
+              <a:rPr lang="de-DE" dirty="0" err="1" smtClean="0"/>
+              <a:t>DevSecOps</a:t>
+            </a:r>
+            <a:r>
+              <a:rPr lang="de-DE" dirty="0" smtClean="0"/>
+              <a:t> Aufgaben</a:t>
+            </a:r>
+          </a:p>
+          <a:p>
+            <a:pPr lvl="1">
+              <a:buFont typeface="Wingdings" panose="05000000000000000000" pitchFamily="2" charset="2"/>
+              <a:buChar char="v"/>
+            </a:pPr>
+            <a:r>
+              <a:rPr lang="de-DE" dirty="0" smtClean="0"/>
+              <a:t>Überzeugen der restlichen Teammitglieder</a:t>
+            </a:r>
+          </a:p>
+          <a:p>
+            <a:pPr lvl="1"/>
+            <a:endParaRPr lang="de-DE" dirty="0" smtClean="0"/>
           </a:p>
         </p:txBody>
       </p:sp>
@@ -22759,25 +25799,36 @@
           </a:p>
         </p:txBody>
       </p:sp>
-      <p:sp>
-        <p:nvSpPr>
-          <p:cNvPr id="5" name="Inhaltsplatzhalter 4"/>
-          <p:cNvSpPr>
-            <a:spLocks noGrp="1"/>
-          </p:cNvSpPr>
-          <p:nvPr>
-            <p:ph idx="1"/>
-          </p:nvPr>
-        </p:nvSpPr>
-        <p:spPr/>
-        <p:txBody>
-          <a:bodyPr/>
-          <a:lstStyle/>
-          <a:p>
-            <a:endParaRPr lang="de-DE"/>
-          </a:p>
-        </p:txBody>
-      </p:sp>
+      <p:pic>
+        <p:nvPicPr>
+          <p:cNvPr id="2" name="Grafik 1"/>
+          <p:cNvPicPr>
+            <a:picLocks noChangeAspect="1"/>
+          </p:cNvPicPr>
+          <p:nvPr/>
+        </p:nvPicPr>
+        <p:blipFill>
+          <a:blip r:embed="rId3">
+            <a:extLst>
+              <a:ext uri="{28A0092B-C50C-407E-A947-70E740481C1C}">
+                <a14:useLocalDpi xmlns:a14="http://schemas.microsoft.com/office/drawing/2010/main" val="0"/>
+              </a:ext>
+            </a:extLst>
+          </a:blip>
+          <a:stretch>
+            <a:fillRect/>
+          </a:stretch>
+        </p:blipFill>
+        <p:spPr>
+          <a:xfrm>
+            <a:off x="1514625" y="870007"/>
+            <a:ext cx="8739078" cy="6752924"/>
+          </a:xfrm>
+          <a:prstGeom prst="rect">
+            <a:avLst/>
+          </a:prstGeom>
+        </p:spPr>
+      </p:pic>
     </p:spTree>
     <p:extLst>
       <p:ext uri="{BB962C8B-B14F-4D97-AF65-F5344CB8AC3E}">
@@ -22825,7 +25876,11 @@
           <a:p>
             <a:r>
               <a:rPr lang="de-DE" dirty="0" smtClean="0"/>
-              <a:t>Code Scanning</a:t>
+              <a:t>Secret </a:t>
+            </a:r>
+            <a:r>
+              <a:rPr lang="de-DE" dirty="0" err="1" smtClean="0"/>
+              <a:t>scanning</a:t>
             </a:r>
             <a:endParaRPr lang="de-DE" dirty="0"/>
           </a:p>
@@ -22841,19 +25896,210 @@
             <p:ph idx="1"/>
           </p:nvPr>
         </p:nvSpPr>
-        <p:spPr/>
+        <p:spPr>
+          <a:xfrm>
+            <a:off x="1024128" y="3543300"/>
+            <a:ext cx="9720073" cy="4023360"/>
+          </a:xfrm>
+        </p:spPr>
         <p:txBody>
           <a:bodyPr/>
           <a:lstStyle/>
           <a:p>
+            <a:pPr>
+              <a:buFont typeface="Wingdings" panose="05000000000000000000" pitchFamily="2" charset="2"/>
+              <a:buChar char="v"/>
+            </a:pPr>
+            <a:r>
+              <a:rPr lang="de-DE" dirty="0" smtClean="0"/>
+              <a:t> Secret Scanning überprüft, ob </a:t>
+            </a:r>
+            <a:r>
+              <a:rPr lang="de-DE" dirty="0" err="1" smtClean="0"/>
+              <a:t>Secrets</a:t>
+            </a:r>
+            <a:r>
+              <a:rPr lang="de-DE" dirty="0" smtClean="0"/>
+              <a:t> im Repository liegen.</a:t>
+            </a:r>
+          </a:p>
+          <a:p>
+            <a:pPr>
+              <a:buFont typeface="Wingdings" panose="05000000000000000000" pitchFamily="2" charset="2"/>
+              <a:buChar char="v"/>
+            </a:pPr>
+            <a:r>
+              <a:rPr lang="de-DE" dirty="0"/>
+              <a:t> </a:t>
+            </a:r>
+            <a:r>
+              <a:rPr lang="de-DE" dirty="0" smtClean="0"/>
+              <a:t>Erweiterbare Muster mit </a:t>
+            </a:r>
+            <a:r>
+              <a:rPr lang="de-DE" dirty="0" err="1" smtClean="0"/>
+              <a:t>Github</a:t>
+            </a:r>
+            <a:r>
+              <a:rPr lang="de-DE" dirty="0" smtClean="0"/>
+              <a:t> </a:t>
+            </a:r>
+            <a:r>
+              <a:rPr lang="de-DE" dirty="0" err="1" smtClean="0"/>
+              <a:t>Advanced</a:t>
+            </a:r>
+            <a:r>
+              <a:rPr lang="de-DE" dirty="0" smtClean="0"/>
+              <a:t> Security</a:t>
+            </a:r>
+            <a:endParaRPr lang="de-DE" dirty="0"/>
+          </a:p>
+        </p:txBody>
+      </p:sp>
+      <p:sp>
+        <p:nvSpPr>
+          <p:cNvPr id="4" name="Abgerundetes Rechteck 3"/>
+          <p:cNvSpPr/>
+          <p:nvPr/>
+        </p:nvSpPr>
+        <p:spPr>
+          <a:xfrm>
+            <a:off x="3113474" y="1983192"/>
+            <a:ext cx="1732085" cy="923193"/>
+          </a:xfrm>
+          <a:prstGeom prst="roundRect">
+            <a:avLst/>
+          </a:prstGeom>
+        </p:spPr>
+        <p:style>
+          <a:lnRef idx="2">
+            <a:schemeClr val="accent1">
+              <a:shade val="50000"/>
+            </a:schemeClr>
+          </a:lnRef>
+          <a:fillRef idx="1">
+            <a:schemeClr val="accent1"/>
+          </a:fillRef>
+          <a:effectRef idx="0">
+            <a:schemeClr val="accent1"/>
+          </a:effectRef>
+          <a:fontRef idx="minor">
+            <a:schemeClr val="lt1"/>
+          </a:fontRef>
+        </p:style>
+        <p:txBody>
+          <a:bodyPr rtlCol="0" anchor="ctr"/>
+          <a:lstStyle/>
+          <a:p>
+            <a:pPr algn="ctr"/>
+            <a:r>
+              <a:rPr lang="de-DE" dirty="0" err="1" smtClean="0"/>
+              <a:t>Secrets</a:t>
+            </a:r>
+            <a:r>
+              <a:rPr lang="de-DE" dirty="0" smtClean="0"/>
+              <a:t> sollen geheim bleiben</a:t>
+            </a:r>
+            <a:endParaRPr lang="de-DE" dirty="0"/>
+          </a:p>
+        </p:txBody>
+      </p:sp>
+      <p:sp>
+        <p:nvSpPr>
+          <p:cNvPr id="5" name="Pfeil nach rechts 4"/>
+          <p:cNvSpPr/>
+          <p:nvPr/>
+        </p:nvSpPr>
+        <p:spPr>
+          <a:xfrm>
+            <a:off x="5400587" y="2249862"/>
+            <a:ext cx="967154" cy="402512"/>
+          </a:xfrm>
+          <a:prstGeom prst="rightArrow">
+            <a:avLst/>
+          </a:prstGeom>
+        </p:spPr>
+        <p:style>
+          <a:lnRef idx="2">
+            <a:schemeClr val="accent1">
+              <a:shade val="50000"/>
+            </a:schemeClr>
+          </a:lnRef>
+          <a:fillRef idx="1">
+            <a:schemeClr val="accent1"/>
+          </a:fillRef>
+          <a:effectRef idx="0">
+            <a:schemeClr val="accent1"/>
+          </a:effectRef>
+          <a:fontRef idx="minor">
+            <a:schemeClr val="lt1"/>
+          </a:fontRef>
+        </p:style>
+        <p:txBody>
+          <a:bodyPr rtlCol="0" anchor="ctr"/>
+          <a:lstStyle/>
+          <a:p>
+            <a:pPr algn="ctr"/>
             <a:endParaRPr lang="de-DE"/>
+          </a:p>
+        </p:txBody>
+      </p:sp>
+      <p:sp>
+        <p:nvSpPr>
+          <p:cNvPr id="7" name="Abgerundetes Rechteck 6"/>
+          <p:cNvSpPr/>
+          <p:nvPr/>
+        </p:nvSpPr>
+        <p:spPr>
+          <a:xfrm>
+            <a:off x="6922769" y="1983191"/>
+            <a:ext cx="1732085" cy="923193"/>
+          </a:xfrm>
+          <a:prstGeom prst="roundRect">
+            <a:avLst/>
+          </a:prstGeom>
+        </p:spPr>
+        <p:style>
+          <a:lnRef idx="2">
+            <a:schemeClr val="accent1">
+              <a:shade val="50000"/>
+            </a:schemeClr>
+          </a:lnRef>
+          <a:fillRef idx="1">
+            <a:schemeClr val="accent1"/>
+          </a:fillRef>
+          <a:effectRef idx="0">
+            <a:schemeClr val="accent1"/>
+          </a:effectRef>
+          <a:fontRef idx="minor">
+            <a:schemeClr val="lt1"/>
+          </a:fontRef>
+        </p:style>
+        <p:txBody>
+          <a:bodyPr rtlCol="0" anchor="ctr"/>
+          <a:lstStyle/>
+          <a:p>
+            <a:pPr algn="ctr"/>
+            <a:r>
+              <a:rPr lang="de-DE" dirty="0" err="1" smtClean="0"/>
+              <a:t>Secrets</a:t>
+            </a:r>
+            <a:r>
+              <a:rPr lang="de-DE" dirty="0" smtClean="0"/>
+              <a:t> nicht in </a:t>
+            </a:r>
+            <a:r>
+              <a:rPr lang="de-DE" dirty="0" err="1" smtClean="0"/>
+              <a:t>Repositories</a:t>
+            </a:r>
+            <a:endParaRPr lang="de-DE" dirty="0"/>
           </a:p>
         </p:txBody>
       </p:sp>
     </p:spTree>
     <p:extLst>
       <p:ext uri="{BB962C8B-B14F-4D97-AF65-F5344CB8AC3E}">
-        <p14:creationId xmlns:p14="http://schemas.microsoft.com/office/powerpoint/2010/main" val="2801530433"/>
+        <p14:creationId xmlns:p14="http://schemas.microsoft.com/office/powerpoint/2010/main" val="2958358037"/>
       </p:ext>
     </p:extLst>
   </p:cSld>
@@ -23129,4 +26375,265 @@
     </a:ext>
   </a:extLst>
 </a:theme>
+</file>
+
+<file path=ppt/theme/theme2.xml><?xml version="1.0" encoding="utf-8"?>
+<a:theme xmlns:a="http://schemas.openxmlformats.org/drawingml/2006/main" name="Office">
+  <a:themeElements>
+    <a:clrScheme name="Office">
+      <a:dk1>
+        <a:sysClr val="windowText" lastClr="000000"/>
+      </a:dk1>
+      <a:lt1>
+        <a:sysClr val="window" lastClr="FFFFFF"/>
+      </a:lt1>
+      <a:dk2>
+        <a:srgbClr val="44546A"/>
+      </a:dk2>
+      <a:lt2>
+        <a:srgbClr val="E7E6E6"/>
+      </a:lt2>
+      <a:accent1>
+        <a:srgbClr val="5B9BD5"/>
+      </a:accent1>
+      <a:accent2>
+        <a:srgbClr val="ED7D31"/>
+      </a:accent2>
+      <a:accent3>
+        <a:srgbClr val="A5A5A5"/>
+      </a:accent3>
+      <a:accent4>
+        <a:srgbClr val="FFC000"/>
+      </a:accent4>
+      <a:accent5>
+        <a:srgbClr val="4472C4"/>
+      </a:accent5>
+      <a:accent6>
+        <a:srgbClr val="70AD47"/>
+      </a:accent6>
+      <a:hlink>
+        <a:srgbClr val="0563C1"/>
+      </a:hlink>
+      <a:folHlink>
+        <a:srgbClr val="954F72"/>
+      </a:folHlink>
+    </a:clrScheme>
+    <a:fontScheme name="Office">
+      <a:majorFont>
+        <a:latin typeface="Calibri Light" panose="020F0302020204030204"/>
+        <a:ea typeface=""/>
+        <a:cs typeface=""/>
+        <a:font script="Jpan" typeface="游ゴシック Light"/>
+        <a:font script="Hang" typeface="맑은 고딕"/>
+        <a:font script="Hans" typeface="等线 Light"/>
+        <a:font script="Hant" typeface="新細明體"/>
+        <a:font script="Arab" typeface="Times New Roman"/>
+        <a:font script="Hebr" typeface="Times New Roman"/>
+        <a:font script="Thai" typeface="Angsana New"/>
+        <a:font script="Ethi" typeface="Nyala"/>
+        <a:font script="Beng" typeface="Vrinda"/>
+        <a:font script="Gujr" typeface="Shruti"/>
+        <a:font script="Khmr" typeface="MoolBoran"/>
+        <a:font script="Knda" typeface="Tunga"/>
+        <a:font script="Guru" typeface="Raavi"/>
+        <a:font script="Cans" typeface="Euphemia"/>
+        <a:font script="Cher" typeface="Plantagenet Cherokee"/>
+        <a:font script="Yiii" typeface="Microsoft Yi Baiti"/>
+        <a:font script="Tibt" typeface="Microsoft Himalaya"/>
+        <a:font script="Thaa" typeface="MV Boli"/>
+        <a:font script="Deva" typeface="Mangal"/>
+        <a:font script="Telu" typeface="Gautami"/>
+        <a:font script="Taml" typeface="Latha"/>
+        <a:font script="Syrc" typeface="Estrangelo Edessa"/>
+        <a:font script="Orya" typeface="Kalinga"/>
+        <a:font script="Mlym" typeface="Kartika"/>
+        <a:font script="Laoo" typeface="DokChampa"/>
+        <a:font script="Sinh" typeface="Iskoola Pota"/>
+        <a:font script="Mong" typeface="Mongolian Baiti"/>
+        <a:font script="Viet" typeface="Times New Roman"/>
+        <a:font script="Uigh" typeface="Microsoft Uighur"/>
+        <a:font script="Geor" typeface="Sylfaen"/>
+      </a:majorFont>
+      <a:minorFont>
+        <a:latin typeface="Calibri" panose="020F0502020204030204"/>
+        <a:ea typeface=""/>
+        <a:cs typeface=""/>
+        <a:font script="Jpan" typeface="游ゴシック"/>
+        <a:font script="Hang" typeface="맑은 고딕"/>
+        <a:font script="Hans" typeface="等线"/>
+        <a:font script="Hant" typeface="新細明體"/>
+        <a:font script="Arab" typeface="Arial"/>
+        <a:font script="Hebr" typeface="Arial"/>
+        <a:font script="Thai" typeface="Cordia New"/>
+        <a:font script="Ethi" typeface="Nyala"/>
+        <a:font script="Beng" typeface="Vrinda"/>
+        <a:font script="Gujr" typeface="Shruti"/>
+        <a:font script="Khmr" typeface="DaunPenh"/>
+        <a:font script="Knda" typeface="Tunga"/>
+        <a:font script="Guru" typeface="Raavi"/>
+        <a:font script="Cans" typeface="Euphemia"/>
+        <a:font script="Cher" typeface="Plantagenet Cherokee"/>
+        <a:font script="Yiii" typeface="Microsoft Yi Baiti"/>
+        <a:font script="Tibt" typeface="Microsoft Himalaya"/>
+        <a:font script="Thaa" typeface="MV Boli"/>
+        <a:font script="Deva" typeface="Mangal"/>
+        <a:font script="Telu" typeface="Gautami"/>
+        <a:font script="Taml" typeface="Latha"/>
+        <a:font script="Syrc" typeface="Estrangelo Edessa"/>
+        <a:font script="Orya" typeface="Kalinga"/>
+        <a:font script="Mlym" typeface="Kartika"/>
+        <a:font script="Laoo" typeface="DokChampa"/>
+        <a:font script="Sinh" typeface="Iskoola Pota"/>
+        <a:font script="Mong" typeface="Mongolian Baiti"/>
+        <a:font script="Viet" typeface="Arial"/>
+        <a:font script="Uigh" typeface="Microsoft Uighur"/>
+        <a:font script="Geor" typeface="Sylfaen"/>
+      </a:minorFont>
+    </a:fontScheme>
+    <a:fmtScheme name="Office">
+      <a:fillStyleLst>
+        <a:solidFill>
+          <a:schemeClr val="phClr"/>
+        </a:solidFill>
+        <a:gradFill rotWithShape="1">
+          <a:gsLst>
+            <a:gs pos="0">
+              <a:schemeClr val="phClr">
+                <a:lumMod val="110000"/>
+                <a:satMod val="105000"/>
+                <a:tint val="67000"/>
+              </a:schemeClr>
+            </a:gs>
+            <a:gs pos="50000">
+              <a:schemeClr val="phClr">
+                <a:lumMod val="105000"/>
+                <a:satMod val="103000"/>
+                <a:tint val="73000"/>
+              </a:schemeClr>
+            </a:gs>
+            <a:gs pos="100000">
+              <a:schemeClr val="phClr">
+                <a:lumMod val="105000"/>
+                <a:satMod val="109000"/>
+                <a:tint val="81000"/>
+              </a:schemeClr>
+            </a:gs>
+          </a:gsLst>
+          <a:lin ang="5400000" scaled="0"/>
+        </a:gradFill>
+        <a:gradFill rotWithShape="1">
+          <a:gsLst>
+            <a:gs pos="0">
+              <a:schemeClr val="phClr">
+                <a:satMod val="103000"/>
+                <a:lumMod val="102000"/>
+                <a:tint val="94000"/>
+              </a:schemeClr>
+            </a:gs>
+            <a:gs pos="50000">
+              <a:schemeClr val="phClr">
+                <a:satMod val="110000"/>
+                <a:lumMod val="100000"/>
+                <a:shade val="100000"/>
+              </a:schemeClr>
+            </a:gs>
+            <a:gs pos="100000">
+              <a:schemeClr val="phClr">
+                <a:lumMod val="99000"/>
+                <a:satMod val="120000"/>
+                <a:shade val="78000"/>
+              </a:schemeClr>
+            </a:gs>
+          </a:gsLst>
+          <a:lin ang="5400000" scaled="0"/>
+        </a:gradFill>
+      </a:fillStyleLst>
+      <a:lnStyleLst>
+        <a:ln w="6350" cap="flat" cmpd="sng" algn="ctr">
+          <a:solidFill>
+            <a:schemeClr val="phClr"/>
+          </a:solidFill>
+          <a:prstDash val="solid"/>
+          <a:miter lim="800000"/>
+        </a:ln>
+        <a:ln w="12700" cap="flat" cmpd="sng" algn="ctr">
+          <a:solidFill>
+            <a:schemeClr val="phClr"/>
+          </a:solidFill>
+          <a:prstDash val="solid"/>
+          <a:miter lim="800000"/>
+        </a:ln>
+        <a:ln w="19050" cap="flat" cmpd="sng" algn="ctr">
+          <a:solidFill>
+            <a:schemeClr val="phClr"/>
+          </a:solidFill>
+          <a:prstDash val="solid"/>
+          <a:miter lim="800000"/>
+        </a:ln>
+      </a:lnStyleLst>
+      <a:effectStyleLst>
+        <a:effectStyle>
+          <a:effectLst/>
+        </a:effectStyle>
+        <a:effectStyle>
+          <a:effectLst/>
+        </a:effectStyle>
+        <a:effectStyle>
+          <a:effectLst>
+            <a:outerShdw blurRad="57150" dist="19050" dir="5400000" algn="ctr" rotWithShape="0">
+              <a:srgbClr val="000000">
+                <a:alpha val="63000"/>
+              </a:srgbClr>
+            </a:outerShdw>
+          </a:effectLst>
+        </a:effectStyle>
+      </a:effectStyleLst>
+      <a:bgFillStyleLst>
+        <a:solidFill>
+          <a:schemeClr val="phClr"/>
+        </a:solidFill>
+        <a:solidFill>
+          <a:schemeClr val="phClr">
+            <a:tint val="95000"/>
+            <a:satMod val="170000"/>
+          </a:schemeClr>
+        </a:solidFill>
+        <a:gradFill rotWithShape="1">
+          <a:gsLst>
+            <a:gs pos="0">
+              <a:schemeClr val="phClr">
+                <a:tint val="93000"/>
+                <a:satMod val="150000"/>
+                <a:shade val="98000"/>
+                <a:lumMod val="102000"/>
+              </a:schemeClr>
+            </a:gs>
+            <a:gs pos="50000">
+              <a:schemeClr val="phClr">
+                <a:tint val="98000"/>
+                <a:satMod val="130000"/>
+                <a:shade val="90000"/>
+                <a:lumMod val="103000"/>
+              </a:schemeClr>
+            </a:gs>
+            <a:gs pos="100000">
+              <a:schemeClr val="phClr">
+                <a:shade val="63000"/>
+                <a:satMod val="120000"/>
+              </a:schemeClr>
+            </a:gs>
+          </a:gsLst>
+          <a:lin ang="5400000" scaled="0"/>
+        </a:gradFill>
+      </a:bgFillStyleLst>
+    </a:fmtScheme>
+  </a:themeElements>
+  <a:objectDefaults/>
+  <a:extraClrSchemeLst/>
+  <a:extLst>
+    <a:ext uri="{05A4C25C-085E-4340-85A3-A5531E510DB2}">
+      <thm15:themeFamily xmlns:thm15="http://schemas.microsoft.com/office/thememl/2012/main" name="Office Theme" id="{62F939B6-93AF-4DB8-9C6B-D6C7DFDC589F}" vid="{4A3C46E8-61CC-4603-A589-7422A47A8E4A}"/>
+    </a:ext>
+  </a:extLst>
+</a:theme>
 </file>
--- a/DevSecOps-Präsentation.pptx
+++ b/DevSecOps-Präsentation.pptx
@@ -5,31 +5,34 @@
     <p:sldMasterId id="2147483672" r:id="rId1"/>
   </p:sldMasterIdLst>
   <p:notesMasterIdLst>
-    <p:notesMasterId r:id="rId24"/>
+    <p:notesMasterId r:id="rId27"/>
   </p:notesMasterIdLst>
   <p:sldIdLst>
     <p:sldId id="256" r:id="rId2"/>
-    <p:sldId id="257" r:id="rId3"/>
-    <p:sldId id="258" r:id="rId4"/>
-    <p:sldId id="259" r:id="rId5"/>
-    <p:sldId id="260" r:id="rId6"/>
-    <p:sldId id="261" r:id="rId7"/>
-    <p:sldId id="262" r:id="rId8"/>
-    <p:sldId id="263" r:id="rId9"/>
-    <p:sldId id="265" r:id="rId10"/>
-    <p:sldId id="264" r:id="rId11"/>
-    <p:sldId id="277" r:id="rId12"/>
-    <p:sldId id="266" r:id="rId13"/>
-    <p:sldId id="268" r:id="rId14"/>
-    <p:sldId id="267" r:id="rId15"/>
-    <p:sldId id="270" r:id="rId16"/>
-    <p:sldId id="271" r:id="rId17"/>
-    <p:sldId id="272" r:id="rId18"/>
-    <p:sldId id="274" r:id="rId19"/>
-    <p:sldId id="275" r:id="rId20"/>
-    <p:sldId id="273" r:id="rId21"/>
-    <p:sldId id="276" r:id="rId22"/>
-    <p:sldId id="278" r:id="rId23"/>
+    <p:sldId id="279" r:id="rId3"/>
+    <p:sldId id="281" r:id="rId4"/>
+    <p:sldId id="257" r:id="rId5"/>
+    <p:sldId id="258" r:id="rId6"/>
+    <p:sldId id="259" r:id="rId7"/>
+    <p:sldId id="260" r:id="rId8"/>
+    <p:sldId id="261" r:id="rId9"/>
+    <p:sldId id="262" r:id="rId10"/>
+    <p:sldId id="263" r:id="rId11"/>
+    <p:sldId id="266" r:id="rId12"/>
+    <p:sldId id="265" r:id="rId13"/>
+    <p:sldId id="264" r:id="rId14"/>
+    <p:sldId id="277" r:id="rId15"/>
+    <p:sldId id="268" r:id="rId16"/>
+    <p:sldId id="267" r:id="rId17"/>
+    <p:sldId id="270" r:id="rId18"/>
+    <p:sldId id="271" r:id="rId19"/>
+    <p:sldId id="272" r:id="rId20"/>
+    <p:sldId id="280" r:id="rId21"/>
+    <p:sldId id="274" r:id="rId22"/>
+    <p:sldId id="275" r:id="rId23"/>
+    <p:sldId id="273" r:id="rId24"/>
+    <p:sldId id="276" r:id="rId25"/>
+    <p:sldId id="278" r:id="rId26"/>
   </p:sldIdLst>
   <p:sldSz cx="12192000" cy="6858000"/>
   <p:notesSz cx="6858000" cy="9144000"/>
@@ -221,7 +224,7 @@
           <a:p>
             <a:fld id="{13BF8AD4-1D47-4049-AEE2-D51502B55949}" type="datetimeFigureOut">
               <a:rPr lang="de-DE" smtClean="0"/>
-              <a:t>05.07.2022</a:t>
+              <a:t>06.07.2022</a:t>
             </a:fld>
             <a:endParaRPr lang="de-DE"/>
           </a:p>
@@ -562,7 +565,7 @@
           <a:p>
             <a:fld id="{49992543-191D-44F5-8CE4-61B0EA910F24}" type="slidenum">
               <a:rPr lang="de-DE" smtClean="0"/>
-              <a:t>4</a:t>
+              <a:t>6</a:t>
             </a:fld>
             <a:endParaRPr lang="de-DE"/>
           </a:p>
@@ -674,7 +677,7 @@
           <a:p>
             <a:fld id="{49992543-191D-44F5-8CE4-61B0EA910F24}" type="slidenum">
               <a:rPr lang="de-DE" smtClean="0"/>
-              <a:t>8</a:t>
+              <a:t>10</a:t>
             </a:fld>
             <a:endParaRPr lang="de-DE"/>
           </a:p>
@@ -804,7 +807,7 @@
           <a:p>
             <a:fld id="{49992543-191D-44F5-8CE4-61B0EA910F24}" type="slidenum">
               <a:rPr lang="de-DE" smtClean="0"/>
-              <a:t>21</a:t>
+              <a:t>24</a:t>
             </a:fld>
             <a:endParaRPr lang="de-DE"/>
           </a:p>
@@ -9616,7 +9619,7 @@
           <a:p>
             <a:fld id="{04A2BC73-CF7A-46DC-A614-B1C8166B4D4E}" type="datetimeFigureOut">
               <a:rPr lang="de-DE" smtClean="0"/>
-              <a:t>05.07.2022</a:t>
+              <a:t>06.07.2022</a:t>
             </a:fld>
             <a:endParaRPr lang="de-DE"/>
           </a:p>
@@ -9823,7 +9826,7 @@
           <a:p>
             <a:fld id="{04A2BC73-CF7A-46DC-A614-B1C8166B4D4E}" type="datetimeFigureOut">
               <a:rPr lang="de-DE" smtClean="0"/>
-              <a:t>05.07.2022</a:t>
+              <a:t>06.07.2022</a:t>
             </a:fld>
             <a:endParaRPr lang="de-DE"/>
           </a:p>
@@ -10003,7 +10006,7 @@
           <a:p>
             <a:fld id="{04A2BC73-CF7A-46DC-A614-B1C8166B4D4E}" type="datetimeFigureOut">
               <a:rPr lang="de-DE" smtClean="0"/>
-              <a:t>05.07.2022</a:t>
+              <a:t>06.07.2022</a:t>
             </a:fld>
             <a:endParaRPr lang="de-DE"/>
           </a:p>
@@ -10208,7 +10211,7 @@
           <a:p>
             <a:fld id="{04A2BC73-CF7A-46DC-A614-B1C8166B4D4E}" type="datetimeFigureOut">
               <a:rPr lang="de-DE" smtClean="0"/>
-              <a:t>05.07.2022</a:t>
+              <a:t>06.07.2022</a:t>
             </a:fld>
             <a:endParaRPr lang="de-DE"/>
           </a:p>
@@ -19106,7 +19109,7 @@
           <a:p>
             <a:fld id="{04A2BC73-CF7A-46DC-A614-B1C8166B4D4E}" type="datetimeFigureOut">
               <a:rPr lang="de-DE" smtClean="0"/>
-              <a:t>05.07.2022</a:t>
+              <a:t>06.07.2022</a:t>
             </a:fld>
             <a:endParaRPr lang="de-DE"/>
           </a:p>
@@ -19380,7 +19383,7 @@
           <a:p>
             <a:fld id="{04A2BC73-CF7A-46DC-A614-B1C8166B4D4E}" type="datetimeFigureOut">
               <a:rPr lang="de-DE" smtClean="0"/>
-              <a:t>05.07.2022</a:t>
+              <a:t>06.07.2022</a:t>
             </a:fld>
             <a:endParaRPr lang="de-DE"/>
           </a:p>
@@ -19778,7 +19781,7 @@
           <a:p>
             <a:fld id="{04A2BC73-CF7A-46DC-A614-B1C8166B4D4E}" type="datetimeFigureOut">
               <a:rPr lang="de-DE" smtClean="0"/>
-              <a:t>05.07.2022</a:t>
+              <a:t>06.07.2022</a:t>
             </a:fld>
             <a:endParaRPr lang="de-DE"/>
           </a:p>
@@ -19896,7 +19899,7 @@
           <a:p>
             <a:fld id="{04A2BC73-CF7A-46DC-A614-B1C8166B4D4E}" type="datetimeFigureOut">
               <a:rPr lang="de-DE" smtClean="0"/>
-              <a:t>05.07.2022</a:t>
+              <a:t>06.07.2022</a:t>
             </a:fld>
             <a:endParaRPr lang="de-DE"/>
           </a:p>
@@ -19991,7 +19994,7 @@
           <a:p>
             <a:fld id="{04A2BC73-CF7A-46DC-A614-B1C8166B4D4E}" type="datetimeFigureOut">
               <a:rPr lang="de-DE" smtClean="0"/>
-              <a:t>05.07.2022</a:t>
+              <a:t>06.07.2022</a:t>
             </a:fld>
             <a:endParaRPr lang="de-DE"/>
           </a:p>
@@ -20281,7 +20284,7 @@
           <a:p>
             <a:fld id="{04A2BC73-CF7A-46DC-A614-B1C8166B4D4E}" type="datetimeFigureOut">
               <a:rPr lang="de-DE" smtClean="0"/>
-              <a:t>05.07.2022</a:t>
+              <a:t>06.07.2022</a:t>
             </a:fld>
             <a:endParaRPr lang="de-DE"/>
           </a:p>
@@ -20561,7 +20564,7 @@
           <a:p>
             <a:fld id="{04A2BC73-CF7A-46DC-A614-B1C8166B4D4E}" type="datetimeFigureOut">
               <a:rPr lang="de-DE" smtClean="0"/>
-              <a:t>05.07.2022</a:t>
+              <a:t>06.07.2022</a:t>
             </a:fld>
             <a:endParaRPr lang="de-DE"/>
           </a:p>
@@ -20811,7 +20814,7 @@
           <a:p>
             <a:fld id="{04A2BC73-CF7A-46DC-A614-B1C8166B4D4E}" type="datetimeFigureOut">
               <a:rPr lang="de-DE" smtClean="0"/>
-              <a:t>05.07.2022</a:t>
+              <a:t>06.07.2022</a:t>
             </a:fld>
             <a:endParaRPr lang="de-DE"/>
           </a:p>
@@ -21344,14 +21347,6 @@
             </a:r>
             <a:r>
               <a:rPr lang="de-DE" dirty="0" smtClean="0"/>
-              <a:t> </a:t>
-            </a:r>
-            <a:r>
-              <a:rPr lang="de-DE" dirty="0" err="1" smtClean="0"/>
-              <a:t>DevOps</a:t>
-            </a:r>
-            <a:r>
-              <a:rPr lang="de-DE" dirty="0" smtClean="0"/>
               <a:t> Pipelines und </a:t>
             </a:r>
             <a:r>
@@ -21399,10 +21394,542 @@
   <p:clrMapOvr>
     <a:masterClrMapping/>
   </p:clrMapOvr>
+  <p:timing>
+    <p:tnLst>
+      <p:par>
+        <p:cTn id="1" dur="indefinite" restart="never" nodeType="tmRoot"/>
+      </p:par>
+    </p:tnLst>
+  </p:timing>
 </p:sld>
 </file>
 
 <file path=ppt/slides/slide10.xml><?xml version="1.0" encoding="utf-8"?>
+<p:sld xmlns:a="http://schemas.openxmlformats.org/drawingml/2006/main" xmlns:r="http://schemas.openxmlformats.org/officeDocument/2006/relationships" xmlns:p="http://schemas.openxmlformats.org/presentationml/2006/main">
+  <p:cSld>
+    <p:spTree>
+      <p:nvGrpSpPr>
+        <p:cNvPr id="1" name=""/>
+        <p:cNvGrpSpPr/>
+        <p:nvPr/>
+      </p:nvGrpSpPr>
+      <p:grpSpPr>
+        <a:xfrm>
+          <a:off x="0" y="0"/>
+          <a:ext cx="0" cy="0"/>
+          <a:chOff x="0" y="0"/>
+          <a:chExt cx="0" cy="0"/>
+        </a:xfrm>
+      </p:grpSpPr>
+      <p:sp>
+        <p:nvSpPr>
+          <p:cNvPr id="4" name="Titel 3"/>
+          <p:cNvSpPr>
+            <a:spLocks noGrp="1"/>
+          </p:cNvSpPr>
+          <p:nvPr>
+            <p:ph type="title"/>
+          </p:nvPr>
+        </p:nvSpPr>
+        <p:spPr/>
+        <p:txBody>
+          <a:bodyPr/>
+          <a:lstStyle/>
+          <a:p>
+            <a:r>
+              <a:rPr lang="de-DE" dirty="0" smtClean="0"/>
+              <a:t>Security in </a:t>
+            </a:r>
+            <a:r>
+              <a:rPr lang="de-DE" dirty="0" err="1" smtClean="0"/>
+              <a:t>Github</a:t>
+            </a:r>
+            <a:endParaRPr lang="de-DE" dirty="0"/>
+          </a:p>
+        </p:txBody>
+      </p:sp>
+      <p:pic>
+        <p:nvPicPr>
+          <p:cNvPr id="2" name="Grafik 1"/>
+          <p:cNvPicPr>
+            <a:picLocks noChangeAspect="1"/>
+          </p:cNvPicPr>
+          <p:nvPr/>
+        </p:nvPicPr>
+        <p:blipFill>
+          <a:blip r:embed="rId3">
+            <a:extLst>
+              <a:ext uri="{28A0092B-C50C-407E-A947-70E740481C1C}">
+                <a14:useLocalDpi xmlns:a14="http://schemas.microsoft.com/office/drawing/2010/main" val="0"/>
+              </a:ext>
+            </a:extLst>
+          </a:blip>
+          <a:stretch>
+            <a:fillRect/>
+          </a:stretch>
+        </p:blipFill>
+        <p:spPr>
+          <a:xfrm>
+            <a:off x="1514625" y="870007"/>
+            <a:ext cx="8739078" cy="6752924"/>
+          </a:xfrm>
+          <a:prstGeom prst="rect">
+            <a:avLst/>
+          </a:prstGeom>
+        </p:spPr>
+      </p:pic>
+    </p:spTree>
+    <p:extLst>
+      <p:ext uri="{BB962C8B-B14F-4D97-AF65-F5344CB8AC3E}">
+        <p14:creationId xmlns:p14="http://schemas.microsoft.com/office/powerpoint/2010/main" val="1077076356"/>
+      </p:ext>
+    </p:extLst>
+  </p:cSld>
+  <p:clrMapOvr>
+    <a:masterClrMapping/>
+  </p:clrMapOvr>
+  <p:timing>
+    <p:tnLst>
+      <p:par>
+        <p:cTn id="1" dur="indefinite" restart="never" nodeType="tmRoot"/>
+      </p:par>
+    </p:tnLst>
+  </p:timing>
+</p:sld>
+</file>
+
+<file path=ppt/slides/slide11.xml><?xml version="1.0" encoding="utf-8"?>
+<p:sld xmlns:a="http://schemas.openxmlformats.org/drawingml/2006/main" xmlns:r="http://schemas.openxmlformats.org/officeDocument/2006/relationships" xmlns:p="http://schemas.openxmlformats.org/presentationml/2006/main">
+  <p:cSld>
+    <p:spTree>
+      <p:nvGrpSpPr>
+        <p:cNvPr id="1" name=""/>
+        <p:cNvGrpSpPr/>
+        <p:nvPr/>
+      </p:nvGrpSpPr>
+      <p:grpSpPr>
+        <a:xfrm>
+          <a:off x="0" y="0"/>
+          <a:ext cx="0" cy="0"/>
+          <a:chOff x="0" y="0"/>
+          <a:chExt cx="0" cy="0"/>
+        </a:xfrm>
+      </p:grpSpPr>
+      <p:sp>
+        <p:nvSpPr>
+          <p:cNvPr id="2" name="Titel 1"/>
+          <p:cNvSpPr>
+            <a:spLocks noGrp="1"/>
+          </p:cNvSpPr>
+          <p:nvPr>
+            <p:ph type="title"/>
+          </p:nvPr>
+        </p:nvSpPr>
+        <p:spPr/>
+        <p:txBody>
+          <a:bodyPr/>
+          <a:lstStyle/>
+          <a:p>
+            <a:r>
+              <a:rPr lang="de-DE" dirty="0" err="1" smtClean="0"/>
+              <a:t>codespaces</a:t>
+            </a:r>
+            <a:endParaRPr lang="de-DE" dirty="0"/>
+          </a:p>
+        </p:txBody>
+      </p:sp>
+      <p:sp>
+        <p:nvSpPr>
+          <p:cNvPr id="3" name="Inhaltsplatzhalter 2"/>
+          <p:cNvSpPr>
+            <a:spLocks noGrp="1"/>
+          </p:cNvSpPr>
+          <p:nvPr>
+            <p:ph idx="1"/>
+          </p:nvPr>
+        </p:nvSpPr>
+        <p:spPr/>
+        <p:txBody>
+          <a:bodyPr/>
+          <a:lstStyle/>
+          <a:p>
+            <a:pPr>
+              <a:buFont typeface="Wingdings" panose="05000000000000000000" pitchFamily="2" charset="2"/>
+              <a:buChar char="v"/>
+            </a:pPr>
+            <a:r>
+              <a:rPr lang="de-DE" dirty="0" smtClean="0"/>
+              <a:t> Softwareentwicklungsumgebung in der Cloud</a:t>
+            </a:r>
+          </a:p>
+          <a:p>
+            <a:pPr>
+              <a:buFont typeface="Wingdings" panose="05000000000000000000" pitchFamily="2" charset="2"/>
+              <a:buChar char="v"/>
+            </a:pPr>
+            <a:r>
+              <a:rPr lang="de-DE" dirty="0"/>
+              <a:t> </a:t>
+            </a:r>
+            <a:r>
+              <a:rPr lang="de-DE" dirty="0" smtClean="0"/>
+              <a:t>Nutzung von Visual Studio Code mit Terminal und Debugger</a:t>
+            </a:r>
+          </a:p>
+          <a:p>
+            <a:pPr>
+              <a:buFont typeface="Wingdings" panose="05000000000000000000" pitchFamily="2" charset="2"/>
+              <a:buChar char="v"/>
+            </a:pPr>
+            <a:r>
+              <a:rPr lang="de-DE" dirty="0"/>
+              <a:t> </a:t>
+            </a:r>
+            <a:r>
+              <a:rPr lang="de-DE" dirty="0" smtClean="0"/>
+              <a:t>Gute Skalierbarkeit und Standardisierung</a:t>
+            </a:r>
+          </a:p>
+          <a:p>
+            <a:pPr>
+              <a:buFont typeface="Wingdings" panose="05000000000000000000" pitchFamily="2" charset="2"/>
+              <a:buChar char="v"/>
+            </a:pPr>
+            <a:r>
+              <a:rPr lang="de-DE" dirty="0" smtClean="0"/>
+              <a:t> Visual Studio Code bietet viele Security Scanning Erweiterungen</a:t>
+            </a:r>
+          </a:p>
+          <a:p>
+            <a:pPr>
+              <a:buFont typeface="Wingdings" panose="05000000000000000000" pitchFamily="2" charset="2"/>
+              <a:buChar char="v"/>
+            </a:pPr>
+            <a:r>
+              <a:rPr lang="de-DE" dirty="0"/>
+              <a:t> </a:t>
+            </a:r>
+            <a:r>
+              <a:rPr lang="de-DE" dirty="0" smtClean="0"/>
+              <a:t>Nachverfolgung durch Security Logs </a:t>
+            </a:r>
+          </a:p>
+          <a:p>
+            <a:pPr>
+              <a:buFont typeface="Wingdings" panose="05000000000000000000" pitchFamily="2" charset="2"/>
+              <a:buChar char="v"/>
+            </a:pPr>
+            <a:r>
+              <a:rPr lang="de-DE" dirty="0"/>
+              <a:t> </a:t>
+            </a:r>
+            <a:r>
+              <a:rPr lang="de-DE" dirty="0" smtClean="0"/>
+              <a:t>Verschlüsseltes Speichern von Umgebungsvariablen/</a:t>
+            </a:r>
+            <a:r>
+              <a:rPr lang="de-DE" dirty="0" err="1" smtClean="0"/>
+              <a:t>Secrets</a:t>
+            </a:r>
+            <a:endParaRPr lang="de-DE" dirty="0"/>
+          </a:p>
+        </p:txBody>
+      </p:sp>
+    </p:spTree>
+    <p:extLst>
+      <p:ext uri="{BB962C8B-B14F-4D97-AF65-F5344CB8AC3E}">
+        <p14:creationId xmlns:p14="http://schemas.microsoft.com/office/powerpoint/2010/main" val="2544807765"/>
+      </p:ext>
+    </p:extLst>
+  </p:cSld>
+  <p:clrMapOvr>
+    <a:masterClrMapping/>
+  </p:clrMapOvr>
+  <p:timing>
+    <p:tnLst>
+      <p:par>
+        <p:cTn id="1" dur="indefinite" restart="never" nodeType="tmRoot"/>
+      </p:par>
+    </p:tnLst>
+  </p:timing>
+</p:sld>
+</file>
+
+<file path=ppt/slides/slide12.xml><?xml version="1.0" encoding="utf-8"?>
+<p:sld xmlns:a="http://schemas.openxmlformats.org/drawingml/2006/main" xmlns:r="http://schemas.openxmlformats.org/officeDocument/2006/relationships" xmlns:p="http://schemas.openxmlformats.org/presentationml/2006/main">
+  <p:cSld>
+    <p:spTree>
+      <p:nvGrpSpPr>
+        <p:cNvPr id="1" name=""/>
+        <p:cNvGrpSpPr/>
+        <p:nvPr/>
+      </p:nvGrpSpPr>
+      <p:grpSpPr>
+        <a:xfrm>
+          <a:off x="0" y="0"/>
+          <a:ext cx="0" cy="0"/>
+          <a:chOff x="0" y="0"/>
+          <a:chExt cx="0" cy="0"/>
+        </a:xfrm>
+      </p:grpSpPr>
+      <p:sp>
+        <p:nvSpPr>
+          <p:cNvPr id="2" name="Titel 1"/>
+          <p:cNvSpPr>
+            <a:spLocks noGrp="1"/>
+          </p:cNvSpPr>
+          <p:nvPr>
+            <p:ph type="title"/>
+          </p:nvPr>
+        </p:nvSpPr>
+        <p:spPr/>
+        <p:txBody>
+          <a:bodyPr/>
+          <a:lstStyle/>
+          <a:p>
+            <a:r>
+              <a:rPr lang="de-DE" dirty="0" smtClean="0"/>
+              <a:t>Secret </a:t>
+            </a:r>
+            <a:r>
+              <a:rPr lang="de-DE" dirty="0" err="1" smtClean="0"/>
+              <a:t>scanning</a:t>
+            </a:r>
+            <a:endParaRPr lang="de-DE" dirty="0"/>
+          </a:p>
+        </p:txBody>
+      </p:sp>
+      <p:sp>
+        <p:nvSpPr>
+          <p:cNvPr id="3" name="Inhaltsplatzhalter 2"/>
+          <p:cNvSpPr>
+            <a:spLocks noGrp="1"/>
+          </p:cNvSpPr>
+          <p:nvPr>
+            <p:ph idx="1"/>
+          </p:nvPr>
+        </p:nvSpPr>
+        <p:spPr>
+          <a:xfrm>
+            <a:off x="1024128" y="3543300"/>
+            <a:ext cx="9720073" cy="4023360"/>
+          </a:xfrm>
+        </p:spPr>
+        <p:txBody>
+          <a:bodyPr/>
+          <a:lstStyle/>
+          <a:p>
+            <a:pPr>
+              <a:buFont typeface="Wingdings" panose="05000000000000000000" pitchFamily="2" charset="2"/>
+              <a:buChar char="v"/>
+            </a:pPr>
+            <a:r>
+              <a:rPr lang="de-DE" dirty="0" smtClean="0"/>
+              <a:t> Secret Scanning überprüft, ob </a:t>
+            </a:r>
+            <a:r>
+              <a:rPr lang="de-DE" dirty="0" err="1" smtClean="0"/>
+              <a:t>Secrets</a:t>
+            </a:r>
+            <a:r>
+              <a:rPr lang="de-DE" dirty="0" smtClean="0"/>
+              <a:t> im Repository liegen.</a:t>
+            </a:r>
+          </a:p>
+          <a:p>
+            <a:pPr>
+              <a:buFont typeface="Wingdings" panose="05000000000000000000" pitchFamily="2" charset="2"/>
+              <a:buChar char="v"/>
+            </a:pPr>
+            <a:r>
+              <a:rPr lang="de-DE" dirty="0"/>
+              <a:t> </a:t>
+            </a:r>
+            <a:r>
+              <a:rPr lang="de-DE" dirty="0" smtClean="0"/>
+              <a:t>Erweiterbare Muster mit </a:t>
+            </a:r>
+            <a:r>
+              <a:rPr lang="de-DE" dirty="0" err="1" smtClean="0"/>
+              <a:t>Github</a:t>
+            </a:r>
+            <a:r>
+              <a:rPr lang="de-DE" dirty="0" smtClean="0"/>
+              <a:t> </a:t>
+            </a:r>
+            <a:r>
+              <a:rPr lang="de-DE" dirty="0" err="1" smtClean="0"/>
+              <a:t>Advanced</a:t>
+            </a:r>
+            <a:r>
+              <a:rPr lang="de-DE" dirty="0" smtClean="0"/>
+              <a:t> Security</a:t>
+            </a:r>
+            <a:endParaRPr lang="de-DE" dirty="0"/>
+          </a:p>
+        </p:txBody>
+      </p:sp>
+      <p:sp>
+        <p:nvSpPr>
+          <p:cNvPr id="4" name="Abgerundetes Rechteck 3"/>
+          <p:cNvSpPr/>
+          <p:nvPr/>
+        </p:nvSpPr>
+        <p:spPr>
+          <a:xfrm>
+            <a:off x="3113474" y="1983192"/>
+            <a:ext cx="1732085" cy="923193"/>
+          </a:xfrm>
+          <a:prstGeom prst="roundRect">
+            <a:avLst/>
+          </a:prstGeom>
+        </p:spPr>
+        <p:style>
+          <a:lnRef idx="2">
+            <a:schemeClr val="accent1">
+              <a:shade val="50000"/>
+            </a:schemeClr>
+          </a:lnRef>
+          <a:fillRef idx="1">
+            <a:schemeClr val="accent1"/>
+          </a:fillRef>
+          <a:effectRef idx="0">
+            <a:schemeClr val="accent1"/>
+          </a:effectRef>
+          <a:fontRef idx="minor">
+            <a:schemeClr val="lt1"/>
+          </a:fontRef>
+        </p:style>
+        <p:txBody>
+          <a:bodyPr rtlCol="0" anchor="ctr"/>
+          <a:lstStyle/>
+          <a:p>
+            <a:pPr algn="ctr"/>
+            <a:r>
+              <a:rPr lang="de-DE" dirty="0" err="1" smtClean="0"/>
+              <a:t>Secrets</a:t>
+            </a:r>
+            <a:r>
+              <a:rPr lang="de-DE" dirty="0" smtClean="0"/>
+              <a:t> sollen geheim bleiben</a:t>
+            </a:r>
+            <a:endParaRPr lang="de-DE" dirty="0"/>
+          </a:p>
+        </p:txBody>
+      </p:sp>
+      <p:sp>
+        <p:nvSpPr>
+          <p:cNvPr id="5" name="Pfeil nach rechts 4"/>
+          <p:cNvSpPr/>
+          <p:nvPr/>
+        </p:nvSpPr>
+        <p:spPr>
+          <a:xfrm>
+            <a:off x="5400587" y="2249862"/>
+            <a:ext cx="967154" cy="402512"/>
+          </a:xfrm>
+          <a:prstGeom prst="rightArrow">
+            <a:avLst/>
+          </a:prstGeom>
+        </p:spPr>
+        <p:style>
+          <a:lnRef idx="2">
+            <a:schemeClr val="accent1">
+              <a:shade val="50000"/>
+            </a:schemeClr>
+          </a:lnRef>
+          <a:fillRef idx="1">
+            <a:schemeClr val="accent1"/>
+          </a:fillRef>
+          <a:effectRef idx="0">
+            <a:schemeClr val="accent1"/>
+          </a:effectRef>
+          <a:fontRef idx="minor">
+            <a:schemeClr val="lt1"/>
+          </a:fontRef>
+        </p:style>
+        <p:txBody>
+          <a:bodyPr rtlCol="0" anchor="ctr"/>
+          <a:lstStyle/>
+          <a:p>
+            <a:pPr algn="ctr"/>
+            <a:endParaRPr lang="de-DE"/>
+          </a:p>
+        </p:txBody>
+      </p:sp>
+      <p:sp>
+        <p:nvSpPr>
+          <p:cNvPr id="7" name="Abgerundetes Rechteck 6"/>
+          <p:cNvSpPr/>
+          <p:nvPr/>
+        </p:nvSpPr>
+        <p:spPr>
+          <a:xfrm>
+            <a:off x="6922769" y="1983191"/>
+            <a:ext cx="1732085" cy="923193"/>
+          </a:xfrm>
+          <a:prstGeom prst="roundRect">
+            <a:avLst/>
+          </a:prstGeom>
+        </p:spPr>
+        <p:style>
+          <a:lnRef idx="2">
+            <a:schemeClr val="accent1">
+              <a:shade val="50000"/>
+            </a:schemeClr>
+          </a:lnRef>
+          <a:fillRef idx="1">
+            <a:schemeClr val="accent1"/>
+          </a:fillRef>
+          <a:effectRef idx="0">
+            <a:schemeClr val="accent1"/>
+          </a:effectRef>
+          <a:fontRef idx="minor">
+            <a:schemeClr val="lt1"/>
+          </a:fontRef>
+        </p:style>
+        <p:txBody>
+          <a:bodyPr rtlCol="0" anchor="ctr"/>
+          <a:lstStyle/>
+          <a:p>
+            <a:pPr algn="ctr"/>
+            <a:r>
+              <a:rPr lang="de-DE" dirty="0" err="1" smtClean="0"/>
+              <a:t>Secrets</a:t>
+            </a:r>
+            <a:r>
+              <a:rPr lang="de-DE" dirty="0" smtClean="0"/>
+              <a:t> nicht in </a:t>
+            </a:r>
+            <a:r>
+              <a:rPr lang="de-DE" dirty="0" err="1" smtClean="0"/>
+              <a:t>Repositories</a:t>
+            </a:r>
+            <a:endParaRPr lang="de-DE" dirty="0"/>
+          </a:p>
+        </p:txBody>
+      </p:sp>
+    </p:spTree>
+    <p:extLst>
+      <p:ext uri="{BB962C8B-B14F-4D97-AF65-F5344CB8AC3E}">
+        <p14:creationId xmlns:p14="http://schemas.microsoft.com/office/powerpoint/2010/main" val="2958358037"/>
+      </p:ext>
+    </p:extLst>
+  </p:cSld>
+  <p:clrMapOvr>
+    <a:masterClrMapping/>
+  </p:clrMapOvr>
+  <p:timing>
+    <p:tnLst>
+      <p:par>
+        <p:cTn id="1" dur="indefinite" restart="never" nodeType="tmRoot"/>
+      </p:par>
+    </p:tnLst>
+  </p:timing>
+</p:sld>
+</file>
+
+<file path=ppt/slides/slide13.xml><?xml version="1.0" encoding="utf-8"?>
 <p:sld xmlns:a="http://schemas.openxmlformats.org/drawingml/2006/main" xmlns:r="http://schemas.openxmlformats.org/officeDocument/2006/relationships" xmlns:p="http://schemas.openxmlformats.org/presentationml/2006/main">
   <p:cSld>
     <p:spTree>
@@ -21566,10 +22093,17 @@
   <p:clrMapOvr>
     <a:masterClrMapping/>
   </p:clrMapOvr>
+  <p:timing>
+    <p:tnLst>
+      <p:par>
+        <p:cTn id="1" dur="indefinite" restart="never" nodeType="tmRoot"/>
+      </p:par>
+    </p:tnLst>
+  </p:timing>
 </p:sld>
 </file>
 
-<file path=ppt/slides/slide11.xml><?xml version="1.0" encoding="utf-8"?>
+<file path=ppt/slides/slide14.xml><?xml version="1.0" encoding="utf-8"?>
 <p:sld xmlns:a="http://schemas.openxmlformats.org/drawingml/2006/main" xmlns:r="http://schemas.openxmlformats.org/officeDocument/2006/relationships" xmlns:p="http://schemas.openxmlformats.org/presentationml/2006/main">
   <p:cSld>
     <p:spTree>
@@ -21741,10 +22275,17 @@
   <p:clrMapOvr>
     <a:masterClrMapping/>
   </p:clrMapOvr>
+  <p:timing>
+    <p:tnLst>
+      <p:par>
+        <p:cTn id="1" dur="indefinite" restart="never" nodeType="tmRoot"/>
+      </p:par>
+    </p:tnLst>
+  </p:timing>
 </p:sld>
 </file>
 
-<file path=ppt/slides/slide12.xml><?xml version="1.0" encoding="utf-8"?>
+<file path=ppt/slides/slide15.xml><?xml version="1.0" encoding="utf-8"?>
 <p:sld xmlns:a="http://schemas.openxmlformats.org/drawingml/2006/main" xmlns:r="http://schemas.openxmlformats.org/officeDocument/2006/relationships" xmlns:p="http://schemas.openxmlformats.org/presentationml/2006/main">
   <p:cSld>
     <p:spTree>
@@ -21778,156 +22319,6 @@
           <a:p>
             <a:r>
               <a:rPr lang="de-DE" dirty="0" err="1" smtClean="0"/>
-              <a:t>codespaces</a:t>
-            </a:r>
-            <a:endParaRPr lang="de-DE" dirty="0"/>
-          </a:p>
-        </p:txBody>
-      </p:sp>
-      <p:sp>
-        <p:nvSpPr>
-          <p:cNvPr id="3" name="Inhaltsplatzhalter 2"/>
-          <p:cNvSpPr>
-            <a:spLocks noGrp="1"/>
-          </p:cNvSpPr>
-          <p:nvPr>
-            <p:ph idx="1"/>
-          </p:nvPr>
-        </p:nvSpPr>
-        <p:spPr/>
-        <p:txBody>
-          <a:bodyPr/>
-          <a:lstStyle/>
-          <a:p>
-            <a:pPr>
-              <a:buFont typeface="Wingdings" panose="05000000000000000000" pitchFamily="2" charset="2"/>
-              <a:buChar char="v"/>
-            </a:pPr>
-            <a:r>
-              <a:rPr lang="de-DE" dirty="0" smtClean="0"/>
-              <a:t> Softwareentwicklungsumgebung in der Cloud</a:t>
-            </a:r>
-          </a:p>
-          <a:p>
-            <a:pPr>
-              <a:buFont typeface="Wingdings" panose="05000000000000000000" pitchFamily="2" charset="2"/>
-              <a:buChar char="v"/>
-            </a:pPr>
-            <a:r>
-              <a:rPr lang="de-DE" dirty="0"/>
-              <a:t> </a:t>
-            </a:r>
-            <a:r>
-              <a:rPr lang="de-DE" dirty="0" smtClean="0"/>
-              <a:t>Nutzung von Visual Studio Code mit Terminal und Debugger</a:t>
-            </a:r>
-          </a:p>
-          <a:p>
-            <a:pPr>
-              <a:buFont typeface="Wingdings" panose="05000000000000000000" pitchFamily="2" charset="2"/>
-              <a:buChar char="v"/>
-            </a:pPr>
-            <a:r>
-              <a:rPr lang="de-DE" dirty="0"/>
-              <a:t> </a:t>
-            </a:r>
-            <a:r>
-              <a:rPr lang="de-DE" dirty="0" smtClean="0"/>
-              <a:t>Gute Skalierbarkeit und Standardisierung</a:t>
-            </a:r>
-          </a:p>
-          <a:p>
-            <a:pPr>
-              <a:buFont typeface="Wingdings" panose="05000000000000000000" pitchFamily="2" charset="2"/>
-              <a:buChar char="v"/>
-            </a:pPr>
-            <a:r>
-              <a:rPr lang="de-DE" dirty="0" smtClean="0"/>
-              <a:t> Visual Studio Code bietet viele Security Scanning Erweiterungen</a:t>
-            </a:r>
-          </a:p>
-          <a:p>
-            <a:pPr>
-              <a:buFont typeface="Wingdings" panose="05000000000000000000" pitchFamily="2" charset="2"/>
-              <a:buChar char="v"/>
-            </a:pPr>
-            <a:r>
-              <a:rPr lang="de-DE" dirty="0"/>
-              <a:t> </a:t>
-            </a:r>
-            <a:r>
-              <a:rPr lang="de-DE" dirty="0" smtClean="0"/>
-              <a:t>Nachverfolgung durch Security Logs </a:t>
-            </a:r>
-          </a:p>
-          <a:p>
-            <a:pPr>
-              <a:buFont typeface="Wingdings" panose="05000000000000000000" pitchFamily="2" charset="2"/>
-              <a:buChar char="v"/>
-            </a:pPr>
-            <a:r>
-              <a:rPr lang="de-DE" dirty="0"/>
-              <a:t> </a:t>
-            </a:r>
-            <a:r>
-              <a:rPr lang="de-DE" dirty="0" smtClean="0"/>
-              <a:t>Verschlüsseltes Speichern von Umgebungsvariablen/</a:t>
-            </a:r>
-            <a:r>
-              <a:rPr lang="de-DE" dirty="0" err="1" smtClean="0"/>
-              <a:t>Secrets</a:t>
-            </a:r>
-            <a:endParaRPr lang="de-DE" dirty="0"/>
-          </a:p>
-        </p:txBody>
-      </p:sp>
-    </p:spTree>
-    <p:extLst>
-      <p:ext uri="{BB962C8B-B14F-4D97-AF65-F5344CB8AC3E}">
-        <p14:creationId xmlns:p14="http://schemas.microsoft.com/office/powerpoint/2010/main" val="2544807765"/>
-      </p:ext>
-    </p:extLst>
-  </p:cSld>
-  <p:clrMapOvr>
-    <a:masterClrMapping/>
-  </p:clrMapOvr>
-</p:sld>
-</file>
-
-<file path=ppt/slides/slide13.xml><?xml version="1.0" encoding="utf-8"?>
-<p:sld xmlns:a="http://schemas.openxmlformats.org/drawingml/2006/main" xmlns:r="http://schemas.openxmlformats.org/officeDocument/2006/relationships" xmlns:p="http://schemas.openxmlformats.org/presentationml/2006/main">
-  <p:cSld>
-    <p:spTree>
-      <p:nvGrpSpPr>
-        <p:cNvPr id="1" name=""/>
-        <p:cNvGrpSpPr/>
-        <p:nvPr/>
-      </p:nvGrpSpPr>
-      <p:grpSpPr>
-        <a:xfrm>
-          <a:off x="0" y="0"/>
-          <a:ext cx="0" cy="0"/>
-          <a:chOff x="0" y="0"/>
-          <a:chExt cx="0" cy="0"/>
-        </a:xfrm>
-      </p:grpSpPr>
-      <p:sp>
-        <p:nvSpPr>
-          <p:cNvPr id="2" name="Titel 1"/>
-          <p:cNvSpPr>
-            <a:spLocks noGrp="1"/>
-          </p:cNvSpPr>
-          <p:nvPr>
-            <p:ph type="title"/>
-          </p:nvPr>
-        </p:nvSpPr>
-        <p:spPr/>
-        <p:txBody>
-          <a:bodyPr/>
-          <a:lstStyle/>
-          <a:p>
-            <a:r>
-              <a:rPr lang="de-DE" dirty="0" err="1" smtClean="0"/>
               <a:t>OWAsp</a:t>
             </a:r>
             <a:r>
@@ -22030,11 +22421,7 @@
             </a:r>
             <a:r>
               <a:rPr lang="de-DE" dirty="0" smtClean="0"/>
-              <a:t> </a:t>
-            </a:r>
-            <a:r>
-              <a:rPr lang="de-DE" dirty="0" smtClean="0"/>
-              <a:t>bietet Dokumentation an um Level 1 umsetzen</a:t>
+              <a:t> bietet Dokumentation an um Level 1 umsetzen</a:t>
             </a:r>
             <a:endParaRPr lang="de-DE" dirty="0"/>
           </a:p>
@@ -22080,10 +22467,17 @@
   <p:clrMapOvr>
     <a:masterClrMapping/>
   </p:clrMapOvr>
+  <p:timing>
+    <p:tnLst>
+      <p:par>
+        <p:cTn id="1" dur="indefinite" restart="never" nodeType="tmRoot"/>
+      </p:par>
+    </p:tnLst>
+  </p:timing>
 </p:sld>
 </file>
 
-<file path=ppt/slides/slide14.xml><?xml version="1.0" encoding="utf-8"?>
+<file path=ppt/slides/slide16.xml><?xml version="1.0" encoding="utf-8"?>
 <p:sld xmlns:a="http://schemas.openxmlformats.org/drawingml/2006/main" xmlns:r="http://schemas.openxmlformats.org/officeDocument/2006/relationships" xmlns:p="http://schemas.openxmlformats.org/presentationml/2006/main">
   <p:cSld>
     <p:spTree>
@@ -22219,372 +22613,13 @@
   <p:clrMapOvr>
     <a:masterClrMapping/>
   </p:clrMapOvr>
-</p:sld>
-</file>
-
-<file path=ppt/slides/slide15.xml><?xml version="1.0" encoding="utf-8"?>
-<p:sld xmlns:a="http://schemas.openxmlformats.org/drawingml/2006/main" xmlns:r="http://schemas.openxmlformats.org/officeDocument/2006/relationships" xmlns:p="http://schemas.openxmlformats.org/presentationml/2006/main">
-  <p:cSld>
-    <p:spTree>
-      <p:nvGrpSpPr>
-        <p:cNvPr id="1" name=""/>
-        <p:cNvGrpSpPr/>
-        <p:nvPr/>
-      </p:nvGrpSpPr>
-      <p:grpSpPr>
-        <a:xfrm>
-          <a:off x="0" y="0"/>
-          <a:ext cx="0" cy="0"/>
-          <a:chOff x="0" y="0"/>
-          <a:chExt cx="0" cy="0"/>
-        </a:xfrm>
-      </p:grpSpPr>
-      <p:sp>
-        <p:nvSpPr>
-          <p:cNvPr id="4" name="Titel 3"/>
-          <p:cNvSpPr>
-            <a:spLocks noGrp="1"/>
-          </p:cNvSpPr>
-          <p:nvPr>
-            <p:ph type="title"/>
-          </p:nvPr>
-        </p:nvSpPr>
-        <p:spPr/>
-        <p:txBody>
-          <a:bodyPr/>
-          <a:lstStyle/>
-          <a:p>
-            <a:r>
-              <a:rPr lang="de-DE" dirty="0" err="1" smtClean="0"/>
-              <a:t>Azure</a:t>
-            </a:r>
-            <a:r>
-              <a:rPr lang="de-DE" dirty="0" smtClean="0"/>
-              <a:t> </a:t>
-            </a:r>
-            <a:r>
-              <a:rPr lang="de-DE" dirty="0" err="1" smtClean="0"/>
-              <a:t>Devops</a:t>
-            </a:r>
-            <a:endParaRPr lang="de-DE" dirty="0"/>
-          </a:p>
-        </p:txBody>
-      </p:sp>
-      <p:sp>
-        <p:nvSpPr>
-          <p:cNvPr id="5" name="Textplatzhalter 4"/>
-          <p:cNvSpPr>
-            <a:spLocks noGrp="1"/>
-          </p:cNvSpPr>
-          <p:nvPr>
-            <p:ph type="body" idx="1"/>
-          </p:nvPr>
-        </p:nvSpPr>
-        <p:spPr/>
-        <p:txBody>
-          <a:bodyPr/>
-          <a:lstStyle/>
-          <a:p>
-            <a:r>
-              <a:rPr lang="de-DE" dirty="0" smtClean="0"/>
-              <a:t>mit </a:t>
-            </a:r>
-            <a:r>
-              <a:rPr lang="de-DE" dirty="0" err="1" smtClean="0"/>
-              <a:t>Azure</a:t>
-            </a:r>
-            <a:r>
-              <a:rPr lang="de-DE" dirty="0" smtClean="0"/>
-              <a:t> Pipelines</a:t>
-            </a:r>
-            <a:endParaRPr lang="de-DE" dirty="0"/>
-          </a:p>
-        </p:txBody>
-      </p:sp>
-    </p:spTree>
-    <p:extLst>
-      <p:ext uri="{BB962C8B-B14F-4D97-AF65-F5344CB8AC3E}">
-        <p14:creationId xmlns:p14="http://schemas.microsoft.com/office/powerpoint/2010/main" val="2055349257"/>
-      </p:ext>
-    </p:extLst>
-  </p:cSld>
-  <p:clrMapOvr>
-    <a:masterClrMapping/>
-  </p:clrMapOvr>
-</p:sld>
-</file>
-
-<file path=ppt/slides/slide16.xml><?xml version="1.0" encoding="utf-8"?>
-<p:sld xmlns:a="http://schemas.openxmlformats.org/drawingml/2006/main" xmlns:r="http://schemas.openxmlformats.org/officeDocument/2006/relationships" xmlns:p="http://schemas.openxmlformats.org/presentationml/2006/main">
-  <p:cSld>
-    <p:spTree>
-      <p:nvGrpSpPr>
-        <p:cNvPr id="1" name=""/>
-        <p:cNvGrpSpPr/>
-        <p:nvPr/>
-      </p:nvGrpSpPr>
-      <p:grpSpPr>
-        <a:xfrm>
-          <a:off x="0" y="0"/>
-          <a:ext cx="0" cy="0"/>
-          <a:chOff x="0" y="0"/>
-          <a:chExt cx="0" cy="0"/>
-        </a:xfrm>
-      </p:grpSpPr>
-      <p:sp>
-        <p:nvSpPr>
-          <p:cNvPr id="2" name="Titel 1"/>
-          <p:cNvSpPr>
-            <a:spLocks noGrp="1"/>
-          </p:cNvSpPr>
-          <p:nvPr>
-            <p:ph type="title"/>
-          </p:nvPr>
-        </p:nvSpPr>
-        <p:spPr/>
-        <p:txBody>
-          <a:bodyPr/>
-          <a:lstStyle/>
-          <a:p>
-            <a:r>
-              <a:rPr lang="de-DE" dirty="0" smtClean="0"/>
-              <a:t>Microsoft </a:t>
-            </a:r>
-            <a:r>
-              <a:rPr lang="de-DE" dirty="0"/>
-              <a:t>Security Code Analysis</a:t>
-            </a:r>
-          </a:p>
-        </p:txBody>
-      </p:sp>
-      <p:sp>
-        <p:nvSpPr>
-          <p:cNvPr id="3" name="Inhaltsplatzhalter 2"/>
-          <p:cNvSpPr>
-            <a:spLocks noGrp="1"/>
-          </p:cNvSpPr>
-          <p:nvPr>
-            <p:ph idx="1"/>
-          </p:nvPr>
-        </p:nvSpPr>
-        <p:spPr/>
-        <p:txBody>
-          <a:bodyPr/>
-          <a:lstStyle/>
-          <a:p>
-            <a:pPr>
-              <a:buFont typeface="Wingdings" panose="05000000000000000000" pitchFamily="2" charset="2"/>
-              <a:buChar char="v"/>
-            </a:pPr>
-            <a:r>
-              <a:rPr lang="de-DE" dirty="0" smtClean="0"/>
-              <a:t> </a:t>
-            </a:r>
-            <a:r>
-              <a:rPr lang="de-DE" dirty="0" err="1" smtClean="0"/>
-              <a:t>Azure</a:t>
-            </a:r>
-            <a:r>
-              <a:rPr lang="de-DE" dirty="0" smtClean="0"/>
-              <a:t> </a:t>
-            </a:r>
-            <a:r>
-              <a:rPr lang="de-DE" dirty="0" err="1"/>
-              <a:t>DevOps</a:t>
-            </a:r>
-            <a:r>
-              <a:rPr lang="de-DE" dirty="0"/>
-              <a:t> </a:t>
-            </a:r>
-            <a:r>
-              <a:rPr lang="de-DE" dirty="0" smtClean="0"/>
-              <a:t>Erweiterung</a:t>
-            </a:r>
-          </a:p>
-          <a:p>
-            <a:pPr>
-              <a:buFont typeface="Wingdings" panose="05000000000000000000" pitchFamily="2" charset="2"/>
-              <a:buChar char="v"/>
-            </a:pPr>
-            <a:r>
-              <a:rPr lang="de-DE" dirty="0"/>
-              <a:t> </a:t>
-            </a:r>
-            <a:r>
-              <a:rPr lang="de-DE" dirty="0" smtClean="0"/>
-              <a:t>Zur Einbindung von </a:t>
-            </a:r>
-            <a:r>
-              <a:rPr lang="de-DE" dirty="0" err="1" smtClean="0"/>
-              <a:t>Secuity</a:t>
-            </a:r>
-            <a:r>
-              <a:rPr lang="de-DE" dirty="0" smtClean="0"/>
-              <a:t> Tasks</a:t>
-            </a:r>
-          </a:p>
-          <a:p>
-            <a:pPr lvl="1">
-              <a:buFont typeface="Wingdings" panose="05000000000000000000" pitchFamily="2" charset="2"/>
-              <a:buChar char="v"/>
-            </a:pPr>
-            <a:r>
-              <a:rPr lang="de-DE" dirty="0"/>
-              <a:t> </a:t>
-            </a:r>
-            <a:r>
-              <a:rPr lang="de-DE" dirty="0" err="1" smtClean="0"/>
-              <a:t>Credential</a:t>
-            </a:r>
-            <a:r>
-              <a:rPr lang="de-DE" dirty="0" smtClean="0"/>
-              <a:t> Scanner</a:t>
-            </a:r>
-          </a:p>
-          <a:p>
-            <a:pPr lvl="1">
-              <a:buFont typeface="Wingdings" panose="05000000000000000000" pitchFamily="2" charset="2"/>
-              <a:buChar char="v"/>
-            </a:pPr>
-            <a:r>
-              <a:rPr lang="de-DE" dirty="0" smtClean="0"/>
-              <a:t> </a:t>
-            </a:r>
-            <a:r>
-              <a:rPr lang="de-DE" dirty="0" err="1" smtClean="0"/>
-              <a:t>TSLint</a:t>
-            </a:r>
-            <a:endParaRPr lang="de-DE" dirty="0" smtClean="0"/>
-          </a:p>
-          <a:p>
-            <a:pPr lvl="1">
-              <a:buFont typeface="Wingdings" panose="05000000000000000000" pitchFamily="2" charset="2"/>
-              <a:buChar char="v"/>
-            </a:pPr>
-            <a:r>
-              <a:rPr lang="de-DE" dirty="0" smtClean="0"/>
-              <a:t> </a:t>
-            </a:r>
-            <a:r>
-              <a:rPr lang="de-DE" dirty="0" err="1" smtClean="0"/>
-              <a:t>Roslyn</a:t>
-            </a:r>
-            <a:r>
-              <a:rPr lang="de-DE" dirty="0" smtClean="0"/>
-              <a:t> </a:t>
-            </a:r>
-            <a:r>
-              <a:rPr lang="de-DE" dirty="0" err="1" smtClean="0"/>
-              <a:t>Analyzers</a:t>
-            </a:r>
-            <a:endParaRPr lang="de-DE" dirty="0" smtClean="0"/>
-          </a:p>
-          <a:p>
-            <a:pPr lvl="1">
-              <a:buFont typeface="Wingdings" panose="05000000000000000000" pitchFamily="2" charset="2"/>
-              <a:buChar char="v"/>
-            </a:pPr>
-            <a:r>
-              <a:rPr lang="de-DE" dirty="0" smtClean="0"/>
-              <a:t> </a:t>
-            </a:r>
-            <a:r>
-              <a:rPr lang="de-DE" dirty="0" err="1"/>
-              <a:t>BinSkim</a:t>
-            </a:r>
-            <a:r>
-              <a:rPr lang="de-DE" dirty="0"/>
-              <a:t> </a:t>
-            </a:r>
-            <a:endParaRPr lang="de-DE" dirty="0" smtClean="0"/>
-          </a:p>
-          <a:p>
-            <a:pPr lvl="1">
-              <a:buFont typeface="Wingdings" panose="05000000000000000000" pitchFamily="2" charset="2"/>
-              <a:buChar char="v"/>
-            </a:pPr>
-            <a:r>
-              <a:rPr lang="de-DE" dirty="0"/>
-              <a:t> </a:t>
-            </a:r>
-            <a:r>
-              <a:rPr lang="de-DE" dirty="0" smtClean="0"/>
-              <a:t>Anti-Malware </a:t>
-            </a:r>
-            <a:r>
-              <a:rPr lang="de-DE" dirty="0"/>
-              <a:t>Scanner</a:t>
-            </a:r>
-            <a:r>
-              <a:rPr lang="de-DE" dirty="0" smtClean="0"/>
-              <a:t>.</a:t>
-            </a:r>
-          </a:p>
-          <a:p>
-            <a:pPr>
-              <a:buFont typeface="Wingdings" panose="05000000000000000000" pitchFamily="2" charset="2"/>
-              <a:buChar char="v"/>
-            </a:pPr>
-            <a:r>
-              <a:rPr lang="de-DE" dirty="0"/>
-              <a:t> </a:t>
-            </a:r>
-            <a:r>
-              <a:rPr lang="de-DE" dirty="0" smtClean="0"/>
-              <a:t>Security Report: Zusammenfassung aller Tasks</a:t>
-            </a:r>
-          </a:p>
-          <a:p>
-            <a:pPr>
-              <a:buFont typeface="Wingdings" panose="05000000000000000000" pitchFamily="2" charset="2"/>
-              <a:buChar char="v"/>
-            </a:pPr>
-            <a:r>
-              <a:rPr lang="de-DE" dirty="0" smtClean="0"/>
-              <a:t> </a:t>
-            </a:r>
-            <a:r>
-              <a:rPr lang="de-DE" dirty="0" err="1" smtClean="0"/>
-              <a:t>Logging</a:t>
-            </a:r>
-            <a:r>
-              <a:rPr lang="de-DE" dirty="0" smtClean="0"/>
-              <a:t> der Ergebnisse</a:t>
-            </a:r>
-          </a:p>
-          <a:p>
-            <a:pPr>
-              <a:buFont typeface="Wingdings" panose="05000000000000000000" pitchFamily="2" charset="2"/>
-              <a:buChar char="v"/>
-            </a:pPr>
-            <a:r>
-              <a:rPr lang="de-DE" dirty="0"/>
-              <a:t> </a:t>
-            </a:r>
-            <a:r>
-              <a:rPr lang="de-DE" dirty="0" smtClean="0"/>
-              <a:t>bis Dezember 2022 verfügbar</a:t>
-            </a:r>
-          </a:p>
-          <a:p>
-            <a:pPr>
-              <a:buFont typeface="Wingdings" panose="05000000000000000000" pitchFamily="2" charset="2"/>
-              <a:buChar char="v"/>
-            </a:pPr>
-            <a:endParaRPr lang="de-DE" dirty="0"/>
-          </a:p>
-        </p:txBody>
-      </p:sp>
-    </p:spTree>
-    <p:extLst>
-      <p:ext uri="{BB962C8B-B14F-4D97-AF65-F5344CB8AC3E}">
-        <p14:creationId xmlns:p14="http://schemas.microsoft.com/office/powerpoint/2010/main" val="3124521187"/>
-      </p:ext>
-    </p:extLst>
-  </p:cSld>
-  <p:clrMapOvr>
-    <a:masterClrMapping/>
-  </p:clrMapOvr>
+  <p:timing>
+    <p:tnLst>
+      <p:par>
+        <p:cTn id="1" dur="indefinite" restart="never" nodeType="tmRoot"/>
+      </p:par>
+    </p:tnLst>
+  </p:timing>
 </p:sld>
 </file>
 
@@ -22621,8 +22656,16 @@
           <a:lstStyle/>
           <a:p>
             <a:r>
+              <a:rPr lang="de-DE" dirty="0" err="1" smtClean="0"/>
+              <a:t>Azure</a:t>
+            </a:r>
+            <a:r>
               <a:rPr lang="de-DE" dirty="0" smtClean="0"/>
-              <a:t>Vergleich</a:t>
+              <a:t> </a:t>
+            </a:r>
+            <a:r>
+              <a:rPr lang="de-DE" dirty="0" err="1" smtClean="0"/>
+              <a:t>Devops</a:t>
             </a:r>
             <a:endParaRPr lang="de-DE" dirty="0"/>
           </a:p>
@@ -22643,20 +22686,39 @@
           <a:bodyPr/>
           <a:lstStyle/>
           <a:p>
-            <a:endParaRPr lang="de-DE"/>
+            <a:r>
+              <a:rPr lang="de-DE" dirty="0" smtClean="0"/>
+              <a:t>mit </a:t>
+            </a:r>
+            <a:r>
+              <a:rPr lang="de-DE" dirty="0" err="1" smtClean="0"/>
+              <a:t>Azure</a:t>
+            </a:r>
+            <a:r>
+              <a:rPr lang="de-DE" dirty="0" smtClean="0"/>
+              <a:t> Pipelines</a:t>
+            </a:r>
+            <a:endParaRPr lang="de-DE" dirty="0"/>
           </a:p>
         </p:txBody>
       </p:sp>
     </p:spTree>
     <p:extLst>
       <p:ext uri="{BB962C8B-B14F-4D97-AF65-F5344CB8AC3E}">
-        <p14:creationId xmlns:p14="http://schemas.microsoft.com/office/powerpoint/2010/main" val="1879096459"/>
+        <p14:creationId xmlns:p14="http://schemas.microsoft.com/office/powerpoint/2010/main" val="2055349257"/>
       </p:ext>
     </p:extLst>
   </p:cSld>
   <p:clrMapOvr>
     <a:masterClrMapping/>
   </p:clrMapOvr>
+  <p:timing>
+    <p:tnLst>
+      <p:par>
+        <p:cTn id="1" dur="indefinite" restart="never" nodeType="tmRoot"/>
+      </p:par>
+    </p:tnLst>
+  </p:timing>
 </p:sld>
 </file>
 
@@ -22694,6 +22756,624 @@
           <a:p>
             <a:r>
               <a:rPr lang="de-DE" dirty="0" smtClean="0"/>
+              <a:t>Microsoft </a:t>
+            </a:r>
+            <a:r>
+              <a:rPr lang="de-DE" dirty="0"/>
+              <a:t>Security Code Analysis</a:t>
+            </a:r>
+          </a:p>
+        </p:txBody>
+      </p:sp>
+      <p:sp>
+        <p:nvSpPr>
+          <p:cNvPr id="3" name="Inhaltsplatzhalter 2"/>
+          <p:cNvSpPr>
+            <a:spLocks noGrp="1"/>
+          </p:cNvSpPr>
+          <p:nvPr>
+            <p:ph idx="1"/>
+          </p:nvPr>
+        </p:nvSpPr>
+        <p:spPr/>
+        <p:txBody>
+          <a:bodyPr/>
+          <a:lstStyle/>
+          <a:p>
+            <a:pPr>
+              <a:buFont typeface="Wingdings" panose="05000000000000000000" pitchFamily="2" charset="2"/>
+              <a:buChar char="v"/>
+            </a:pPr>
+            <a:r>
+              <a:rPr lang="de-DE" dirty="0" smtClean="0"/>
+              <a:t> </a:t>
+            </a:r>
+            <a:r>
+              <a:rPr lang="de-DE" dirty="0" err="1" smtClean="0"/>
+              <a:t>Azure</a:t>
+            </a:r>
+            <a:r>
+              <a:rPr lang="de-DE" dirty="0" smtClean="0"/>
+              <a:t> </a:t>
+            </a:r>
+            <a:r>
+              <a:rPr lang="de-DE" dirty="0" err="1"/>
+              <a:t>DevOps</a:t>
+            </a:r>
+            <a:r>
+              <a:rPr lang="de-DE" dirty="0"/>
+              <a:t> </a:t>
+            </a:r>
+            <a:r>
+              <a:rPr lang="de-DE" dirty="0" smtClean="0"/>
+              <a:t>Erweiterung</a:t>
+            </a:r>
+          </a:p>
+          <a:p>
+            <a:pPr>
+              <a:buFont typeface="Wingdings" panose="05000000000000000000" pitchFamily="2" charset="2"/>
+              <a:buChar char="v"/>
+            </a:pPr>
+            <a:r>
+              <a:rPr lang="de-DE" dirty="0"/>
+              <a:t> </a:t>
+            </a:r>
+            <a:r>
+              <a:rPr lang="de-DE" dirty="0" smtClean="0"/>
+              <a:t>Zur Einbindung von </a:t>
+            </a:r>
+            <a:r>
+              <a:rPr lang="de-DE" dirty="0" smtClean="0"/>
+              <a:t>Security </a:t>
+            </a:r>
+            <a:r>
+              <a:rPr lang="de-DE" dirty="0" smtClean="0"/>
+              <a:t>Tasks</a:t>
+            </a:r>
+          </a:p>
+          <a:p>
+            <a:pPr lvl="1">
+              <a:buFont typeface="Wingdings" panose="05000000000000000000" pitchFamily="2" charset="2"/>
+              <a:buChar char="v"/>
+            </a:pPr>
+            <a:r>
+              <a:rPr lang="de-DE" dirty="0"/>
+              <a:t> </a:t>
+            </a:r>
+            <a:r>
+              <a:rPr lang="de-DE" dirty="0" err="1" smtClean="0"/>
+              <a:t>Credential</a:t>
+            </a:r>
+            <a:r>
+              <a:rPr lang="de-DE" dirty="0" smtClean="0"/>
+              <a:t> Scanner</a:t>
+            </a:r>
+          </a:p>
+          <a:p>
+            <a:pPr lvl="1">
+              <a:buFont typeface="Wingdings" panose="05000000000000000000" pitchFamily="2" charset="2"/>
+              <a:buChar char="v"/>
+            </a:pPr>
+            <a:r>
+              <a:rPr lang="de-DE" dirty="0" smtClean="0"/>
+              <a:t> </a:t>
+            </a:r>
+            <a:r>
+              <a:rPr lang="de-DE" dirty="0" err="1" smtClean="0"/>
+              <a:t>TSLint</a:t>
+            </a:r>
+            <a:endParaRPr lang="de-DE" dirty="0" smtClean="0"/>
+          </a:p>
+          <a:p>
+            <a:pPr lvl="1">
+              <a:buFont typeface="Wingdings" panose="05000000000000000000" pitchFamily="2" charset="2"/>
+              <a:buChar char="v"/>
+            </a:pPr>
+            <a:r>
+              <a:rPr lang="de-DE" dirty="0" smtClean="0"/>
+              <a:t> </a:t>
+            </a:r>
+            <a:r>
+              <a:rPr lang="de-DE" dirty="0" err="1" smtClean="0"/>
+              <a:t>Roslyn</a:t>
+            </a:r>
+            <a:r>
+              <a:rPr lang="de-DE" dirty="0" smtClean="0"/>
+              <a:t> </a:t>
+            </a:r>
+            <a:r>
+              <a:rPr lang="de-DE" dirty="0" err="1" smtClean="0"/>
+              <a:t>Analyzers</a:t>
+            </a:r>
+            <a:endParaRPr lang="de-DE" dirty="0" smtClean="0"/>
+          </a:p>
+          <a:p>
+            <a:pPr lvl="1">
+              <a:buFont typeface="Wingdings" panose="05000000000000000000" pitchFamily="2" charset="2"/>
+              <a:buChar char="v"/>
+            </a:pPr>
+            <a:r>
+              <a:rPr lang="de-DE" dirty="0" smtClean="0"/>
+              <a:t> </a:t>
+            </a:r>
+            <a:r>
+              <a:rPr lang="de-DE" dirty="0" err="1"/>
+              <a:t>BinSkim</a:t>
+            </a:r>
+            <a:r>
+              <a:rPr lang="de-DE" dirty="0"/>
+              <a:t> </a:t>
+            </a:r>
+            <a:endParaRPr lang="de-DE" dirty="0" smtClean="0"/>
+          </a:p>
+          <a:p>
+            <a:pPr lvl="1">
+              <a:buFont typeface="Wingdings" panose="05000000000000000000" pitchFamily="2" charset="2"/>
+              <a:buChar char="v"/>
+            </a:pPr>
+            <a:r>
+              <a:rPr lang="de-DE" dirty="0"/>
+              <a:t> </a:t>
+            </a:r>
+            <a:r>
+              <a:rPr lang="de-DE" dirty="0" smtClean="0"/>
+              <a:t>Anti-Malware </a:t>
+            </a:r>
+            <a:r>
+              <a:rPr lang="de-DE" dirty="0"/>
+              <a:t>Scanner</a:t>
+            </a:r>
+            <a:r>
+              <a:rPr lang="de-DE" dirty="0" smtClean="0"/>
+              <a:t>.</a:t>
+            </a:r>
+          </a:p>
+          <a:p>
+            <a:pPr>
+              <a:buFont typeface="Wingdings" panose="05000000000000000000" pitchFamily="2" charset="2"/>
+              <a:buChar char="v"/>
+            </a:pPr>
+            <a:r>
+              <a:rPr lang="de-DE" dirty="0"/>
+              <a:t> </a:t>
+            </a:r>
+            <a:r>
+              <a:rPr lang="de-DE" dirty="0" smtClean="0"/>
+              <a:t>Security Report: Zusammenfassung aller Tasks</a:t>
+            </a:r>
+          </a:p>
+          <a:p>
+            <a:pPr>
+              <a:buFont typeface="Wingdings" panose="05000000000000000000" pitchFamily="2" charset="2"/>
+              <a:buChar char="v"/>
+            </a:pPr>
+            <a:r>
+              <a:rPr lang="de-DE" dirty="0" smtClean="0"/>
+              <a:t> </a:t>
+            </a:r>
+            <a:r>
+              <a:rPr lang="de-DE" dirty="0" err="1" smtClean="0"/>
+              <a:t>Logging</a:t>
+            </a:r>
+            <a:r>
+              <a:rPr lang="de-DE" dirty="0" smtClean="0"/>
+              <a:t> der Ergebnisse</a:t>
+            </a:r>
+          </a:p>
+          <a:p>
+            <a:pPr>
+              <a:buFont typeface="Wingdings" panose="05000000000000000000" pitchFamily="2" charset="2"/>
+              <a:buChar char="v"/>
+            </a:pPr>
+            <a:r>
+              <a:rPr lang="de-DE" dirty="0"/>
+              <a:t> </a:t>
+            </a:r>
+            <a:r>
+              <a:rPr lang="de-DE" dirty="0" smtClean="0"/>
+              <a:t>bis Dezember 2022 verfügbar</a:t>
+            </a:r>
+          </a:p>
+          <a:p>
+            <a:pPr>
+              <a:buFont typeface="Wingdings" panose="05000000000000000000" pitchFamily="2" charset="2"/>
+              <a:buChar char="v"/>
+            </a:pPr>
+            <a:endParaRPr lang="de-DE" dirty="0"/>
+          </a:p>
+        </p:txBody>
+      </p:sp>
+    </p:spTree>
+    <p:extLst>
+      <p:ext uri="{BB962C8B-B14F-4D97-AF65-F5344CB8AC3E}">
+        <p14:creationId xmlns:p14="http://schemas.microsoft.com/office/powerpoint/2010/main" val="3124521187"/>
+      </p:ext>
+    </p:extLst>
+  </p:cSld>
+  <p:clrMapOvr>
+    <a:masterClrMapping/>
+  </p:clrMapOvr>
+  <p:timing>
+    <p:tnLst>
+      <p:par>
+        <p:cTn id="1" dur="indefinite" restart="never" nodeType="tmRoot"/>
+      </p:par>
+    </p:tnLst>
+  </p:timing>
+</p:sld>
+</file>
+
+<file path=ppt/slides/slide19.xml><?xml version="1.0" encoding="utf-8"?>
+<p:sld xmlns:a="http://schemas.openxmlformats.org/drawingml/2006/main" xmlns:r="http://schemas.openxmlformats.org/officeDocument/2006/relationships" xmlns:p="http://schemas.openxmlformats.org/presentationml/2006/main">
+  <p:cSld>
+    <p:spTree>
+      <p:nvGrpSpPr>
+        <p:cNvPr id="1" name=""/>
+        <p:cNvGrpSpPr/>
+        <p:nvPr/>
+      </p:nvGrpSpPr>
+      <p:grpSpPr>
+        <a:xfrm>
+          <a:off x="0" y="0"/>
+          <a:ext cx="0" cy="0"/>
+          <a:chOff x="0" y="0"/>
+          <a:chExt cx="0" cy="0"/>
+        </a:xfrm>
+      </p:grpSpPr>
+      <p:sp>
+        <p:nvSpPr>
+          <p:cNvPr id="4" name="Titel 3"/>
+          <p:cNvSpPr>
+            <a:spLocks noGrp="1"/>
+          </p:cNvSpPr>
+          <p:nvPr>
+            <p:ph type="title"/>
+          </p:nvPr>
+        </p:nvSpPr>
+        <p:spPr/>
+        <p:txBody>
+          <a:bodyPr/>
+          <a:lstStyle/>
+          <a:p>
+            <a:r>
+              <a:rPr lang="de-DE" dirty="0" smtClean="0"/>
+              <a:t>Vergleich</a:t>
+            </a:r>
+            <a:endParaRPr lang="de-DE" dirty="0"/>
+          </a:p>
+        </p:txBody>
+      </p:sp>
+      <p:sp>
+        <p:nvSpPr>
+          <p:cNvPr id="5" name="Textplatzhalter 4"/>
+          <p:cNvSpPr>
+            <a:spLocks noGrp="1"/>
+          </p:cNvSpPr>
+          <p:nvPr>
+            <p:ph type="body" idx="1"/>
+          </p:nvPr>
+        </p:nvSpPr>
+        <p:spPr/>
+        <p:txBody>
+          <a:bodyPr/>
+          <a:lstStyle/>
+          <a:p>
+            <a:endParaRPr lang="de-DE"/>
+          </a:p>
+        </p:txBody>
+      </p:sp>
+    </p:spTree>
+    <p:extLst>
+      <p:ext uri="{BB962C8B-B14F-4D97-AF65-F5344CB8AC3E}">
+        <p14:creationId xmlns:p14="http://schemas.microsoft.com/office/powerpoint/2010/main" val="1879096459"/>
+      </p:ext>
+    </p:extLst>
+  </p:cSld>
+  <p:clrMapOvr>
+    <a:masterClrMapping/>
+  </p:clrMapOvr>
+  <p:timing>
+    <p:tnLst>
+      <p:par>
+        <p:cTn id="1" dur="indefinite" restart="never" nodeType="tmRoot"/>
+      </p:par>
+    </p:tnLst>
+  </p:timing>
+</p:sld>
+</file>
+
+<file path=ppt/slides/slide2.xml><?xml version="1.0" encoding="utf-8"?>
+<p:sld xmlns:a="http://schemas.openxmlformats.org/drawingml/2006/main" xmlns:r="http://schemas.openxmlformats.org/officeDocument/2006/relationships" xmlns:p="http://schemas.openxmlformats.org/presentationml/2006/main">
+  <p:cSld>
+    <p:spTree>
+      <p:nvGrpSpPr>
+        <p:cNvPr id="1" name=""/>
+        <p:cNvGrpSpPr/>
+        <p:nvPr/>
+      </p:nvGrpSpPr>
+      <p:grpSpPr>
+        <a:xfrm>
+          <a:off x="0" y="0"/>
+          <a:ext cx="0" cy="0"/>
+          <a:chOff x="0" y="0"/>
+          <a:chExt cx="0" cy="0"/>
+        </a:xfrm>
+      </p:grpSpPr>
+      <p:pic>
+        <p:nvPicPr>
+          <p:cNvPr id="6" name="Inhaltsplatzhalter 5"/>
+          <p:cNvPicPr>
+            <a:picLocks noGrp="1" noChangeAspect="1"/>
+          </p:cNvPicPr>
+          <p:nvPr>
+            <p:ph idx="1"/>
+          </p:nvPr>
+        </p:nvPicPr>
+        <p:blipFill>
+          <a:blip r:embed="rId2">
+            <a:extLst>
+              <a:ext uri="{28A0092B-C50C-407E-A947-70E740481C1C}">
+                <a14:useLocalDpi xmlns:a14="http://schemas.microsoft.com/office/drawing/2010/main" val="0"/>
+              </a:ext>
+            </a:extLst>
+          </a:blip>
+          <a:stretch>
+            <a:fillRect/>
+          </a:stretch>
+        </p:blipFill>
+        <p:spPr>
+          <a:xfrm>
+            <a:off x="1602451" y="246184"/>
+            <a:ext cx="8658172" cy="6433023"/>
+          </a:xfrm>
+        </p:spPr>
+      </p:pic>
+      <p:sp>
+        <p:nvSpPr>
+          <p:cNvPr id="7" name="Rechteck 6"/>
+          <p:cNvSpPr/>
+          <p:nvPr/>
+        </p:nvSpPr>
+        <p:spPr>
+          <a:xfrm>
+            <a:off x="386862" y="536331"/>
+            <a:ext cx="800100" cy="1573823"/>
+          </a:xfrm>
+          <a:prstGeom prst="rect">
+            <a:avLst/>
+          </a:prstGeom>
+          <a:solidFill>
+            <a:schemeClr val="bg1"/>
+          </a:solidFill>
+          <a:ln>
+            <a:solidFill>
+              <a:schemeClr val="bg1"/>
+            </a:solidFill>
+          </a:ln>
+        </p:spPr>
+        <p:style>
+          <a:lnRef idx="2">
+            <a:schemeClr val="accent1">
+              <a:shade val="50000"/>
+            </a:schemeClr>
+          </a:lnRef>
+          <a:fillRef idx="1">
+            <a:schemeClr val="accent1"/>
+          </a:fillRef>
+          <a:effectRef idx="0">
+            <a:schemeClr val="accent1"/>
+          </a:effectRef>
+          <a:fontRef idx="minor">
+            <a:schemeClr val="lt1"/>
+          </a:fontRef>
+        </p:style>
+        <p:txBody>
+          <a:bodyPr rtlCol="0" anchor="ctr"/>
+          <a:lstStyle/>
+          <a:p>
+            <a:pPr algn="ctr"/>
+            <a:endParaRPr lang="de-DE"/>
+          </a:p>
+        </p:txBody>
+      </p:sp>
+    </p:spTree>
+    <p:extLst>
+      <p:ext uri="{BB962C8B-B14F-4D97-AF65-F5344CB8AC3E}">
+        <p14:creationId xmlns:p14="http://schemas.microsoft.com/office/powerpoint/2010/main" val="2529457683"/>
+      </p:ext>
+    </p:extLst>
+  </p:cSld>
+  <p:clrMapOvr>
+    <a:masterClrMapping/>
+  </p:clrMapOvr>
+  <p:timing>
+    <p:tnLst>
+      <p:par>
+        <p:cTn id="1" dur="indefinite" restart="never" nodeType="tmRoot"/>
+      </p:par>
+    </p:tnLst>
+  </p:timing>
+</p:sld>
+</file>
+
+<file path=ppt/slides/slide20.xml><?xml version="1.0" encoding="utf-8"?>
+<p:sld xmlns:a="http://schemas.openxmlformats.org/drawingml/2006/main" xmlns:r="http://schemas.openxmlformats.org/officeDocument/2006/relationships" xmlns:p="http://schemas.openxmlformats.org/presentationml/2006/main">
+  <p:cSld>
+    <p:spTree>
+      <p:nvGrpSpPr>
+        <p:cNvPr id="1" name=""/>
+        <p:cNvGrpSpPr/>
+        <p:nvPr/>
+      </p:nvGrpSpPr>
+      <p:grpSpPr>
+        <a:xfrm>
+          <a:off x="0" y="0"/>
+          <a:ext cx="0" cy="0"/>
+          <a:chOff x="0" y="0"/>
+          <a:chExt cx="0" cy="0"/>
+        </a:xfrm>
+      </p:grpSpPr>
+      <p:sp>
+        <p:nvSpPr>
+          <p:cNvPr id="9" name="Rechteck 8"/>
+          <p:cNvSpPr/>
+          <p:nvPr/>
+        </p:nvSpPr>
+        <p:spPr>
+          <a:xfrm>
+            <a:off x="386862" y="536331"/>
+            <a:ext cx="800100" cy="1573823"/>
+          </a:xfrm>
+          <a:prstGeom prst="rect">
+            <a:avLst/>
+          </a:prstGeom>
+          <a:solidFill>
+            <a:schemeClr val="bg1"/>
+          </a:solidFill>
+          <a:ln>
+            <a:solidFill>
+              <a:schemeClr val="bg1"/>
+            </a:solidFill>
+          </a:ln>
+        </p:spPr>
+        <p:style>
+          <a:lnRef idx="2">
+            <a:schemeClr val="accent1">
+              <a:shade val="50000"/>
+            </a:schemeClr>
+          </a:lnRef>
+          <a:fillRef idx="1">
+            <a:schemeClr val="accent1"/>
+          </a:fillRef>
+          <a:effectRef idx="0">
+            <a:schemeClr val="accent1"/>
+          </a:effectRef>
+          <a:fontRef idx="minor">
+            <a:schemeClr val="lt1"/>
+          </a:fontRef>
+        </p:style>
+        <p:txBody>
+          <a:bodyPr rtlCol="0" anchor="ctr"/>
+          <a:lstStyle/>
+          <a:p>
+            <a:pPr algn="ctr"/>
+            <a:endParaRPr lang="de-DE"/>
+          </a:p>
+        </p:txBody>
+      </p:sp>
+      <p:pic>
+        <p:nvPicPr>
+          <p:cNvPr id="6" name="Inhaltsplatzhalter 5"/>
+          <p:cNvPicPr>
+            <a:picLocks noGrp="1" noChangeAspect="1"/>
+          </p:cNvPicPr>
+          <p:nvPr>
+            <p:ph idx="1"/>
+          </p:nvPr>
+        </p:nvPicPr>
+        <p:blipFill>
+          <a:blip r:embed="rId2">
+            <a:extLst>
+              <a:ext uri="{28A0092B-C50C-407E-A947-70E740481C1C}">
+                <a14:useLocalDpi xmlns:a14="http://schemas.microsoft.com/office/drawing/2010/main" val="0"/>
+              </a:ext>
+            </a:extLst>
+          </a:blip>
+          <a:stretch>
+            <a:fillRect/>
+          </a:stretch>
+        </p:blipFill>
+        <p:spPr>
+          <a:xfrm>
+            <a:off x="287764" y="1717431"/>
+            <a:ext cx="6286500" cy="3810000"/>
+          </a:xfrm>
+        </p:spPr>
+      </p:pic>
+      <p:pic>
+        <p:nvPicPr>
+          <p:cNvPr id="8" name="Grafik 7"/>
+          <p:cNvPicPr>
+            <a:picLocks noChangeAspect="1"/>
+          </p:cNvPicPr>
+          <p:nvPr/>
+        </p:nvPicPr>
+        <p:blipFill>
+          <a:blip r:embed="rId3">
+            <a:extLst>
+              <a:ext uri="{28A0092B-C50C-407E-A947-70E740481C1C}">
+                <a14:useLocalDpi xmlns:a14="http://schemas.microsoft.com/office/drawing/2010/main" val="0"/>
+              </a:ext>
+            </a:extLst>
+          </a:blip>
+          <a:stretch>
+            <a:fillRect/>
+          </a:stretch>
+        </p:blipFill>
+        <p:spPr>
+          <a:xfrm>
+            <a:off x="6188319" y="1717431"/>
+            <a:ext cx="6286500" cy="3810000"/>
+          </a:xfrm>
+          <a:prstGeom prst="rect">
+            <a:avLst/>
+          </a:prstGeom>
+        </p:spPr>
+      </p:pic>
+    </p:spTree>
+    <p:extLst>
+      <p:ext uri="{BB962C8B-B14F-4D97-AF65-F5344CB8AC3E}">
+        <p14:creationId xmlns:p14="http://schemas.microsoft.com/office/powerpoint/2010/main" val="535145816"/>
+      </p:ext>
+    </p:extLst>
+  </p:cSld>
+  <p:clrMapOvr>
+    <a:masterClrMapping/>
+  </p:clrMapOvr>
+  <p:timing>
+    <p:tnLst>
+      <p:par>
+        <p:cTn id="1" dur="indefinite" restart="never" nodeType="tmRoot"/>
+      </p:par>
+    </p:tnLst>
+  </p:timing>
+</p:sld>
+</file>
+
+<file path=ppt/slides/slide21.xml><?xml version="1.0" encoding="utf-8"?>
+<p:sld xmlns:a="http://schemas.openxmlformats.org/drawingml/2006/main" xmlns:r="http://schemas.openxmlformats.org/officeDocument/2006/relationships" xmlns:p="http://schemas.openxmlformats.org/presentationml/2006/main">
+  <p:cSld>
+    <p:spTree>
+      <p:nvGrpSpPr>
+        <p:cNvPr id="1" name=""/>
+        <p:cNvGrpSpPr/>
+        <p:nvPr/>
+      </p:nvGrpSpPr>
+      <p:grpSpPr>
+        <a:xfrm>
+          <a:off x="0" y="0"/>
+          <a:ext cx="0" cy="0"/>
+          <a:chOff x="0" y="0"/>
+          <a:chExt cx="0" cy="0"/>
+        </a:xfrm>
+      </p:grpSpPr>
+      <p:sp>
+        <p:nvSpPr>
+          <p:cNvPr id="2" name="Titel 1"/>
+          <p:cNvSpPr>
+            <a:spLocks noGrp="1"/>
+          </p:cNvSpPr>
+          <p:nvPr>
+            <p:ph type="title"/>
+          </p:nvPr>
+        </p:nvSpPr>
+        <p:spPr/>
+        <p:txBody>
+          <a:bodyPr/>
+          <a:lstStyle/>
+          <a:p>
+            <a:r>
+              <a:rPr lang="de-DE" dirty="0" smtClean="0"/>
               <a:t>Benutzer Berechtigungen</a:t>
             </a:r>
             <a:endParaRPr lang="de-DE" dirty="0"/>
@@ -22804,15 +23484,15 @@
             </a:pPr>
             <a:r>
               <a:rPr lang="de-DE" dirty="0" smtClean="0"/>
-              <a:t>Organisationen können auch </a:t>
-            </a:r>
-            <a:r>
-              <a:rPr lang="de-DE" dirty="0" err="1" smtClean="0"/>
-              <a:t>gruppenbassiert</a:t>
+              <a:t> Organisationen können auch </a:t>
             </a:r>
             <a:r>
               <a:rPr lang="de-DE" dirty="0" smtClean="0"/>
-              <a:t> eigene Rollen erstellen</a:t>
+              <a:t>gruppenbasiert </a:t>
+            </a:r>
+            <a:r>
+              <a:rPr lang="de-DE" dirty="0" smtClean="0"/>
+              <a:t>eigene Rollen erstellen</a:t>
             </a:r>
           </a:p>
           <a:p>
@@ -22828,23 +23508,15 @@
             </a:pPr>
             <a:r>
               <a:rPr lang="de-DE" dirty="0" smtClean="0"/>
-              <a:t>	Für Firmen gibt es ähnliche </a:t>
+              <a:t>	Für Firmen gibt es ähnliche Möglichkeiten durch </a:t>
             </a:r>
             <a:r>
               <a:rPr lang="de-DE" dirty="0" smtClean="0"/>
-              <a:t>M</a:t>
+              <a:t>das selbe </a:t>
             </a:r>
             <a:r>
               <a:rPr lang="de-DE" dirty="0" smtClean="0"/>
-              <a:t>öglichkeiten durch </a:t>
-            </a:r>
-            <a:r>
-              <a:rPr lang="de-DE" dirty="0" err="1" smtClean="0"/>
-              <a:t>selbes</a:t>
-            </a:r>
-            <a:r>
-              <a:rPr lang="de-DE" dirty="0" smtClean="0"/>
-              <a:t> Konzept</a:t>
+              <a:t>Konzept</a:t>
             </a:r>
           </a:p>
         </p:txBody>
@@ -22899,10 +23571,119 @@
   <p:clrMapOvr>
     <a:masterClrMapping/>
   </p:clrMapOvr>
+  <p:timing>
+    <p:tnLst>
+      <p:par>
+        <p:cTn id="1" dur="indefinite" restart="never" nodeType="tmRoot">
+          <p:childTnLst>
+            <p:seq concurrent="1" nextAc="seek">
+              <p:cTn id="2" dur="indefinite" nodeType="mainSeq">
+                <p:childTnLst>
+                  <p:par>
+                    <p:cTn id="3" fill="hold">
+                      <p:stCondLst>
+                        <p:cond delay="indefinite"/>
+                      </p:stCondLst>
+                      <p:childTnLst>
+                        <p:par>
+                          <p:cTn id="4" fill="hold">
+                            <p:stCondLst>
+                              <p:cond delay="0"/>
+                            </p:stCondLst>
+                            <p:childTnLst>
+                              <p:par>
+                                <p:cTn id="5" presetID="1" presetClass="entr" presetSubtype="0" fill="hold" nodeType="clickEffect">
+                                  <p:stCondLst>
+                                    <p:cond delay="0"/>
+                                  </p:stCondLst>
+                                  <p:childTnLst>
+                                    <p:set>
+                                      <p:cBhvr>
+                                        <p:cTn id="6" dur="1" fill="hold">
+                                          <p:stCondLst>
+                                            <p:cond delay="0"/>
+                                          </p:stCondLst>
+                                        </p:cTn>
+                                        <p:tgtEl>
+                                          <p:spTgt spid="3">
+                                            <p:txEl>
+                                              <p:pRg st="7" end="7"/>
+                                            </p:txEl>
+                                          </p:spTgt>
+                                        </p:tgtEl>
+                                        <p:attrNameLst>
+                                          <p:attrName>style.visibility</p:attrName>
+                                        </p:attrNameLst>
+                                      </p:cBhvr>
+                                      <p:to>
+                                        <p:strVal val="visible"/>
+                                      </p:to>
+                                    </p:set>
+                                  </p:childTnLst>
+                                </p:cTn>
+                              </p:par>
+                              <p:par>
+                                <p:cTn id="7" presetID="1" presetClass="entr" presetSubtype="0" fill="hold" grpId="0" nodeType="withEffect">
+                                  <p:stCondLst>
+                                    <p:cond delay="0"/>
+                                  </p:stCondLst>
+                                  <p:childTnLst>
+                                    <p:set>
+                                      <p:cBhvr>
+                                        <p:cTn id="8" dur="1" fill="hold">
+                                          <p:stCondLst>
+                                            <p:cond delay="0"/>
+                                          </p:stCondLst>
+                                        </p:cTn>
+                                        <p:tgtEl>
+                                          <p:spTgt spid="4"/>
+                                        </p:tgtEl>
+                                        <p:attrNameLst>
+                                          <p:attrName>style.visibility</p:attrName>
+                                        </p:attrNameLst>
+                                      </p:cBhvr>
+                                      <p:to>
+                                        <p:strVal val="visible"/>
+                                      </p:to>
+                                    </p:set>
+                                  </p:childTnLst>
+                                </p:cTn>
+                              </p:par>
+                            </p:childTnLst>
+                          </p:cTn>
+                        </p:par>
+                      </p:childTnLst>
+                    </p:cTn>
+                  </p:par>
+                </p:childTnLst>
+              </p:cTn>
+              <p:prevCondLst>
+                <p:cond evt="onPrev" delay="0">
+                  <p:tgtEl>
+                    <p:sldTgt/>
+                  </p:tgtEl>
+                </p:cond>
+              </p:prevCondLst>
+              <p:nextCondLst>
+                <p:cond evt="onNext" delay="0">
+                  <p:tgtEl>
+                    <p:sldTgt/>
+                  </p:tgtEl>
+                </p:cond>
+              </p:nextCondLst>
+            </p:seq>
+          </p:childTnLst>
+        </p:cTn>
+      </p:par>
+    </p:tnLst>
+    <p:bldLst>
+      <p:bldP spid="4" grpId="0" animBg="1"/>
+    </p:bldLst>
+  </p:timing>
 </p:sld>
 </file>
 
-<file path=ppt/slides/slide19.xml><?xml version="1.0" encoding="utf-8"?>
+<file path=ppt/slides/slide22.xml><?xml version="1.0" encoding="utf-8"?>
 <p:sld xmlns:a="http://schemas.openxmlformats.org/drawingml/2006/main" xmlns:r="http://schemas.openxmlformats.org/officeDocument/2006/relationships" xmlns:p="http://schemas.openxmlformats.org/presentationml/2006/main">
   <p:cSld>
     <p:spTree>
@@ -22984,23 +23765,7 @@
             </a:pPr>
             <a:r>
               <a:rPr lang="de-DE" dirty="0" smtClean="0"/>
-              <a:t> Nutzen von Drittanbietern (</a:t>
-            </a:r>
-            <a:r>
-              <a:rPr lang="de-DE" dirty="0" err="1" smtClean="0"/>
-              <a:t>z.B</a:t>
-            </a:r>
-            <a:r>
-              <a:rPr lang="de-DE" dirty="0" smtClean="0"/>
-              <a:t> </a:t>
-            </a:r>
-            <a:r>
-              <a:rPr lang="de-DE" dirty="0" err="1" smtClean="0"/>
-              <a:t>SonarQube</a:t>
-            </a:r>
-            <a:r>
-              <a:rPr lang="de-DE" dirty="0" smtClean="0"/>
-              <a:t>)</a:t>
+              <a:t>Microsoft Security Code Analysis nur mit Unified/Premier Support</a:t>
             </a:r>
           </a:p>
           <a:p>
@@ -23010,11 +23775,23 @@
             </a:pPr>
             <a:r>
               <a:rPr lang="de-DE" dirty="0"/>
+              <a:t> Nutzen von Drittanbietern (</a:t>
+            </a:r>
+            <a:r>
+              <a:rPr lang="de-DE" dirty="0" err="1"/>
+              <a:t>z.B</a:t>
+            </a:r>
+            <a:r>
+              <a:rPr lang="de-DE" dirty="0"/>
               <a:t> </a:t>
             </a:r>
             <a:r>
+              <a:rPr lang="de-DE" dirty="0" err="1"/>
+              <a:t>SonarQube</a:t>
+            </a:r>
+            <a:r>
               <a:rPr lang="de-DE" dirty="0" smtClean="0"/>
-              <a:t>Microsoft Security Code Analysis nur mit Unified/Premier Support</a:t>
+              <a:t>)</a:t>
             </a:r>
           </a:p>
           <a:p>
@@ -23146,159 +23923,119 @@
   <p:clrMapOvr>
     <a:masterClrMapping/>
   </p:clrMapOvr>
+  <p:timing>
+    <p:tnLst>
+      <p:par>
+        <p:cTn id="1" dur="indefinite" restart="never" nodeType="tmRoot">
+          <p:childTnLst>
+            <p:seq concurrent="1" nextAc="seek">
+              <p:cTn id="2" dur="indefinite" nodeType="mainSeq">
+                <p:childTnLst>
+                  <p:par>
+                    <p:cTn id="3" fill="hold">
+                      <p:stCondLst>
+                        <p:cond delay="indefinite"/>
+                      </p:stCondLst>
+                      <p:childTnLst>
+                        <p:par>
+                          <p:cTn id="4" fill="hold">
+                            <p:stCondLst>
+                              <p:cond delay="0"/>
+                            </p:stCondLst>
+                            <p:childTnLst>
+                              <p:par>
+                                <p:cTn id="5" presetID="1" presetClass="entr" presetSubtype="0" fill="hold" nodeType="clickEffect">
+                                  <p:stCondLst>
+                                    <p:cond delay="0"/>
+                                  </p:stCondLst>
+                                  <p:childTnLst>
+                                    <p:set>
+                                      <p:cBhvr>
+                                        <p:cTn id="6" dur="1" fill="hold">
+                                          <p:stCondLst>
+                                            <p:cond delay="0"/>
+                                          </p:stCondLst>
+                                        </p:cTn>
+                                        <p:tgtEl>
+                                          <p:spTgt spid="3">
+                                            <p:txEl>
+                                              <p:pRg st="8" end="8"/>
+                                            </p:txEl>
+                                          </p:spTgt>
+                                        </p:tgtEl>
+                                        <p:attrNameLst>
+                                          <p:attrName>style.visibility</p:attrName>
+                                        </p:attrNameLst>
+                                      </p:cBhvr>
+                                      <p:to>
+                                        <p:strVal val="visible"/>
+                                      </p:to>
+                                    </p:set>
+                                  </p:childTnLst>
+                                </p:cTn>
+                              </p:par>
+                              <p:par>
+                                <p:cTn id="7" presetID="1" presetClass="entr" presetSubtype="0" fill="hold" grpId="0" nodeType="withEffect">
+                                  <p:stCondLst>
+                                    <p:cond delay="0"/>
+                                  </p:stCondLst>
+                                  <p:childTnLst>
+                                    <p:set>
+                                      <p:cBhvr>
+                                        <p:cTn id="8" dur="1" fill="hold">
+                                          <p:stCondLst>
+                                            <p:cond delay="0"/>
+                                          </p:stCondLst>
+                                        </p:cTn>
+                                        <p:tgtEl>
+                                          <p:spTgt spid="4"/>
+                                        </p:tgtEl>
+                                        <p:attrNameLst>
+                                          <p:attrName>style.visibility</p:attrName>
+                                        </p:attrNameLst>
+                                      </p:cBhvr>
+                                      <p:to>
+                                        <p:strVal val="visible"/>
+                                      </p:to>
+                                    </p:set>
+                                  </p:childTnLst>
+                                </p:cTn>
+                              </p:par>
+                            </p:childTnLst>
+                          </p:cTn>
+                        </p:par>
+                      </p:childTnLst>
+                    </p:cTn>
+                  </p:par>
+                </p:childTnLst>
+              </p:cTn>
+              <p:prevCondLst>
+                <p:cond evt="onPrev" delay="0">
+                  <p:tgtEl>
+                    <p:sldTgt/>
+                  </p:tgtEl>
+                </p:cond>
+              </p:prevCondLst>
+              <p:nextCondLst>
+                <p:cond evt="onNext" delay="0">
+                  <p:tgtEl>
+                    <p:sldTgt/>
+                  </p:tgtEl>
+                </p:cond>
+              </p:nextCondLst>
+            </p:seq>
+          </p:childTnLst>
+        </p:cTn>
+      </p:par>
+    </p:tnLst>
+    <p:bldLst>
+      <p:bldP spid="4" grpId="0" animBg="1"/>
+    </p:bldLst>
+  </p:timing>
 </p:sld>
 </file>
 
-<file path=ppt/slides/slide2.xml><?xml version="1.0" encoding="utf-8"?>
-<p:sld xmlns:a="http://schemas.openxmlformats.org/drawingml/2006/main" xmlns:r="http://schemas.openxmlformats.org/officeDocument/2006/relationships" xmlns:p="http://schemas.openxmlformats.org/presentationml/2006/main">
-  <p:cSld>
-    <p:spTree>
-      <p:nvGrpSpPr>
-        <p:cNvPr id="1" name=""/>
-        <p:cNvGrpSpPr/>
-        <p:nvPr/>
-      </p:nvGrpSpPr>
-      <p:grpSpPr>
-        <a:xfrm>
-          <a:off x="0" y="0"/>
-          <a:ext cx="0" cy="0"/>
-          <a:chOff x="0" y="0"/>
-          <a:chExt cx="0" cy="0"/>
-        </a:xfrm>
-      </p:grpSpPr>
-      <p:sp>
-        <p:nvSpPr>
-          <p:cNvPr id="2" name="Titel 1"/>
-          <p:cNvSpPr>
-            <a:spLocks noGrp="1"/>
-          </p:cNvSpPr>
-          <p:nvPr>
-            <p:ph type="title"/>
-          </p:nvPr>
-        </p:nvSpPr>
-        <p:spPr/>
-        <p:txBody>
-          <a:bodyPr/>
-          <a:lstStyle/>
-          <a:p>
-            <a:r>
-              <a:rPr lang="de-DE" dirty="0" smtClean="0"/>
-              <a:t>Gliederung</a:t>
-            </a:r>
-            <a:endParaRPr lang="de-DE" dirty="0"/>
-          </a:p>
-        </p:txBody>
-      </p:sp>
-      <p:sp>
-        <p:nvSpPr>
-          <p:cNvPr id="3" name="Inhaltsplatzhalter 2"/>
-          <p:cNvSpPr>
-            <a:spLocks noGrp="1"/>
-          </p:cNvSpPr>
-          <p:nvPr>
-            <p:ph idx="1"/>
-          </p:nvPr>
-        </p:nvSpPr>
-        <p:spPr/>
-        <p:txBody>
-          <a:bodyPr/>
-          <a:lstStyle/>
-          <a:p>
-            <a:pPr marL="457200" indent="-457200">
-              <a:buFont typeface="+mj-lt"/>
-              <a:buAutoNum type="arabicPeriod"/>
-            </a:pPr>
-            <a:r>
-              <a:rPr lang="de-DE" dirty="0" smtClean="0"/>
-              <a:t>Chancen und Risiken von </a:t>
-            </a:r>
-            <a:r>
-              <a:rPr lang="de-DE" dirty="0" err="1" smtClean="0"/>
-              <a:t>DevOps</a:t>
-            </a:r>
-            <a:endParaRPr lang="de-DE" dirty="0" smtClean="0"/>
-          </a:p>
-          <a:p>
-            <a:pPr marL="457200" indent="-457200">
-              <a:buFont typeface="+mj-lt"/>
-              <a:buAutoNum type="arabicPeriod"/>
-            </a:pPr>
-            <a:r>
-              <a:rPr lang="de-DE" dirty="0" err="1" smtClean="0"/>
-              <a:t>DevSecOps</a:t>
-            </a:r>
-            <a:endParaRPr lang="de-DE" dirty="0" smtClean="0"/>
-          </a:p>
-          <a:p>
-            <a:pPr marL="457200" indent="-457200">
-              <a:buFont typeface="+mj-lt"/>
-              <a:buAutoNum type="arabicPeriod"/>
-            </a:pPr>
-            <a:r>
-              <a:rPr lang="de-DE" dirty="0" err="1" smtClean="0"/>
-              <a:t>GitHub</a:t>
-            </a:r>
-            <a:r>
-              <a:rPr lang="de-DE" dirty="0" smtClean="0"/>
-              <a:t> </a:t>
-            </a:r>
-          </a:p>
-          <a:p>
-            <a:pPr marL="457200" indent="-457200">
-              <a:buFont typeface="+mj-lt"/>
-              <a:buAutoNum type="arabicPeriod"/>
-            </a:pPr>
-            <a:r>
-              <a:rPr lang="de-DE" dirty="0" err="1" smtClean="0"/>
-              <a:t>Azure</a:t>
-            </a:r>
-            <a:r>
-              <a:rPr lang="de-DE" dirty="0" smtClean="0"/>
-              <a:t> </a:t>
-            </a:r>
-            <a:r>
-              <a:rPr lang="de-DE" dirty="0" err="1" smtClean="0"/>
-              <a:t>DevOps</a:t>
-            </a:r>
-            <a:endParaRPr lang="de-DE" dirty="0" smtClean="0"/>
-          </a:p>
-          <a:p>
-            <a:pPr marL="457200" indent="-457200">
-              <a:buFont typeface="+mj-lt"/>
-              <a:buAutoNum type="arabicPeriod"/>
-            </a:pPr>
-            <a:r>
-              <a:rPr lang="de-DE" dirty="0" smtClean="0"/>
-              <a:t>Vergleich</a:t>
-            </a:r>
-          </a:p>
-          <a:p>
-            <a:pPr marL="457200" indent="-457200">
-              <a:buFont typeface="+mj-lt"/>
-              <a:buAutoNum type="arabicPeriod"/>
-            </a:pPr>
-            <a:r>
-              <a:rPr lang="de-DE" dirty="0" smtClean="0"/>
-              <a:t>Fazit</a:t>
-            </a:r>
-            <a:endParaRPr lang="de-DE" dirty="0"/>
-          </a:p>
-        </p:txBody>
-      </p:sp>
-    </p:spTree>
-    <p:extLst>
-      <p:ext uri="{BB962C8B-B14F-4D97-AF65-F5344CB8AC3E}">
-        <p14:creationId xmlns:p14="http://schemas.microsoft.com/office/powerpoint/2010/main" val="217550076"/>
-      </p:ext>
-    </p:extLst>
-  </p:cSld>
-  <p:clrMapOvr>
-    <a:masterClrMapping/>
-  </p:clrMapOvr>
-</p:sld>
-</file>
-
-<file path=ppt/slides/slide20.xml><?xml version="1.0" encoding="utf-8"?>
+<file path=ppt/slides/slide23.xml><?xml version="1.0" encoding="utf-8"?>
 <p:sld xmlns:a="http://schemas.openxmlformats.org/drawingml/2006/main" xmlns:r="http://schemas.openxmlformats.org/officeDocument/2006/relationships" xmlns:p="http://schemas.openxmlformats.org/presentationml/2006/main">
   <p:cSld>
     <p:spTree>
@@ -23623,10 +24360,17 @@
   <p:clrMapOvr>
     <a:masterClrMapping/>
   </p:clrMapOvr>
+  <p:timing>
+    <p:tnLst>
+      <p:par>
+        <p:cTn id="1" dur="indefinite" restart="never" nodeType="tmRoot"/>
+      </p:par>
+    </p:tnLst>
+  </p:timing>
 </p:sld>
 </file>
 
-<file path=ppt/slides/slide21.xml><?xml version="1.0" encoding="utf-8"?>
+<file path=ppt/slides/slide24.xml><?xml version="1.0" encoding="utf-8"?>
 <p:sld xmlns:a="http://schemas.openxmlformats.org/drawingml/2006/main" xmlns:r="http://schemas.openxmlformats.org/officeDocument/2006/relationships" xmlns:p="http://schemas.openxmlformats.org/presentationml/2006/main">
   <p:cSld>
     <p:spTree>
@@ -23753,10 +24497,17 @@
   <p:clrMapOvr>
     <a:masterClrMapping/>
   </p:clrMapOvr>
+  <p:timing>
+    <p:tnLst>
+      <p:par>
+        <p:cTn id="1" dur="indefinite" restart="never" nodeType="tmRoot"/>
+      </p:par>
+    </p:tnLst>
+  </p:timing>
 </p:sld>
 </file>
 
-<file path=ppt/slides/slide22.xml><?xml version="1.0" encoding="utf-8"?>
+<file path=ppt/slides/slide25.xml><?xml version="1.0" encoding="utf-8"?>
 <p:sld xmlns:a="http://schemas.openxmlformats.org/drawingml/2006/main" xmlns:r="http://schemas.openxmlformats.org/officeDocument/2006/relationships" xmlns:p="http://schemas.openxmlformats.org/presentationml/2006/main">
   <p:cSld>
     <p:spTree>
@@ -23891,10 +24642,287 @@
   <p:clrMapOvr>
     <a:masterClrMapping/>
   </p:clrMapOvr>
+  <p:timing>
+    <p:tnLst>
+      <p:par>
+        <p:cTn id="1" dur="indefinite" restart="never" nodeType="tmRoot"/>
+      </p:par>
+    </p:tnLst>
+  </p:timing>
 </p:sld>
 </file>
 
 <file path=ppt/slides/slide3.xml><?xml version="1.0" encoding="utf-8"?>
+<p:sld xmlns:a="http://schemas.openxmlformats.org/drawingml/2006/main" xmlns:r="http://schemas.openxmlformats.org/officeDocument/2006/relationships" xmlns:p="http://schemas.openxmlformats.org/presentationml/2006/main">
+  <p:cSld>
+    <p:spTree>
+      <p:nvGrpSpPr>
+        <p:cNvPr id="1" name=""/>
+        <p:cNvGrpSpPr/>
+        <p:nvPr/>
+      </p:nvGrpSpPr>
+      <p:grpSpPr>
+        <a:xfrm>
+          <a:off x="0" y="0"/>
+          <a:ext cx="0" cy="0"/>
+          <a:chOff x="0" y="0"/>
+          <a:chExt cx="0" cy="0"/>
+        </a:xfrm>
+      </p:grpSpPr>
+      <p:pic>
+        <p:nvPicPr>
+          <p:cNvPr id="4" name="Inhaltsplatzhalter 3"/>
+          <p:cNvPicPr>
+            <a:picLocks noGrp="1" noChangeAspect="1"/>
+          </p:cNvPicPr>
+          <p:nvPr>
+            <p:ph idx="1"/>
+          </p:nvPr>
+        </p:nvPicPr>
+        <p:blipFill>
+          <a:blip r:embed="rId2">
+            <a:extLst>
+              <a:ext uri="{28A0092B-C50C-407E-A947-70E740481C1C}">
+                <a14:useLocalDpi xmlns:a14="http://schemas.microsoft.com/office/drawing/2010/main" val="0"/>
+              </a:ext>
+            </a:extLst>
+          </a:blip>
+          <a:stretch>
+            <a:fillRect/>
+          </a:stretch>
+        </p:blipFill>
+        <p:spPr>
+          <a:xfrm>
+            <a:off x="2406330" y="98791"/>
+            <a:ext cx="6847540" cy="6539401"/>
+          </a:xfrm>
+        </p:spPr>
+      </p:pic>
+      <p:sp>
+        <p:nvSpPr>
+          <p:cNvPr id="5" name="Rechteck 4"/>
+          <p:cNvSpPr/>
+          <p:nvPr/>
+        </p:nvSpPr>
+        <p:spPr>
+          <a:xfrm>
+            <a:off x="386862" y="536331"/>
+            <a:ext cx="800100" cy="1573823"/>
+          </a:xfrm>
+          <a:prstGeom prst="rect">
+            <a:avLst/>
+          </a:prstGeom>
+          <a:solidFill>
+            <a:schemeClr val="bg1"/>
+          </a:solidFill>
+          <a:ln>
+            <a:solidFill>
+              <a:schemeClr val="bg1"/>
+            </a:solidFill>
+          </a:ln>
+        </p:spPr>
+        <p:style>
+          <a:lnRef idx="2">
+            <a:schemeClr val="accent1">
+              <a:shade val="50000"/>
+            </a:schemeClr>
+          </a:lnRef>
+          <a:fillRef idx="1">
+            <a:schemeClr val="accent1"/>
+          </a:fillRef>
+          <a:effectRef idx="0">
+            <a:schemeClr val="accent1"/>
+          </a:effectRef>
+          <a:fontRef idx="minor">
+            <a:schemeClr val="lt1"/>
+          </a:fontRef>
+        </p:style>
+        <p:txBody>
+          <a:bodyPr rtlCol="0" anchor="ctr"/>
+          <a:lstStyle/>
+          <a:p>
+            <a:pPr algn="ctr"/>
+            <a:endParaRPr lang="de-DE"/>
+          </a:p>
+        </p:txBody>
+      </p:sp>
+    </p:spTree>
+    <p:extLst>
+      <p:ext uri="{BB962C8B-B14F-4D97-AF65-F5344CB8AC3E}">
+        <p14:creationId xmlns:p14="http://schemas.microsoft.com/office/powerpoint/2010/main" val="1924072062"/>
+      </p:ext>
+    </p:extLst>
+  </p:cSld>
+  <p:clrMapOvr>
+    <a:masterClrMapping/>
+  </p:clrMapOvr>
+  <p:timing>
+    <p:tnLst>
+      <p:par>
+        <p:cTn id="1" dur="indefinite" restart="never" nodeType="tmRoot"/>
+      </p:par>
+    </p:tnLst>
+  </p:timing>
+</p:sld>
+</file>
+
+<file path=ppt/slides/slide4.xml><?xml version="1.0" encoding="utf-8"?>
+<p:sld xmlns:a="http://schemas.openxmlformats.org/drawingml/2006/main" xmlns:r="http://schemas.openxmlformats.org/officeDocument/2006/relationships" xmlns:p="http://schemas.openxmlformats.org/presentationml/2006/main">
+  <p:cSld>
+    <p:spTree>
+      <p:nvGrpSpPr>
+        <p:cNvPr id="1" name=""/>
+        <p:cNvGrpSpPr/>
+        <p:nvPr/>
+      </p:nvGrpSpPr>
+      <p:grpSpPr>
+        <a:xfrm>
+          <a:off x="0" y="0"/>
+          <a:ext cx="0" cy="0"/>
+          <a:chOff x="0" y="0"/>
+          <a:chExt cx="0" cy="0"/>
+        </a:xfrm>
+      </p:grpSpPr>
+      <p:sp>
+        <p:nvSpPr>
+          <p:cNvPr id="2" name="Titel 1"/>
+          <p:cNvSpPr>
+            <a:spLocks noGrp="1"/>
+          </p:cNvSpPr>
+          <p:nvPr>
+            <p:ph type="title"/>
+          </p:nvPr>
+        </p:nvSpPr>
+        <p:spPr/>
+        <p:txBody>
+          <a:bodyPr/>
+          <a:lstStyle/>
+          <a:p>
+            <a:r>
+              <a:rPr lang="de-DE" dirty="0" smtClean="0"/>
+              <a:t>Gliederung</a:t>
+            </a:r>
+            <a:endParaRPr lang="de-DE" dirty="0"/>
+          </a:p>
+        </p:txBody>
+      </p:sp>
+      <p:sp>
+        <p:nvSpPr>
+          <p:cNvPr id="3" name="Inhaltsplatzhalter 2"/>
+          <p:cNvSpPr>
+            <a:spLocks noGrp="1"/>
+          </p:cNvSpPr>
+          <p:nvPr>
+            <p:ph idx="1"/>
+          </p:nvPr>
+        </p:nvSpPr>
+        <p:spPr/>
+        <p:txBody>
+          <a:bodyPr/>
+          <a:lstStyle/>
+          <a:p>
+            <a:pPr marL="457200" indent="-457200">
+              <a:buFont typeface="+mj-lt"/>
+              <a:buAutoNum type="arabicPeriod"/>
+            </a:pPr>
+            <a:r>
+              <a:rPr lang="de-DE" dirty="0" smtClean="0"/>
+              <a:t>Chancen und Risiken von </a:t>
+            </a:r>
+            <a:r>
+              <a:rPr lang="de-DE" dirty="0" err="1" smtClean="0"/>
+              <a:t>DevOps</a:t>
+            </a:r>
+            <a:endParaRPr lang="de-DE" dirty="0" smtClean="0"/>
+          </a:p>
+          <a:p>
+            <a:pPr marL="457200" indent="-457200">
+              <a:buFont typeface="+mj-lt"/>
+              <a:buAutoNum type="arabicPeriod"/>
+            </a:pPr>
+            <a:r>
+              <a:rPr lang="de-DE" dirty="0" err="1" smtClean="0"/>
+              <a:t>DevSecOps</a:t>
+            </a:r>
+            <a:endParaRPr lang="de-DE" dirty="0" smtClean="0"/>
+          </a:p>
+          <a:p>
+            <a:pPr marL="457200" indent="-457200">
+              <a:buFont typeface="+mj-lt"/>
+              <a:buAutoNum type="arabicPeriod"/>
+            </a:pPr>
+            <a:r>
+              <a:rPr lang="de-DE" dirty="0" err="1" smtClean="0"/>
+              <a:t>GitHub</a:t>
+            </a:r>
+            <a:r>
+              <a:rPr lang="de-DE" dirty="0" smtClean="0"/>
+              <a:t> </a:t>
+            </a:r>
+          </a:p>
+          <a:p>
+            <a:pPr marL="457200" indent="-457200">
+              <a:buFont typeface="+mj-lt"/>
+              <a:buAutoNum type="arabicPeriod"/>
+            </a:pPr>
+            <a:r>
+              <a:rPr lang="de-DE" dirty="0" err="1" smtClean="0"/>
+              <a:t>Azure</a:t>
+            </a:r>
+            <a:r>
+              <a:rPr lang="de-DE" dirty="0" smtClean="0"/>
+              <a:t> </a:t>
+            </a:r>
+            <a:r>
+              <a:rPr lang="de-DE" dirty="0" err="1" smtClean="0"/>
+              <a:t>DevOps</a:t>
+            </a:r>
+            <a:endParaRPr lang="de-DE" dirty="0" smtClean="0"/>
+          </a:p>
+          <a:p>
+            <a:pPr marL="457200" indent="-457200">
+              <a:buFont typeface="+mj-lt"/>
+              <a:buAutoNum type="arabicPeriod"/>
+            </a:pPr>
+            <a:r>
+              <a:rPr lang="de-DE" dirty="0" smtClean="0"/>
+              <a:t>Vergleich</a:t>
+            </a:r>
+          </a:p>
+          <a:p>
+            <a:pPr marL="457200" indent="-457200">
+              <a:buFont typeface="+mj-lt"/>
+              <a:buAutoNum type="arabicPeriod"/>
+            </a:pPr>
+            <a:r>
+              <a:rPr lang="de-DE" dirty="0" smtClean="0"/>
+              <a:t>Fazit</a:t>
+            </a:r>
+            <a:endParaRPr lang="de-DE" dirty="0"/>
+          </a:p>
+        </p:txBody>
+      </p:sp>
+    </p:spTree>
+    <p:extLst>
+      <p:ext uri="{BB962C8B-B14F-4D97-AF65-F5344CB8AC3E}">
+        <p14:creationId xmlns:p14="http://schemas.microsoft.com/office/powerpoint/2010/main" val="217550076"/>
+      </p:ext>
+    </p:extLst>
+  </p:cSld>
+  <p:clrMapOvr>
+    <a:masterClrMapping/>
+  </p:clrMapOvr>
+  <p:timing>
+    <p:tnLst>
+      <p:par>
+        <p:cTn id="1" dur="indefinite" restart="never" nodeType="tmRoot"/>
+      </p:par>
+    </p:tnLst>
+  </p:timing>
+</p:sld>
+</file>
+
+<file path=ppt/slides/slide5.xml><?xml version="1.0" encoding="utf-8"?>
 <p:sld xmlns:a="http://schemas.openxmlformats.org/drawingml/2006/main" xmlns:r="http://schemas.openxmlformats.org/officeDocument/2006/relationships" xmlns:p="http://schemas.openxmlformats.org/presentationml/2006/main">
   <p:cSld>
     <p:spTree>
@@ -24152,10 +25180,17 @@
   <p:clrMapOvr>
     <a:masterClrMapping/>
   </p:clrMapOvr>
+  <p:timing>
+    <p:tnLst>
+      <p:par>
+        <p:cTn id="1" dur="indefinite" restart="never" nodeType="tmRoot"/>
+      </p:par>
+    </p:tnLst>
+  </p:timing>
 </p:sld>
 </file>
 
-<file path=ppt/slides/slide4.xml><?xml version="1.0" encoding="utf-8"?>
+<file path=ppt/slides/slide6.xml><?xml version="1.0" encoding="utf-8"?>
 <p:sld xmlns:a="http://schemas.openxmlformats.org/drawingml/2006/main" xmlns:r="http://schemas.openxmlformats.org/officeDocument/2006/relationships" xmlns:p="http://schemas.openxmlformats.org/presentationml/2006/main">
   <p:cSld>
     <p:spTree>
@@ -24894,7 +25929,7 @@
         <p:spPr>
           <a:xfrm>
             <a:off x="5339616" y="6192034"/>
-            <a:ext cx="1616590" cy="459961"/>
+            <a:ext cx="1616590" cy="542874"/>
           </a:xfrm>
           <a:prstGeom prst="roundRect">
             <a:avLst/>
@@ -24931,12 +25966,12 @@
               <a:t>Automatisierte </a:t>
             </a:r>
             <a:r>
-              <a:rPr lang="de-DE" dirty="0" err="1" smtClean="0">
+              <a:rPr lang="de-DE" dirty="0" smtClean="0">
                 <a:solidFill>
                   <a:schemeClr val="tx1"/>
                 </a:solidFill>
               </a:rPr>
-              <a:t>Atacken</a:t>
+              <a:t>Attacken</a:t>
             </a:r>
             <a:endParaRPr lang="de-DE" dirty="0">
               <a:solidFill>
@@ -25213,10 +26248,639 @@
   <p:clrMapOvr>
     <a:masterClrMapping/>
   </p:clrMapOvr>
+  <p:timing>
+    <p:tnLst>
+      <p:par>
+        <p:cTn id="1" dur="indefinite" restart="never" nodeType="tmRoot">
+          <p:childTnLst>
+            <p:seq concurrent="1" nextAc="seek">
+              <p:cTn id="2" dur="indefinite" nodeType="mainSeq">
+                <p:childTnLst>
+                  <p:par>
+                    <p:cTn id="3" fill="hold">
+                      <p:stCondLst>
+                        <p:cond delay="indefinite"/>
+                      </p:stCondLst>
+                      <p:childTnLst>
+                        <p:par>
+                          <p:cTn id="4" fill="hold">
+                            <p:stCondLst>
+                              <p:cond delay="0"/>
+                            </p:stCondLst>
+                            <p:childTnLst>
+                              <p:par>
+                                <p:cTn id="5" presetID="1" presetClass="entr" presetSubtype="0" fill="hold" grpId="0" nodeType="clickEffect">
+                                  <p:stCondLst>
+                                    <p:cond delay="0"/>
+                                  </p:stCondLst>
+                                  <p:childTnLst>
+                                    <p:set>
+                                      <p:cBhvr>
+                                        <p:cTn id="6" dur="1" fill="hold">
+                                          <p:stCondLst>
+                                            <p:cond delay="0"/>
+                                          </p:stCondLst>
+                                        </p:cTn>
+                                        <p:tgtEl>
+                                          <p:spTgt spid="11"/>
+                                        </p:tgtEl>
+                                        <p:attrNameLst>
+                                          <p:attrName>style.visibility</p:attrName>
+                                        </p:attrNameLst>
+                                      </p:cBhvr>
+                                      <p:to>
+                                        <p:strVal val="visible"/>
+                                      </p:to>
+                                    </p:set>
+                                  </p:childTnLst>
+                                </p:cTn>
+                              </p:par>
+                            </p:childTnLst>
+                          </p:cTn>
+                        </p:par>
+                      </p:childTnLst>
+                    </p:cTn>
+                  </p:par>
+                  <p:par>
+                    <p:cTn id="7" fill="hold">
+                      <p:stCondLst>
+                        <p:cond delay="indefinite"/>
+                      </p:stCondLst>
+                      <p:childTnLst>
+                        <p:par>
+                          <p:cTn id="8" fill="hold">
+                            <p:stCondLst>
+                              <p:cond delay="0"/>
+                            </p:stCondLst>
+                            <p:childTnLst>
+                              <p:par>
+                                <p:cTn id="9" presetID="1" presetClass="entr" presetSubtype="0" fill="hold" grpId="0" nodeType="clickEffect">
+                                  <p:stCondLst>
+                                    <p:cond delay="0"/>
+                                  </p:stCondLst>
+                                  <p:childTnLst>
+                                    <p:set>
+                                      <p:cBhvr>
+                                        <p:cTn id="10" dur="1" fill="hold">
+                                          <p:stCondLst>
+                                            <p:cond delay="0"/>
+                                          </p:stCondLst>
+                                        </p:cTn>
+                                        <p:tgtEl>
+                                          <p:spTgt spid="12"/>
+                                        </p:tgtEl>
+                                        <p:attrNameLst>
+                                          <p:attrName>style.visibility</p:attrName>
+                                        </p:attrNameLst>
+                                      </p:cBhvr>
+                                      <p:to>
+                                        <p:strVal val="visible"/>
+                                      </p:to>
+                                    </p:set>
+                                  </p:childTnLst>
+                                </p:cTn>
+                              </p:par>
+                            </p:childTnLst>
+                          </p:cTn>
+                        </p:par>
+                      </p:childTnLst>
+                    </p:cTn>
+                  </p:par>
+                  <p:par>
+                    <p:cTn id="11" fill="hold">
+                      <p:stCondLst>
+                        <p:cond delay="indefinite"/>
+                      </p:stCondLst>
+                      <p:childTnLst>
+                        <p:par>
+                          <p:cTn id="12" fill="hold">
+                            <p:stCondLst>
+                              <p:cond delay="0"/>
+                            </p:stCondLst>
+                            <p:childTnLst>
+                              <p:par>
+                                <p:cTn id="13" presetID="1" presetClass="entr" presetSubtype="0" fill="hold" grpId="0" nodeType="clickEffect">
+                                  <p:stCondLst>
+                                    <p:cond delay="0"/>
+                                  </p:stCondLst>
+                                  <p:childTnLst>
+                                    <p:set>
+                                      <p:cBhvr>
+                                        <p:cTn id="14" dur="1" fill="hold">
+                                          <p:stCondLst>
+                                            <p:cond delay="0"/>
+                                          </p:stCondLst>
+                                        </p:cTn>
+                                        <p:tgtEl>
+                                          <p:spTgt spid="10"/>
+                                        </p:tgtEl>
+                                        <p:attrNameLst>
+                                          <p:attrName>style.visibility</p:attrName>
+                                        </p:attrNameLst>
+                                      </p:cBhvr>
+                                      <p:to>
+                                        <p:strVal val="visible"/>
+                                      </p:to>
+                                    </p:set>
+                                  </p:childTnLst>
+                                </p:cTn>
+                              </p:par>
+                            </p:childTnLst>
+                          </p:cTn>
+                        </p:par>
+                      </p:childTnLst>
+                    </p:cTn>
+                  </p:par>
+                  <p:par>
+                    <p:cTn id="15" fill="hold">
+                      <p:stCondLst>
+                        <p:cond delay="indefinite"/>
+                      </p:stCondLst>
+                      <p:childTnLst>
+                        <p:par>
+                          <p:cTn id="16" fill="hold">
+                            <p:stCondLst>
+                              <p:cond delay="0"/>
+                            </p:stCondLst>
+                            <p:childTnLst>
+                              <p:par>
+                                <p:cTn id="17" presetID="1" presetClass="entr" presetSubtype="0" fill="hold" nodeType="clickEffect">
+                                  <p:stCondLst>
+                                    <p:cond delay="0"/>
+                                  </p:stCondLst>
+                                  <p:childTnLst>
+                                    <p:set>
+                                      <p:cBhvr>
+                                        <p:cTn id="18" dur="1" fill="hold">
+                                          <p:stCondLst>
+                                            <p:cond delay="0"/>
+                                          </p:stCondLst>
+                                        </p:cTn>
+                                        <p:tgtEl>
+                                          <p:spTgt spid="21"/>
+                                        </p:tgtEl>
+                                        <p:attrNameLst>
+                                          <p:attrName>style.visibility</p:attrName>
+                                        </p:attrNameLst>
+                                      </p:cBhvr>
+                                      <p:to>
+                                        <p:strVal val="visible"/>
+                                      </p:to>
+                                    </p:set>
+                                  </p:childTnLst>
+                                </p:cTn>
+                              </p:par>
+                              <p:par>
+                                <p:cTn id="19" presetID="1" presetClass="entr" presetSubtype="0" fill="hold" grpId="0" nodeType="withEffect">
+                                  <p:stCondLst>
+                                    <p:cond delay="0"/>
+                                  </p:stCondLst>
+                                  <p:childTnLst>
+                                    <p:set>
+                                      <p:cBhvr>
+                                        <p:cTn id="20" dur="1" fill="hold">
+                                          <p:stCondLst>
+                                            <p:cond delay="0"/>
+                                          </p:stCondLst>
+                                        </p:cTn>
+                                        <p:tgtEl>
+                                          <p:spTgt spid="15"/>
+                                        </p:tgtEl>
+                                        <p:attrNameLst>
+                                          <p:attrName>style.visibility</p:attrName>
+                                        </p:attrNameLst>
+                                      </p:cBhvr>
+                                      <p:to>
+                                        <p:strVal val="visible"/>
+                                      </p:to>
+                                    </p:set>
+                                  </p:childTnLst>
+                                </p:cTn>
+                              </p:par>
+                            </p:childTnLst>
+                          </p:cTn>
+                        </p:par>
+                      </p:childTnLst>
+                    </p:cTn>
+                  </p:par>
+                  <p:par>
+                    <p:cTn id="21" fill="hold">
+                      <p:stCondLst>
+                        <p:cond delay="indefinite"/>
+                      </p:stCondLst>
+                      <p:childTnLst>
+                        <p:par>
+                          <p:cTn id="22" fill="hold">
+                            <p:stCondLst>
+                              <p:cond delay="0"/>
+                            </p:stCondLst>
+                            <p:childTnLst>
+                              <p:par>
+                                <p:cTn id="23" presetID="1" presetClass="entr" presetSubtype="0" fill="hold" nodeType="clickEffect">
+                                  <p:stCondLst>
+                                    <p:cond delay="0"/>
+                                  </p:stCondLst>
+                                  <p:childTnLst>
+                                    <p:set>
+                                      <p:cBhvr>
+                                        <p:cTn id="24" dur="1" fill="hold">
+                                          <p:stCondLst>
+                                            <p:cond delay="0"/>
+                                          </p:stCondLst>
+                                        </p:cTn>
+                                        <p:tgtEl>
+                                          <p:spTgt spid="23"/>
+                                        </p:tgtEl>
+                                        <p:attrNameLst>
+                                          <p:attrName>style.visibility</p:attrName>
+                                        </p:attrNameLst>
+                                      </p:cBhvr>
+                                      <p:to>
+                                        <p:strVal val="visible"/>
+                                      </p:to>
+                                    </p:set>
+                                  </p:childTnLst>
+                                </p:cTn>
+                              </p:par>
+                              <p:par>
+                                <p:cTn id="25" presetID="1" presetClass="entr" presetSubtype="0" fill="hold" grpId="0" nodeType="withEffect">
+                                  <p:stCondLst>
+                                    <p:cond delay="0"/>
+                                  </p:stCondLst>
+                                  <p:childTnLst>
+                                    <p:set>
+                                      <p:cBhvr>
+                                        <p:cTn id="26" dur="1" fill="hold">
+                                          <p:stCondLst>
+                                            <p:cond delay="0"/>
+                                          </p:stCondLst>
+                                        </p:cTn>
+                                        <p:tgtEl>
+                                          <p:spTgt spid="14"/>
+                                        </p:tgtEl>
+                                        <p:attrNameLst>
+                                          <p:attrName>style.visibility</p:attrName>
+                                        </p:attrNameLst>
+                                      </p:cBhvr>
+                                      <p:to>
+                                        <p:strVal val="visible"/>
+                                      </p:to>
+                                    </p:set>
+                                  </p:childTnLst>
+                                </p:cTn>
+                              </p:par>
+                            </p:childTnLst>
+                          </p:cTn>
+                        </p:par>
+                      </p:childTnLst>
+                    </p:cTn>
+                  </p:par>
+                  <p:par>
+                    <p:cTn id="27" fill="hold">
+                      <p:stCondLst>
+                        <p:cond delay="indefinite"/>
+                      </p:stCondLst>
+                      <p:childTnLst>
+                        <p:par>
+                          <p:cTn id="28" fill="hold">
+                            <p:stCondLst>
+                              <p:cond delay="0"/>
+                            </p:stCondLst>
+                            <p:childTnLst>
+                              <p:par>
+                                <p:cTn id="29" presetID="1" presetClass="entr" presetSubtype="0" fill="hold" nodeType="clickEffect">
+                                  <p:stCondLst>
+                                    <p:cond delay="0"/>
+                                  </p:stCondLst>
+                                  <p:childTnLst>
+                                    <p:set>
+                                      <p:cBhvr>
+                                        <p:cTn id="30" dur="1" fill="hold">
+                                          <p:stCondLst>
+                                            <p:cond delay="0"/>
+                                          </p:stCondLst>
+                                        </p:cTn>
+                                        <p:tgtEl>
+                                          <p:spTgt spid="25"/>
+                                        </p:tgtEl>
+                                        <p:attrNameLst>
+                                          <p:attrName>style.visibility</p:attrName>
+                                        </p:attrNameLst>
+                                      </p:cBhvr>
+                                      <p:to>
+                                        <p:strVal val="visible"/>
+                                      </p:to>
+                                    </p:set>
+                                  </p:childTnLst>
+                                </p:cTn>
+                              </p:par>
+                              <p:par>
+                                <p:cTn id="31" presetID="1" presetClass="entr" presetSubtype="0" fill="hold" grpId="0" nodeType="withEffect">
+                                  <p:stCondLst>
+                                    <p:cond delay="0"/>
+                                  </p:stCondLst>
+                                  <p:childTnLst>
+                                    <p:set>
+                                      <p:cBhvr>
+                                        <p:cTn id="32" dur="1" fill="hold">
+                                          <p:stCondLst>
+                                            <p:cond delay="0"/>
+                                          </p:stCondLst>
+                                        </p:cTn>
+                                        <p:tgtEl>
+                                          <p:spTgt spid="13"/>
+                                        </p:tgtEl>
+                                        <p:attrNameLst>
+                                          <p:attrName>style.visibility</p:attrName>
+                                        </p:attrNameLst>
+                                      </p:cBhvr>
+                                      <p:to>
+                                        <p:strVal val="visible"/>
+                                      </p:to>
+                                    </p:set>
+                                  </p:childTnLst>
+                                </p:cTn>
+                              </p:par>
+                            </p:childTnLst>
+                          </p:cTn>
+                        </p:par>
+                      </p:childTnLst>
+                    </p:cTn>
+                  </p:par>
+                  <p:par>
+                    <p:cTn id="33" fill="hold">
+                      <p:stCondLst>
+                        <p:cond delay="indefinite"/>
+                      </p:stCondLst>
+                      <p:childTnLst>
+                        <p:par>
+                          <p:cTn id="34" fill="hold">
+                            <p:stCondLst>
+                              <p:cond delay="0"/>
+                            </p:stCondLst>
+                            <p:childTnLst>
+                              <p:par>
+                                <p:cTn id="35" presetID="1" presetClass="entr" presetSubtype="0" fill="hold" grpId="0" nodeType="clickEffect">
+                                  <p:stCondLst>
+                                    <p:cond delay="0"/>
+                                  </p:stCondLst>
+                                  <p:childTnLst>
+                                    <p:set>
+                                      <p:cBhvr>
+                                        <p:cTn id="36" dur="1" fill="hold">
+                                          <p:stCondLst>
+                                            <p:cond delay="0"/>
+                                          </p:stCondLst>
+                                        </p:cTn>
+                                        <p:tgtEl>
+                                          <p:spTgt spid="16"/>
+                                        </p:tgtEl>
+                                        <p:attrNameLst>
+                                          <p:attrName>style.visibility</p:attrName>
+                                        </p:attrNameLst>
+                                      </p:cBhvr>
+                                      <p:to>
+                                        <p:strVal val="visible"/>
+                                      </p:to>
+                                    </p:set>
+                                  </p:childTnLst>
+                                </p:cTn>
+                              </p:par>
+                            </p:childTnLst>
+                          </p:cTn>
+                        </p:par>
+                      </p:childTnLst>
+                    </p:cTn>
+                  </p:par>
+                  <p:par>
+                    <p:cTn id="37" fill="hold">
+                      <p:stCondLst>
+                        <p:cond delay="indefinite"/>
+                      </p:stCondLst>
+                      <p:childTnLst>
+                        <p:par>
+                          <p:cTn id="38" fill="hold">
+                            <p:stCondLst>
+                              <p:cond delay="0"/>
+                            </p:stCondLst>
+                            <p:childTnLst>
+                              <p:par>
+                                <p:cTn id="39" presetID="1" presetClass="entr" presetSubtype="0" fill="hold" grpId="0" nodeType="clickEffect">
+                                  <p:stCondLst>
+                                    <p:cond delay="0"/>
+                                  </p:stCondLst>
+                                  <p:childTnLst>
+                                    <p:set>
+                                      <p:cBhvr>
+                                        <p:cTn id="40" dur="1" fill="hold">
+                                          <p:stCondLst>
+                                            <p:cond delay="0"/>
+                                          </p:stCondLst>
+                                        </p:cTn>
+                                        <p:tgtEl>
+                                          <p:spTgt spid="17"/>
+                                        </p:tgtEl>
+                                        <p:attrNameLst>
+                                          <p:attrName>style.visibility</p:attrName>
+                                        </p:attrNameLst>
+                                      </p:cBhvr>
+                                      <p:to>
+                                        <p:strVal val="visible"/>
+                                      </p:to>
+                                    </p:set>
+                                  </p:childTnLst>
+                                </p:cTn>
+                              </p:par>
+                              <p:par>
+                                <p:cTn id="41" presetID="1" presetClass="entr" presetSubtype="0" fill="hold" grpId="0" nodeType="withEffect">
+                                  <p:stCondLst>
+                                    <p:cond delay="0"/>
+                                  </p:stCondLst>
+                                  <p:childTnLst>
+                                    <p:set>
+                                      <p:cBhvr>
+                                        <p:cTn id="42" dur="1" fill="hold">
+                                          <p:stCondLst>
+                                            <p:cond delay="0"/>
+                                          </p:stCondLst>
+                                        </p:cTn>
+                                        <p:tgtEl>
+                                          <p:spTgt spid="18"/>
+                                        </p:tgtEl>
+                                        <p:attrNameLst>
+                                          <p:attrName>style.visibility</p:attrName>
+                                        </p:attrNameLst>
+                                      </p:cBhvr>
+                                      <p:to>
+                                        <p:strVal val="visible"/>
+                                      </p:to>
+                                    </p:set>
+                                  </p:childTnLst>
+                                </p:cTn>
+                              </p:par>
+                            </p:childTnLst>
+                          </p:cTn>
+                        </p:par>
+                      </p:childTnLst>
+                    </p:cTn>
+                  </p:par>
+                  <p:par>
+                    <p:cTn id="43" fill="hold">
+                      <p:stCondLst>
+                        <p:cond delay="indefinite"/>
+                      </p:stCondLst>
+                      <p:childTnLst>
+                        <p:par>
+                          <p:cTn id="44" fill="hold">
+                            <p:stCondLst>
+                              <p:cond delay="0"/>
+                            </p:stCondLst>
+                            <p:childTnLst>
+                              <p:par>
+                                <p:cTn id="45" presetID="1" presetClass="entr" presetSubtype="0" fill="hold" grpId="0" nodeType="clickEffect">
+                                  <p:stCondLst>
+                                    <p:cond delay="0"/>
+                                  </p:stCondLst>
+                                  <p:childTnLst>
+                                    <p:set>
+                                      <p:cBhvr>
+                                        <p:cTn id="46" dur="1" fill="hold">
+                                          <p:stCondLst>
+                                            <p:cond delay="0"/>
+                                          </p:stCondLst>
+                                        </p:cTn>
+                                        <p:tgtEl>
+                                          <p:spTgt spid="19"/>
+                                        </p:tgtEl>
+                                        <p:attrNameLst>
+                                          <p:attrName>style.visibility</p:attrName>
+                                        </p:attrNameLst>
+                                      </p:cBhvr>
+                                      <p:to>
+                                        <p:strVal val="visible"/>
+                                      </p:to>
+                                    </p:set>
+                                  </p:childTnLst>
+                                </p:cTn>
+                              </p:par>
+                            </p:childTnLst>
+                          </p:cTn>
+                        </p:par>
+                      </p:childTnLst>
+                    </p:cTn>
+                  </p:par>
+                  <p:par>
+                    <p:cTn id="47" fill="hold">
+                      <p:stCondLst>
+                        <p:cond delay="indefinite"/>
+                      </p:stCondLst>
+                      <p:childTnLst>
+                        <p:par>
+                          <p:cTn id="48" fill="hold">
+                            <p:stCondLst>
+                              <p:cond delay="0"/>
+                            </p:stCondLst>
+                            <p:childTnLst>
+                              <p:par>
+                                <p:cTn id="49" presetID="1" presetClass="entr" presetSubtype="0" fill="hold" grpId="0" nodeType="clickEffect">
+                                  <p:stCondLst>
+                                    <p:cond delay="0"/>
+                                  </p:stCondLst>
+                                  <p:childTnLst>
+                                    <p:set>
+                                      <p:cBhvr>
+                                        <p:cTn id="50" dur="1" fill="hold">
+                                          <p:stCondLst>
+                                            <p:cond delay="0"/>
+                                          </p:stCondLst>
+                                        </p:cTn>
+                                        <p:tgtEl>
+                                          <p:spTgt spid="20"/>
+                                        </p:tgtEl>
+                                        <p:attrNameLst>
+                                          <p:attrName>style.visibility</p:attrName>
+                                        </p:attrNameLst>
+                                      </p:cBhvr>
+                                      <p:to>
+                                        <p:strVal val="visible"/>
+                                      </p:to>
+                                    </p:set>
+                                  </p:childTnLst>
+                                </p:cTn>
+                              </p:par>
+                              <p:par>
+                                <p:cTn id="51" presetID="1" presetClass="entr" presetSubtype="0" fill="hold" grpId="0" nodeType="withEffect">
+                                  <p:stCondLst>
+                                    <p:cond delay="0"/>
+                                  </p:stCondLst>
+                                  <p:childTnLst>
+                                    <p:set>
+                                      <p:cBhvr>
+                                        <p:cTn id="52" dur="1" fill="hold">
+                                          <p:stCondLst>
+                                            <p:cond delay="0"/>
+                                          </p:stCondLst>
+                                        </p:cTn>
+                                        <p:tgtEl>
+                                          <p:spTgt spid="29"/>
+                                        </p:tgtEl>
+                                        <p:attrNameLst>
+                                          <p:attrName>style.visibility</p:attrName>
+                                        </p:attrNameLst>
+                                      </p:cBhvr>
+                                      <p:to>
+                                        <p:strVal val="visible"/>
+                                      </p:to>
+                                    </p:set>
+                                  </p:childTnLst>
+                                </p:cTn>
+                              </p:par>
+                            </p:childTnLst>
+                          </p:cTn>
+                        </p:par>
+                      </p:childTnLst>
+                    </p:cTn>
+                  </p:par>
+                </p:childTnLst>
+              </p:cTn>
+              <p:prevCondLst>
+                <p:cond evt="onPrev" delay="0">
+                  <p:tgtEl>
+                    <p:sldTgt/>
+                  </p:tgtEl>
+                </p:cond>
+              </p:prevCondLst>
+              <p:nextCondLst>
+                <p:cond evt="onNext" delay="0">
+                  <p:tgtEl>
+                    <p:sldTgt/>
+                  </p:tgtEl>
+                </p:cond>
+              </p:nextCondLst>
+            </p:seq>
+          </p:childTnLst>
+        </p:cTn>
+      </p:par>
+    </p:tnLst>
+    <p:bldLst>
+      <p:bldP spid="10" grpId="0" animBg="1"/>
+      <p:bldP spid="11" grpId="0" animBg="1"/>
+      <p:bldP spid="12" grpId="0" animBg="1"/>
+      <p:bldP spid="13" grpId="0" animBg="1"/>
+      <p:bldP spid="14" grpId="0" animBg="1"/>
+      <p:bldP spid="15" grpId="0" animBg="1"/>
+      <p:bldP spid="16" grpId="0" animBg="1"/>
+      <p:bldP spid="17" grpId="0" animBg="1"/>
+      <p:bldP spid="18" grpId="0" animBg="1"/>
+      <p:bldP spid="19" grpId="0" animBg="1"/>
+      <p:bldP spid="20" grpId="0" animBg="1"/>
+      <p:bldP spid="29" grpId="0" animBg="1"/>
+    </p:bldLst>
+  </p:timing>
 </p:sld>
 </file>
 
-<file path=ppt/slides/slide5.xml><?xml version="1.0" encoding="utf-8"?>
+<file path=ppt/slides/slide7.xml><?xml version="1.0" encoding="utf-8"?>
 <p:sld xmlns:a="http://schemas.openxmlformats.org/drawingml/2006/main" xmlns:r="http://schemas.openxmlformats.org/officeDocument/2006/relationships" xmlns:p="http://schemas.openxmlformats.org/presentationml/2006/main">
   <p:cSld>
     <p:spTree>
@@ -25482,10 +27146,17 @@
   <p:clrMapOvr>
     <a:masterClrMapping/>
   </p:clrMapOvr>
+  <p:timing>
+    <p:tnLst>
+      <p:par>
+        <p:cTn id="1" dur="indefinite" restart="never" nodeType="tmRoot"/>
+      </p:par>
+    </p:tnLst>
+  </p:timing>
 </p:sld>
 </file>
 
-<file path=ppt/slides/slide6.xml><?xml version="1.0" encoding="utf-8"?>
+<file path=ppt/slides/slide8.xml><?xml version="1.0" encoding="utf-8"?>
 <p:sld xmlns:a="http://schemas.openxmlformats.org/drawingml/2006/main" xmlns:r="http://schemas.openxmlformats.org/officeDocument/2006/relationships" xmlns:p="http://schemas.openxmlformats.org/presentationml/2006/main">
   <p:cSld>
     <p:spTree>
@@ -25668,10 +27339,182 @@
   <p:clrMapOvr>
     <a:masterClrMapping/>
   </p:clrMapOvr>
+  <p:timing>
+    <p:tnLst>
+      <p:par>
+        <p:cTn id="1" dur="indefinite" restart="never" nodeType="tmRoot">
+          <p:childTnLst>
+            <p:seq concurrent="1" nextAc="seek">
+              <p:cTn id="2" dur="indefinite" nodeType="mainSeq">
+                <p:childTnLst>
+                  <p:par>
+                    <p:cTn id="3" fill="hold">
+                      <p:stCondLst>
+                        <p:cond delay="indefinite"/>
+                      </p:stCondLst>
+                      <p:childTnLst>
+                        <p:par>
+                          <p:cTn id="4" fill="hold">
+                            <p:stCondLst>
+                              <p:cond delay="0"/>
+                            </p:stCondLst>
+                            <p:childTnLst>
+                              <p:par>
+                                <p:cTn id="5" presetID="1" presetClass="entr" presetSubtype="0" fill="hold" nodeType="clickEffect">
+                                  <p:stCondLst>
+                                    <p:cond delay="0"/>
+                                  </p:stCondLst>
+                                  <p:childTnLst>
+                                    <p:set>
+                                      <p:cBhvr>
+                                        <p:cTn id="6" dur="1" fill="hold">
+                                          <p:stCondLst>
+                                            <p:cond delay="0"/>
+                                          </p:stCondLst>
+                                        </p:cTn>
+                                        <p:tgtEl>
+                                          <p:spTgt spid="3">
+                                            <p:txEl>
+                                              <p:pRg st="5" end="5"/>
+                                            </p:txEl>
+                                          </p:spTgt>
+                                        </p:tgtEl>
+                                        <p:attrNameLst>
+                                          <p:attrName>style.visibility</p:attrName>
+                                        </p:attrNameLst>
+                                      </p:cBhvr>
+                                      <p:to>
+                                        <p:strVal val="visible"/>
+                                      </p:to>
+                                    </p:set>
+                                  </p:childTnLst>
+                                </p:cTn>
+                              </p:par>
+                              <p:par>
+                                <p:cTn id="7" presetID="1" presetClass="entr" presetSubtype="0" fill="hold" nodeType="withEffect">
+                                  <p:stCondLst>
+                                    <p:cond delay="0"/>
+                                  </p:stCondLst>
+                                  <p:childTnLst>
+                                    <p:set>
+                                      <p:cBhvr>
+                                        <p:cTn id="8" dur="1" fill="hold">
+                                          <p:stCondLst>
+                                            <p:cond delay="0"/>
+                                          </p:stCondLst>
+                                        </p:cTn>
+                                        <p:tgtEl>
+                                          <p:spTgt spid="3">
+                                            <p:txEl>
+                                              <p:pRg st="6" end="6"/>
+                                            </p:txEl>
+                                          </p:spTgt>
+                                        </p:tgtEl>
+                                        <p:attrNameLst>
+                                          <p:attrName>style.visibility</p:attrName>
+                                        </p:attrNameLst>
+                                      </p:cBhvr>
+                                      <p:to>
+                                        <p:strVal val="visible"/>
+                                      </p:to>
+                                    </p:set>
+                                  </p:childTnLst>
+                                </p:cTn>
+                              </p:par>
+                              <p:par>
+                                <p:cTn id="9" presetID="1" presetClass="entr" presetSubtype="0" fill="hold" nodeType="withEffect">
+                                  <p:stCondLst>
+                                    <p:cond delay="0"/>
+                                  </p:stCondLst>
+                                  <p:childTnLst>
+                                    <p:set>
+                                      <p:cBhvr>
+                                        <p:cTn id="10" dur="1" fill="hold">
+                                          <p:stCondLst>
+                                            <p:cond delay="0"/>
+                                          </p:stCondLst>
+                                        </p:cTn>
+                                        <p:tgtEl>
+                                          <p:spTgt spid="3">
+                                            <p:txEl>
+                                              <p:pRg st="7" end="7"/>
+                                            </p:txEl>
+                                          </p:spTgt>
+                                        </p:tgtEl>
+                                        <p:attrNameLst>
+                                          <p:attrName>style.visibility</p:attrName>
+                                        </p:attrNameLst>
+                                      </p:cBhvr>
+                                      <p:to>
+                                        <p:strVal val="visible"/>
+                                      </p:to>
+                                    </p:set>
+                                  </p:childTnLst>
+                                </p:cTn>
+                              </p:par>
+                              <p:par>
+                                <p:cTn id="11" presetID="1" presetClass="entr" presetSubtype="0" fill="hold" nodeType="withEffect">
+                                  <p:stCondLst>
+                                    <p:cond delay="0"/>
+                                  </p:stCondLst>
+                                  <p:childTnLst>
+                                    <p:set>
+                                      <p:cBhvr>
+                                        <p:cTn id="12" dur="1" fill="hold">
+                                          <p:stCondLst>
+                                            <p:cond delay="0"/>
+                                          </p:stCondLst>
+                                        </p:cTn>
+                                        <p:tgtEl>
+                                          <p:spTgt spid="3">
+                                            <p:txEl>
+                                              <p:pRg st="8" end="8"/>
+                                            </p:txEl>
+                                          </p:spTgt>
+                                        </p:tgtEl>
+                                        <p:attrNameLst>
+                                          <p:attrName>style.visibility</p:attrName>
+                                        </p:attrNameLst>
+                                      </p:cBhvr>
+                                      <p:to>
+                                        <p:strVal val="visible"/>
+                                      </p:to>
+                                    </p:set>
+                                  </p:childTnLst>
+                                </p:cTn>
+                              </p:par>
+                            </p:childTnLst>
+                          </p:cTn>
+                        </p:par>
+                      </p:childTnLst>
+                    </p:cTn>
+                  </p:par>
+                </p:childTnLst>
+              </p:cTn>
+              <p:prevCondLst>
+                <p:cond evt="onPrev" delay="0">
+                  <p:tgtEl>
+                    <p:sldTgt/>
+                  </p:tgtEl>
+                </p:cond>
+              </p:prevCondLst>
+              <p:nextCondLst>
+                <p:cond evt="onNext" delay="0">
+                  <p:tgtEl>
+                    <p:sldTgt/>
+                  </p:tgtEl>
+                </p:cond>
+              </p:nextCondLst>
+            </p:seq>
+          </p:childTnLst>
+        </p:cTn>
+      </p:par>
+    </p:tnLst>
+  </p:timing>
 </p:sld>
 </file>
 
-<file path=ppt/slides/slide7.xml><?xml version="1.0" encoding="utf-8"?>
+<file path=ppt/slides/slide9.xml><?xml version="1.0" encoding="utf-8"?>
 <p:sld xmlns:a="http://schemas.openxmlformats.org/drawingml/2006/main" xmlns:r="http://schemas.openxmlformats.org/officeDocument/2006/relationships" xmlns:p="http://schemas.openxmlformats.org/presentationml/2006/main">
   <p:cSld>
     <p:spTree>
@@ -25752,360 +27595,13 @@
   <p:clrMapOvr>
     <a:masterClrMapping/>
   </p:clrMapOvr>
-</p:sld>
-</file>
-
-<file path=ppt/slides/slide8.xml><?xml version="1.0" encoding="utf-8"?>
-<p:sld xmlns:a="http://schemas.openxmlformats.org/drawingml/2006/main" xmlns:r="http://schemas.openxmlformats.org/officeDocument/2006/relationships" xmlns:p="http://schemas.openxmlformats.org/presentationml/2006/main">
-  <p:cSld>
-    <p:spTree>
-      <p:nvGrpSpPr>
-        <p:cNvPr id="1" name=""/>
-        <p:cNvGrpSpPr/>
-        <p:nvPr/>
-      </p:nvGrpSpPr>
-      <p:grpSpPr>
-        <a:xfrm>
-          <a:off x="0" y="0"/>
-          <a:ext cx="0" cy="0"/>
-          <a:chOff x="0" y="0"/>
-          <a:chExt cx="0" cy="0"/>
-        </a:xfrm>
-      </p:grpSpPr>
-      <p:sp>
-        <p:nvSpPr>
-          <p:cNvPr id="4" name="Titel 3"/>
-          <p:cNvSpPr>
-            <a:spLocks noGrp="1"/>
-          </p:cNvSpPr>
-          <p:nvPr>
-            <p:ph type="title"/>
-          </p:nvPr>
-        </p:nvSpPr>
-        <p:spPr/>
-        <p:txBody>
-          <a:bodyPr/>
-          <a:lstStyle/>
-          <a:p>
-            <a:r>
-              <a:rPr lang="de-DE" dirty="0" smtClean="0"/>
-              <a:t>Security in </a:t>
-            </a:r>
-            <a:r>
-              <a:rPr lang="de-DE" dirty="0" err="1" smtClean="0"/>
-              <a:t>Github</a:t>
-            </a:r>
-            <a:endParaRPr lang="de-DE" dirty="0"/>
-          </a:p>
-        </p:txBody>
-      </p:sp>
-      <p:pic>
-        <p:nvPicPr>
-          <p:cNvPr id="2" name="Grafik 1"/>
-          <p:cNvPicPr>
-            <a:picLocks noChangeAspect="1"/>
-          </p:cNvPicPr>
-          <p:nvPr/>
-        </p:nvPicPr>
-        <p:blipFill>
-          <a:blip r:embed="rId3">
-            <a:extLst>
-              <a:ext uri="{28A0092B-C50C-407E-A947-70E740481C1C}">
-                <a14:useLocalDpi xmlns:a14="http://schemas.microsoft.com/office/drawing/2010/main" val="0"/>
-              </a:ext>
-            </a:extLst>
-          </a:blip>
-          <a:stretch>
-            <a:fillRect/>
-          </a:stretch>
-        </p:blipFill>
-        <p:spPr>
-          <a:xfrm>
-            <a:off x="1514625" y="870007"/>
-            <a:ext cx="8739078" cy="6752924"/>
-          </a:xfrm>
-          <a:prstGeom prst="rect">
-            <a:avLst/>
-          </a:prstGeom>
-        </p:spPr>
-      </p:pic>
-    </p:spTree>
-    <p:extLst>
-      <p:ext uri="{BB962C8B-B14F-4D97-AF65-F5344CB8AC3E}">
-        <p14:creationId xmlns:p14="http://schemas.microsoft.com/office/powerpoint/2010/main" val="1077076356"/>
-      </p:ext>
-    </p:extLst>
-  </p:cSld>
-  <p:clrMapOvr>
-    <a:masterClrMapping/>
-  </p:clrMapOvr>
-</p:sld>
-</file>
-
-<file path=ppt/slides/slide9.xml><?xml version="1.0" encoding="utf-8"?>
-<p:sld xmlns:a="http://schemas.openxmlformats.org/drawingml/2006/main" xmlns:r="http://schemas.openxmlformats.org/officeDocument/2006/relationships" xmlns:p="http://schemas.openxmlformats.org/presentationml/2006/main">
-  <p:cSld>
-    <p:spTree>
-      <p:nvGrpSpPr>
-        <p:cNvPr id="1" name=""/>
-        <p:cNvGrpSpPr/>
-        <p:nvPr/>
-      </p:nvGrpSpPr>
-      <p:grpSpPr>
-        <a:xfrm>
-          <a:off x="0" y="0"/>
-          <a:ext cx="0" cy="0"/>
-          <a:chOff x="0" y="0"/>
-          <a:chExt cx="0" cy="0"/>
-        </a:xfrm>
-      </p:grpSpPr>
-      <p:sp>
-        <p:nvSpPr>
-          <p:cNvPr id="2" name="Titel 1"/>
-          <p:cNvSpPr>
-            <a:spLocks noGrp="1"/>
-          </p:cNvSpPr>
-          <p:nvPr>
-            <p:ph type="title"/>
-          </p:nvPr>
-        </p:nvSpPr>
-        <p:spPr/>
-        <p:txBody>
-          <a:bodyPr/>
-          <a:lstStyle/>
-          <a:p>
-            <a:r>
-              <a:rPr lang="de-DE" dirty="0" smtClean="0"/>
-              <a:t>Secret </a:t>
-            </a:r>
-            <a:r>
-              <a:rPr lang="de-DE" dirty="0" err="1" smtClean="0"/>
-              <a:t>scanning</a:t>
-            </a:r>
-            <a:endParaRPr lang="de-DE" dirty="0"/>
-          </a:p>
-        </p:txBody>
-      </p:sp>
-      <p:sp>
-        <p:nvSpPr>
-          <p:cNvPr id="3" name="Inhaltsplatzhalter 2"/>
-          <p:cNvSpPr>
-            <a:spLocks noGrp="1"/>
-          </p:cNvSpPr>
-          <p:nvPr>
-            <p:ph idx="1"/>
-          </p:nvPr>
-        </p:nvSpPr>
-        <p:spPr>
-          <a:xfrm>
-            <a:off x="1024128" y="3543300"/>
-            <a:ext cx="9720073" cy="4023360"/>
-          </a:xfrm>
-        </p:spPr>
-        <p:txBody>
-          <a:bodyPr/>
-          <a:lstStyle/>
-          <a:p>
-            <a:pPr>
-              <a:buFont typeface="Wingdings" panose="05000000000000000000" pitchFamily="2" charset="2"/>
-              <a:buChar char="v"/>
-            </a:pPr>
-            <a:r>
-              <a:rPr lang="de-DE" dirty="0" smtClean="0"/>
-              <a:t> Secret Scanning überprüft, ob </a:t>
-            </a:r>
-            <a:r>
-              <a:rPr lang="de-DE" dirty="0" err="1" smtClean="0"/>
-              <a:t>Secrets</a:t>
-            </a:r>
-            <a:r>
-              <a:rPr lang="de-DE" dirty="0" smtClean="0"/>
-              <a:t> im Repository liegen.</a:t>
-            </a:r>
-          </a:p>
-          <a:p>
-            <a:pPr>
-              <a:buFont typeface="Wingdings" panose="05000000000000000000" pitchFamily="2" charset="2"/>
-              <a:buChar char="v"/>
-            </a:pPr>
-            <a:r>
-              <a:rPr lang="de-DE" dirty="0"/>
-              <a:t> </a:t>
-            </a:r>
-            <a:r>
-              <a:rPr lang="de-DE" dirty="0" smtClean="0"/>
-              <a:t>Erweiterbare Muster mit </a:t>
-            </a:r>
-            <a:r>
-              <a:rPr lang="de-DE" dirty="0" err="1" smtClean="0"/>
-              <a:t>Github</a:t>
-            </a:r>
-            <a:r>
-              <a:rPr lang="de-DE" dirty="0" smtClean="0"/>
-              <a:t> </a:t>
-            </a:r>
-            <a:r>
-              <a:rPr lang="de-DE" dirty="0" err="1" smtClean="0"/>
-              <a:t>Advanced</a:t>
-            </a:r>
-            <a:r>
-              <a:rPr lang="de-DE" dirty="0" smtClean="0"/>
-              <a:t> Security</a:t>
-            </a:r>
-            <a:endParaRPr lang="de-DE" dirty="0"/>
-          </a:p>
-        </p:txBody>
-      </p:sp>
-      <p:sp>
-        <p:nvSpPr>
-          <p:cNvPr id="4" name="Abgerundetes Rechteck 3"/>
-          <p:cNvSpPr/>
-          <p:nvPr/>
-        </p:nvSpPr>
-        <p:spPr>
-          <a:xfrm>
-            <a:off x="3113474" y="1983192"/>
-            <a:ext cx="1732085" cy="923193"/>
-          </a:xfrm>
-          <a:prstGeom prst="roundRect">
-            <a:avLst/>
-          </a:prstGeom>
-        </p:spPr>
-        <p:style>
-          <a:lnRef idx="2">
-            <a:schemeClr val="accent1">
-              <a:shade val="50000"/>
-            </a:schemeClr>
-          </a:lnRef>
-          <a:fillRef idx="1">
-            <a:schemeClr val="accent1"/>
-          </a:fillRef>
-          <a:effectRef idx="0">
-            <a:schemeClr val="accent1"/>
-          </a:effectRef>
-          <a:fontRef idx="minor">
-            <a:schemeClr val="lt1"/>
-          </a:fontRef>
-        </p:style>
-        <p:txBody>
-          <a:bodyPr rtlCol="0" anchor="ctr"/>
-          <a:lstStyle/>
-          <a:p>
-            <a:pPr algn="ctr"/>
-            <a:r>
-              <a:rPr lang="de-DE" dirty="0" err="1" smtClean="0"/>
-              <a:t>Secrets</a:t>
-            </a:r>
-            <a:r>
-              <a:rPr lang="de-DE" dirty="0" smtClean="0"/>
-              <a:t> sollen geheim bleiben</a:t>
-            </a:r>
-            <a:endParaRPr lang="de-DE" dirty="0"/>
-          </a:p>
-        </p:txBody>
-      </p:sp>
-      <p:sp>
-        <p:nvSpPr>
-          <p:cNvPr id="5" name="Pfeil nach rechts 4"/>
-          <p:cNvSpPr/>
-          <p:nvPr/>
-        </p:nvSpPr>
-        <p:spPr>
-          <a:xfrm>
-            <a:off x="5400587" y="2249862"/>
-            <a:ext cx="967154" cy="402512"/>
-          </a:xfrm>
-          <a:prstGeom prst="rightArrow">
-            <a:avLst/>
-          </a:prstGeom>
-        </p:spPr>
-        <p:style>
-          <a:lnRef idx="2">
-            <a:schemeClr val="accent1">
-              <a:shade val="50000"/>
-            </a:schemeClr>
-          </a:lnRef>
-          <a:fillRef idx="1">
-            <a:schemeClr val="accent1"/>
-          </a:fillRef>
-          <a:effectRef idx="0">
-            <a:schemeClr val="accent1"/>
-          </a:effectRef>
-          <a:fontRef idx="minor">
-            <a:schemeClr val="lt1"/>
-          </a:fontRef>
-        </p:style>
-        <p:txBody>
-          <a:bodyPr rtlCol="0" anchor="ctr"/>
-          <a:lstStyle/>
-          <a:p>
-            <a:pPr algn="ctr"/>
-            <a:endParaRPr lang="de-DE"/>
-          </a:p>
-        </p:txBody>
-      </p:sp>
-      <p:sp>
-        <p:nvSpPr>
-          <p:cNvPr id="7" name="Abgerundetes Rechteck 6"/>
-          <p:cNvSpPr/>
-          <p:nvPr/>
-        </p:nvSpPr>
-        <p:spPr>
-          <a:xfrm>
-            <a:off x="6922769" y="1983191"/>
-            <a:ext cx="1732085" cy="923193"/>
-          </a:xfrm>
-          <a:prstGeom prst="roundRect">
-            <a:avLst/>
-          </a:prstGeom>
-        </p:spPr>
-        <p:style>
-          <a:lnRef idx="2">
-            <a:schemeClr val="accent1">
-              <a:shade val="50000"/>
-            </a:schemeClr>
-          </a:lnRef>
-          <a:fillRef idx="1">
-            <a:schemeClr val="accent1"/>
-          </a:fillRef>
-          <a:effectRef idx="0">
-            <a:schemeClr val="accent1"/>
-          </a:effectRef>
-          <a:fontRef idx="minor">
-            <a:schemeClr val="lt1"/>
-          </a:fontRef>
-        </p:style>
-        <p:txBody>
-          <a:bodyPr rtlCol="0" anchor="ctr"/>
-          <a:lstStyle/>
-          <a:p>
-            <a:pPr algn="ctr"/>
-            <a:r>
-              <a:rPr lang="de-DE" dirty="0" err="1" smtClean="0"/>
-              <a:t>Secrets</a:t>
-            </a:r>
-            <a:r>
-              <a:rPr lang="de-DE" dirty="0" smtClean="0"/>
-              <a:t> nicht in </a:t>
-            </a:r>
-            <a:r>
-              <a:rPr lang="de-DE" dirty="0" err="1" smtClean="0"/>
-              <a:t>Repositories</a:t>
-            </a:r>
-            <a:endParaRPr lang="de-DE" dirty="0"/>
-          </a:p>
-        </p:txBody>
-      </p:sp>
-    </p:spTree>
-    <p:extLst>
-      <p:ext uri="{BB962C8B-B14F-4D97-AF65-F5344CB8AC3E}">
-        <p14:creationId xmlns:p14="http://schemas.microsoft.com/office/powerpoint/2010/main" val="2958358037"/>
-      </p:ext>
-    </p:extLst>
-  </p:cSld>
-  <p:clrMapOvr>
-    <a:masterClrMapping/>
-  </p:clrMapOvr>
+  <p:timing>
+    <p:tnLst>
+      <p:par>
+        <p:cTn id="1" dur="indefinite" restart="never" nodeType="tmRoot"/>
+      </p:par>
+    </p:tnLst>
+  </p:timing>
 </p:sld>
 </file>
 
